--- a/lessons_I/5-8/les_4_condition_switch_cycle_for/les_4.pptx
+++ b/lessons_I/5-8/les_4_condition_switch_cycle_for/les_4.pptx
@@ -6,7 +6,7 @@
     <p:sldMasterId id="2147483661" r:id="rId2"/>
   </p:sldMasterIdLst>
   <p:notesMasterIdLst>
-    <p:notesMasterId r:id="rId19"/>
+    <p:notesMasterId r:id="rId21"/>
   </p:notesMasterIdLst>
   <p:sldIdLst>
     <p:sldId id="256" r:id="rId3"/>
@@ -20,11 +20,13 @@
     <p:sldId id="303" r:id="rId11"/>
     <p:sldId id="304" r:id="rId12"/>
     <p:sldId id="305" r:id="rId13"/>
-    <p:sldId id="306" r:id="rId14"/>
-    <p:sldId id="271" r:id="rId15"/>
-    <p:sldId id="273" r:id="rId16"/>
-    <p:sldId id="300" r:id="rId17"/>
-    <p:sldId id="299" r:id="rId18"/>
+    <p:sldId id="309" r:id="rId14"/>
+    <p:sldId id="310" r:id="rId15"/>
+    <p:sldId id="311" r:id="rId16"/>
+    <p:sldId id="271" r:id="rId17"/>
+    <p:sldId id="307" r:id="rId18"/>
+    <p:sldId id="308" r:id="rId19"/>
+    <p:sldId id="312" r:id="rId20"/>
   </p:sldIdLst>
   <p:sldSz cx="9144000" cy="6858000" type="screen4x3"/>
   <p:notesSz cx="7559675" cy="10691813"/>
@@ -229,7 +231,7 @@
           <a:p>
             <a:fld id="{D1E6144D-2DF5-4C90-871D-7CFEB4D0C6A7}" type="datetimeFigureOut">
               <a:rPr lang="en-US" smtClean="0"/>
-              <a:t>10/27/2019</a:t>
+              <a:t>10/29/2019</a:t>
             </a:fld>
             <a:endParaRPr lang="en-US"/>
           </a:p>
@@ -562,7 +564,7 @@
           <a:p>
             <a:fld id="{6EB8FD76-1AA0-4415-A4D4-45D56F99DAA2}" type="slidenum">
               <a:rPr lang="en-US" smtClean="0"/>
-              <a:t>14</a:t>
+              <a:t>16</a:t>
             </a:fld>
             <a:endParaRPr lang="en-US"/>
           </a:p>
@@ -571,7 +573,7 @@
     </p:spTree>
     <p:extLst>
       <p:ext uri="{BB962C8B-B14F-4D97-AF65-F5344CB8AC3E}">
-        <p14:creationId xmlns:p14="http://schemas.microsoft.com/office/powerpoint/2010/main" val="1246621222"/>
+        <p14:creationId xmlns:p14="http://schemas.microsoft.com/office/powerpoint/2010/main" val="2499969754"/>
       </p:ext>
     </p:extLst>
   </p:cSld>
@@ -646,7 +648,7 @@
           <a:p>
             <a:fld id="{6EB8FD76-1AA0-4415-A4D4-45D56F99DAA2}" type="slidenum">
               <a:rPr lang="en-US" smtClean="0"/>
-              <a:t>15</a:t>
+              <a:t>17</a:t>
             </a:fld>
             <a:endParaRPr lang="en-US"/>
           </a:p>
@@ -655,7 +657,7 @@
     </p:spTree>
     <p:extLst>
       <p:ext uri="{BB962C8B-B14F-4D97-AF65-F5344CB8AC3E}">
-        <p14:creationId xmlns:p14="http://schemas.microsoft.com/office/powerpoint/2010/main" val="984764199"/>
+        <p14:creationId xmlns:p14="http://schemas.microsoft.com/office/powerpoint/2010/main" val="1148496068"/>
       </p:ext>
     </p:extLst>
   </p:cSld>
@@ -730,7 +732,7 @@
           <a:p>
             <a:fld id="{6EB8FD76-1AA0-4415-A4D4-45D56F99DAA2}" type="slidenum">
               <a:rPr lang="en-US" smtClean="0"/>
-              <a:t>16</a:t>
+              <a:t>18</a:t>
             </a:fld>
             <a:endParaRPr lang="en-US"/>
           </a:p>
@@ -739,7 +741,7 @@
     </p:spTree>
     <p:extLst>
       <p:ext uri="{BB962C8B-B14F-4D97-AF65-F5344CB8AC3E}">
-        <p14:creationId xmlns:p14="http://schemas.microsoft.com/office/powerpoint/2010/main" val="3633974142"/>
+        <p14:creationId xmlns:p14="http://schemas.microsoft.com/office/powerpoint/2010/main" val="2372878067"/>
       </p:ext>
     </p:extLst>
   </p:cSld>
@@ -4686,10 +4688,6 @@
               </a:rPr>
               <a:t>Логические операторы.</a:t>
             </a:r>
-            <a:endParaRPr lang="ru-RU" sz="2400" spc="-1" dirty="0" smtClean="0">
-              <a:latin typeface="Calibri" panose="020F0502020204030204" pitchFamily="34" charset="0"/>
-              <a:cs typeface="Calibri" panose="020F0502020204030204" pitchFamily="34" charset="0"/>
-            </a:endParaRPr>
           </a:p>
           <a:p>
             <a:pPr algn="ctr">
@@ -4709,7 +4707,7 @@
                 <a:latin typeface="Calibri" panose="020F0502020204030204" pitchFamily="34" charset="0"/>
                 <a:cs typeface="Calibri" panose="020F0502020204030204" pitchFamily="34" charset="0"/>
               </a:rPr>
-              <a:t>for</a:t>
+              <a:t>while</a:t>
             </a:r>
             <a:r>
               <a:rPr lang="en-US" sz="2400" b="0" strike="noStrike" spc="-1" dirty="0" smtClean="0">
@@ -4986,7 +4984,7 @@
                 <a:latin typeface="Calibri"/>
                 <a:ea typeface="Calibri"/>
               </a:rPr>
-              <a:t>3</a:t>
+              <a:t>4</a:t>
             </a:r>
             <a:r>
               <a:rPr lang="ru-RU" sz="1400" b="0" strike="noStrike" spc="-1" dirty="0" smtClean="0">
@@ -5332,8 +5330,8 @@
         </p:nvSpPr>
         <p:spPr>
           <a:xfrm>
-            <a:off x="8556840" y="419040"/>
-            <a:ext cx="264240" cy="273240"/>
+            <a:off x="8506080" y="419040"/>
+            <a:ext cx="374400" cy="299880"/>
           </a:xfrm>
           <a:prstGeom prst="rect">
             <a:avLst/>
@@ -5365,162 +5363,16 @@
               </a:lnSpc>
             </a:pPr>
             <a:r>
-              <a:rPr lang="ru-RU" sz="1200" b="0" strike="noStrike" spc="-1" dirty="0" smtClean="0">
-                <a:latin typeface="Calibri" panose="020F0502020204030204" pitchFamily="34" charset="0"/>
-                <a:cs typeface="Calibri" panose="020F0502020204030204" pitchFamily="34" charset="0"/>
-              </a:rPr>
-              <a:t>6</a:t>
+              <a:rPr lang="en-US" sz="1200" b="0" strike="noStrike" spc="-1" dirty="0" smtClean="0">
+                <a:latin typeface="Calibri" panose="020F0502020204030204" pitchFamily="34" charset="0"/>
+                <a:cs typeface="Calibri" panose="020F0502020204030204" pitchFamily="34" charset="0"/>
+              </a:rPr>
+              <a:t>10</a:t>
             </a:r>
             <a:endParaRPr lang="ru-RU" sz="1200" b="0" strike="noStrike" spc="-1" dirty="0">
               <a:latin typeface="Calibri" panose="020F0502020204030204" pitchFamily="34" charset="0"/>
               <a:cs typeface="Calibri" panose="020F0502020204030204" pitchFamily="34" charset="0"/>
             </a:endParaRPr>
-          </a:p>
-        </p:txBody>
-      </p:sp>
-      <p:sp>
-        <p:nvSpPr>
-          <p:cNvPr id="19" name="CustomShape 3"/>
-          <p:cNvSpPr/>
-          <p:nvPr/>
-        </p:nvSpPr>
-        <p:spPr>
-          <a:xfrm>
-            <a:off x="4411800" y="379080"/>
-            <a:ext cx="3818160" cy="364320"/>
-          </a:xfrm>
-          <a:prstGeom prst="rect">
-            <a:avLst/>
-          </a:prstGeom>
-          <a:noFill/>
-          <a:ln>
-            <a:noFill/>
-          </a:ln>
-        </p:spPr>
-        <p:style>
-          <a:lnRef idx="0">
-            <a:scrgbClr r="0" g="0" b="0"/>
-          </a:lnRef>
-          <a:fillRef idx="0">
-            <a:scrgbClr r="0" g="0" b="0"/>
-          </a:fillRef>
-          <a:effectRef idx="0">
-            <a:scrgbClr r="0" g="0" b="0"/>
-          </a:effectRef>
-          <a:fontRef idx="minor"/>
-        </p:style>
-        <p:txBody>
-          <a:bodyPr lIns="90000" tIns="45000" rIns="90000" bIns="45000"/>
-          <a:lstStyle/>
-          <a:p>
-            <a:pPr algn="r">
-              <a:lnSpc>
-                <a:spcPct val="100000"/>
-              </a:lnSpc>
-            </a:pPr>
-            <a:r>
-              <a:rPr lang="ru-RU" sz="900" b="1" spc="-1" dirty="0" smtClean="0">
-                <a:latin typeface="Calibri" panose="020F0502020204030204" pitchFamily="34" charset="0"/>
-                <a:cs typeface="Calibri" panose="020F0502020204030204" pitchFamily="34" charset="0"/>
-              </a:rPr>
-              <a:t>УСЛОВИЯ ВЕТВЛЕНИЯ.</a:t>
-            </a:r>
-          </a:p>
-          <a:p>
-            <a:pPr algn="r">
-              <a:lnSpc>
-                <a:spcPct val="100000"/>
-              </a:lnSpc>
-            </a:pPr>
-            <a:r>
-              <a:rPr lang="ru-RU" sz="900" b="1" spc="-1" dirty="0" smtClean="0">
-                <a:latin typeface="Calibri" panose="020F0502020204030204" pitchFamily="34" charset="0"/>
-                <a:cs typeface="Calibri" panose="020F0502020204030204" pitchFamily="34" charset="0"/>
-              </a:rPr>
-              <a:t>ЦИКЛ </a:t>
-            </a:r>
-            <a:r>
-              <a:rPr lang="en-US" sz="900" b="1" spc="-1" dirty="0" smtClean="0">
-                <a:latin typeface="Calibri" panose="020F0502020204030204" pitchFamily="34" charset="0"/>
-                <a:cs typeface="Calibri" panose="020F0502020204030204" pitchFamily="34" charset="0"/>
-              </a:rPr>
-              <a:t>WHILE.</a:t>
-            </a:r>
-            <a:r>
-              <a:rPr lang="ru-RU" sz="900" b="1" spc="-1" dirty="0" smtClean="0">
-                <a:latin typeface="Calibri" panose="020F0502020204030204" pitchFamily="34" charset="0"/>
-                <a:cs typeface="Calibri" panose="020F0502020204030204" pitchFamily="34" charset="0"/>
-              </a:rPr>
-              <a:t> </a:t>
-            </a:r>
-            <a:endParaRPr lang="ru-RU" sz="900" b="1" strike="noStrike" spc="-1" dirty="0">
-              <a:latin typeface="Calibri" panose="020F0502020204030204" pitchFamily="34" charset="0"/>
-              <a:cs typeface="Calibri" panose="020F0502020204030204" pitchFamily="34" charset="0"/>
-            </a:endParaRPr>
-          </a:p>
-        </p:txBody>
-      </p:sp>
-      <p:sp>
-        <p:nvSpPr>
-          <p:cNvPr id="20" name="CustomShape 2"/>
-          <p:cNvSpPr/>
-          <p:nvPr/>
-        </p:nvSpPr>
-        <p:spPr>
-          <a:xfrm>
-            <a:off x="690120" y="1153800"/>
-            <a:ext cx="7553160" cy="395640"/>
-          </a:xfrm>
-          <a:prstGeom prst="rect">
-            <a:avLst/>
-          </a:prstGeom>
-          <a:noFill/>
-          <a:ln>
-            <a:noFill/>
-          </a:ln>
-        </p:spPr>
-        <p:style>
-          <a:lnRef idx="0">
-            <a:scrgbClr r="0" g="0" b="0"/>
-          </a:lnRef>
-          <a:fillRef idx="0">
-            <a:scrgbClr r="0" g="0" b="0"/>
-          </a:fillRef>
-          <a:effectRef idx="0">
-            <a:scrgbClr r="0" g="0" b="0"/>
-          </a:effectRef>
-          <a:fontRef idx="minor"/>
-        </p:style>
-        <p:txBody>
-          <a:bodyPr lIns="90000" tIns="45000" rIns="90000" bIns="45000"/>
-          <a:lstStyle/>
-          <a:p>
-            <a:pPr>
-              <a:lnSpc>
-                <a:spcPct val="100000"/>
-              </a:lnSpc>
-            </a:pPr>
-            <a:r>
-              <a:rPr lang="ru-RU" sz="2000" b="1" spc="-1" dirty="0">
-                <a:solidFill>
-                  <a:srgbClr val="000000"/>
-                </a:solidFill>
-                <a:latin typeface="Calibri"/>
-                <a:ea typeface="Calibri"/>
-              </a:rPr>
-              <a:t>Тема: Условия ветвления. Цикл </a:t>
-            </a:r>
-            <a:r>
-              <a:rPr lang="en-US" sz="2000" b="1" spc="-1" dirty="0">
-                <a:solidFill>
-                  <a:srgbClr val="000000"/>
-                </a:solidFill>
-                <a:latin typeface="Calibri"/>
-                <a:ea typeface="Calibri"/>
-              </a:rPr>
-              <a:t>while.</a:t>
-            </a:r>
-            <a:endParaRPr lang="ru-RU" sz="2000" spc="-1" dirty="0"/>
           </a:p>
         </p:txBody>
       </p:sp>
@@ -5705,6 +5557,145 @@
           </a:prstGeom>
         </p:spPr>
       </p:pic>
+      <p:sp>
+        <p:nvSpPr>
+          <p:cNvPr id="15" name="CustomShape 3"/>
+          <p:cNvSpPr/>
+          <p:nvPr/>
+        </p:nvSpPr>
+        <p:spPr>
+          <a:xfrm>
+            <a:off x="4411800" y="379080"/>
+            <a:ext cx="3818160" cy="364320"/>
+          </a:xfrm>
+          <a:prstGeom prst="rect">
+            <a:avLst/>
+          </a:prstGeom>
+          <a:noFill/>
+          <a:ln>
+            <a:noFill/>
+          </a:ln>
+        </p:spPr>
+        <p:style>
+          <a:lnRef idx="0">
+            <a:scrgbClr r="0" g="0" b="0"/>
+          </a:lnRef>
+          <a:fillRef idx="0">
+            <a:scrgbClr r="0" g="0" b="0"/>
+          </a:fillRef>
+          <a:effectRef idx="0">
+            <a:scrgbClr r="0" g="0" b="0"/>
+          </a:effectRef>
+          <a:fontRef idx="minor"/>
+        </p:style>
+        <p:txBody>
+          <a:bodyPr lIns="90000" tIns="45000" rIns="90000" bIns="45000"/>
+          <a:lstStyle/>
+          <a:p>
+            <a:pPr algn="r">
+              <a:lnSpc>
+                <a:spcPct val="100000"/>
+              </a:lnSpc>
+            </a:pPr>
+            <a:r>
+              <a:rPr lang="ru-RU" sz="900" b="1" spc="-1" dirty="0" smtClean="0">
+                <a:latin typeface="Calibri" panose="020F0502020204030204" pitchFamily="34" charset="0"/>
+                <a:cs typeface="Calibri" panose="020F0502020204030204" pitchFamily="34" charset="0"/>
+              </a:rPr>
+              <a:t>ЛОГИЧЕСКИЕ ОПЕРАТОРЫ.</a:t>
+            </a:r>
+          </a:p>
+          <a:p>
+            <a:pPr algn="r">
+              <a:lnSpc>
+                <a:spcPct val="100000"/>
+              </a:lnSpc>
+            </a:pPr>
+            <a:r>
+              <a:rPr lang="ru-RU" sz="900" b="1" strike="noStrike" spc="-1" dirty="0" smtClean="0">
+                <a:latin typeface="Calibri" panose="020F0502020204030204" pitchFamily="34" charset="0"/>
+                <a:cs typeface="Calibri" panose="020F0502020204030204" pitchFamily="34" charset="0"/>
+              </a:rPr>
+              <a:t>ЦИКЛ </a:t>
+            </a:r>
+            <a:r>
+              <a:rPr lang="en-US" sz="900" b="1" strike="noStrike" spc="-1" dirty="0" smtClean="0">
+                <a:latin typeface="Calibri" panose="020F0502020204030204" pitchFamily="34" charset="0"/>
+                <a:cs typeface="Calibri" panose="020F0502020204030204" pitchFamily="34" charset="0"/>
+              </a:rPr>
+              <a:t>WHILE.</a:t>
+            </a:r>
+            <a:endParaRPr lang="ru-RU" sz="900" b="1" strike="noStrike" spc="-1" dirty="0">
+              <a:latin typeface="Calibri" panose="020F0502020204030204" pitchFamily="34" charset="0"/>
+              <a:cs typeface="Calibri" panose="020F0502020204030204" pitchFamily="34" charset="0"/>
+            </a:endParaRPr>
+          </a:p>
+        </p:txBody>
+      </p:sp>
+      <p:sp>
+        <p:nvSpPr>
+          <p:cNvPr id="16" name="CustomShape 2"/>
+          <p:cNvSpPr/>
+          <p:nvPr/>
+        </p:nvSpPr>
+        <p:spPr>
+          <a:xfrm>
+            <a:off x="690120" y="1153800"/>
+            <a:ext cx="7553160" cy="395640"/>
+          </a:xfrm>
+          <a:prstGeom prst="rect">
+            <a:avLst/>
+          </a:prstGeom>
+          <a:noFill/>
+          <a:ln>
+            <a:noFill/>
+          </a:ln>
+        </p:spPr>
+        <p:style>
+          <a:lnRef idx="0">
+            <a:scrgbClr r="0" g="0" b="0"/>
+          </a:lnRef>
+          <a:fillRef idx="0">
+            <a:scrgbClr r="0" g="0" b="0"/>
+          </a:fillRef>
+          <a:effectRef idx="0">
+            <a:scrgbClr r="0" g="0" b="0"/>
+          </a:effectRef>
+          <a:fontRef idx="minor"/>
+        </p:style>
+        <p:txBody>
+          <a:bodyPr lIns="90000" tIns="45000" rIns="90000" bIns="45000"/>
+          <a:lstStyle/>
+          <a:p>
+            <a:pPr>
+              <a:lnSpc>
+                <a:spcPct val="100000"/>
+              </a:lnSpc>
+            </a:pPr>
+            <a:r>
+              <a:rPr lang="ru-RU" sz="2000" b="1" spc="-1" dirty="0">
+                <a:solidFill>
+                  <a:srgbClr val="000000"/>
+                </a:solidFill>
+                <a:latin typeface="Calibri"/>
+                <a:ea typeface="Calibri"/>
+              </a:rPr>
+              <a:t>Тема: Логические операторы. Цикл </a:t>
+            </a:r>
+            <a:r>
+              <a:rPr lang="en-US" sz="2000" b="1" spc="-1" dirty="0">
+                <a:solidFill>
+                  <a:srgbClr val="000000"/>
+                </a:solidFill>
+                <a:latin typeface="Calibri"/>
+                <a:ea typeface="Calibri"/>
+              </a:rPr>
+              <a:t>while.</a:t>
+            </a:r>
+            <a:endParaRPr lang="ru-RU" sz="2000" spc="-1" dirty="0"/>
+          </a:p>
+        </p:txBody>
+      </p:sp>
     </p:spTree>
     <p:extLst>
       <p:ext uri="{BB962C8B-B14F-4D97-AF65-F5344CB8AC3E}">
@@ -5966,206 +5957,6 @@
       </p:pic>
       <p:sp>
         <p:nvSpPr>
-          <p:cNvPr id="17" name="CustomShape 1"/>
-          <p:cNvSpPr/>
-          <p:nvPr/>
-        </p:nvSpPr>
-        <p:spPr>
-          <a:xfrm>
-            <a:off x="8556840" y="419040"/>
-            <a:ext cx="264240" cy="273240"/>
-          </a:xfrm>
-          <a:prstGeom prst="rect">
-            <a:avLst/>
-          </a:prstGeom>
-          <a:noFill/>
-          <a:ln>
-            <a:noFill/>
-          </a:ln>
-        </p:spPr>
-        <p:style>
-          <a:lnRef idx="0">
-            <a:scrgbClr r="0" g="0" b="0"/>
-          </a:lnRef>
-          <a:fillRef idx="0">
-            <a:scrgbClr r="0" g="0" b="0"/>
-          </a:fillRef>
-          <a:effectRef idx="0">
-            <a:scrgbClr r="0" g="0" b="0"/>
-          </a:effectRef>
-          <a:fontRef idx="minor"/>
-        </p:style>
-        <p:txBody>
-          <a:bodyPr lIns="90000" tIns="45000" rIns="90000" bIns="45000"/>
-          <a:lstStyle/>
-          <a:p>
-            <a:pPr>
-              <a:lnSpc>
-                <a:spcPct val="100000"/>
-              </a:lnSpc>
-            </a:pPr>
-            <a:r>
-              <a:rPr lang="ru-RU" sz="1200" b="0" strike="noStrike" spc="-1" dirty="0" smtClean="0">
-                <a:latin typeface="Calibri" panose="020F0502020204030204" pitchFamily="34" charset="0"/>
-                <a:cs typeface="Calibri" panose="020F0502020204030204" pitchFamily="34" charset="0"/>
-              </a:rPr>
-              <a:t>6</a:t>
-            </a:r>
-            <a:endParaRPr lang="ru-RU" sz="1200" b="0" strike="noStrike" spc="-1" dirty="0">
-              <a:latin typeface="Calibri" panose="020F0502020204030204" pitchFamily="34" charset="0"/>
-              <a:cs typeface="Calibri" panose="020F0502020204030204" pitchFamily="34" charset="0"/>
-            </a:endParaRPr>
-          </a:p>
-        </p:txBody>
-      </p:sp>
-      <p:sp>
-        <p:nvSpPr>
-          <p:cNvPr id="19" name="CustomShape 3"/>
-          <p:cNvSpPr/>
-          <p:nvPr/>
-        </p:nvSpPr>
-        <p:spPr>
-          <a:xfrm>
-            <a:off x="4411800" y="379080"/>
-            <a:ext cx="3818160" cy="364320"/>
-          </a:xfrm>
-          <a:prstGeom prst="rect">
-            <a:avLst/>
-          </a:prstGeom>
-          <a:noFill/>
-          <a:ln>
-            <a:noFill/>
-          </a:ln>
-        </p:spPr>
-        <p:style>
-          <a:lnRef idx="0">
-            <a:scrgbClr r="0" g="0" b="0"/>
-          </a:lnRef>
-          <a:fillRef idx="0">
-            <a:scrgbClr r="0" g="0" b="0"/>
-          </a:fillRef>
-          <a:effectRef idx="0">
-            <a:scrgbClr r="0" g="0" b="0"/>
-          </a:effectRef>
-          <a:fontRef idx="minor"/>
-        </p:style>
-        <p:txBody>
-          <a:bodyPr lIns="90000" tIns="45000" rIns="90000" bIns="45000"/>
-          <a:lstStyle/>
-          <a:p>
-            <a:pPr algn="r">
-              <a:lnSpc>
-                <a:spcPct val="100000"/>
-              </a:lnSpc>
-            </a:pPr>
-            <a:r>
-              <a:rPr lang="ru-RU" sz="900" b="1" spc="-1" dirty="0" smtClean="0">
-                <a:latin typeface="Calibri" panose="020F0502020204030204" pitchFamily="34" charset="0"/>
-                <a:cs typeface="Calibri" panose="020F0502020204030204" pitchFamily="34" charset="0"/>
-              </a:rPr>
-              <a:t>УСЛОВИЯ ВЕТВЛЕНИЯ.</a:t>
-            </a:r>
-          </a:p>
-          <a:p>
-            <a:pPr algn="r">
-              <a:lnSpc>
-                <a:spcPct val="100000"/>
-              </a:lnSpc>
-            </a:pPr>
-            <a:r>
-              <a:rPr lang="ru-RU" sz="900" b="1" spc="-1" dirty="0" smtClean="0">
-                <a:latin typeface="Calibri" panose="020F0502020204030204" pitchFamily="34" charset="0"/>
-                <a:cs typeface="Calibri" panose="020F0502020204030204" pitchFamily="34" charset="0"/>
-              </a:rPr>
-              <a:t>ЦИКЛ </a:t>
-            </a:r>
-            <a:r>
-              <a:rPr lang="en-US" sz="900" b="1" spc="-1" dirty="0" smtClean="0">
-                <a:latin typeface="Calibri" panose="020F0502020204030204" pitchFamily="34" charset="0"/>
-                <a:cs typeface="Calibri" panose="020F0502020204030204" pitchFamily="34" charset="0"/>
-              </a:rPr>
-              <a:t>WHILE.</a:t>
-            </a:r>
-            <a:r>
-              <a:rPr lang="ru-RU" sz="900" b="1" spc="-1" dirty="0" smtClean="0">
-                <a:latin typeface="Calibri" panose="020F0502020204030204" pitchFamily="34" charset="0"/>
-                <a:cs typeface="Calibri" panose="020F0502020204030204" pitchFamily="34" charset="0"/>
-              </a:rPr>
-              <a:t> </a:t>
-            </a:r>
-            <a:endParaRPr lang="ru-RU" sz="900" b="1" strike="noStrike" spc="-1" dirty="0">
-              <a:latin typeface="Calibri" panose="020F0502020204030204" pitchFamily="34" charset="0"/>
-              <a:cs typeface="Calibri" panose="020F0502020204030204" pitchFamily="34" charset="0"/>
-            </a:endParaRPr>
-          </a:p>
-        </p:txBody>
-      </p:sp>
-      <p:sp>
-        <p:nvSpPr>
-          <p:cNvPr id="20" name="CustomShape 2"/>
-          <p:cNvSpPr/>
-          <p:nvPr/>
-        </p:nvSpPr>
-        <p:spPr>
-          <a:xfrm>
-            <a:off x="690120" y="1153800"/>
-            <a:ext cx="7553160" cy="395640"/>
-          </a:xfrm>
-          <a:prstGeom prst="rect">
-            <a:avLst/>
-          </a:prstGeom>
-          <a:noFill/>
-          <a:ln>
-            <a:noFill/>
-          </a:ln>
-        </p:spPr>
-        <p:style>
-          <a:lnRef idx="0">
-            <a:scrgbClr r="0" g="0" b="0"/>
-          </a:lnRef>
-          <a:fillRef idx="0">
-            <a:scrgbClr r="0" g="0" b="0"/>
-          </a:fillRef>
-          <a:effectRef idx="0">
-            <a:scrgbClr r="0" g="0" b="0"/>
-          </a:effectRef>
-          <a:fontRef idx="minor"/>
-        </p:style>
-        <p:txBody>
-          <a:bodyPr lIns="90000" tIns="45000" rIns="90000" bIns="45000"/>
-          <a:lstStyle/>
-          <a:p>
-            <a:pPr>
-              <a:lnSpc>
-                <a:spcPct val="100000"/>
-              </a:lnSpc>
-            </a:pPr>
-            <a:r>
-              <a:rPr lang="ru-RU" sz="2000" b="1" spc="-1" dirty="0">
-                <a:solidFill>
-                  <a:srgbClr val="000000"/>
-                </a:solidFill>
-                <a:latin typeface="Calibri"/>
-                <a:ea typeface="Calibri"/>
-              </a:rPr>
-              <a:t>Тема: Условия ветвления. Цикл </a:t>
-            </a:r>
-            <a:r>
-              <a:rPr lang="en-US" sz="2000" b="1" spc="-1" dirty="0">
-                <a:solidFill>
-                  <a:srgbClr val="000000"/>
-                </a:solidFill>
-                <a:latin typeface="Calibri"/>
-                <a:ea typeface="Calibri"/>
-              </a:rPr>
-              <a:t>while.</a:t>
-            </a:r>
-            <a:endParaRPr lang="ru-RU" sz="2000" spc="-1" dirty="0"/>
-          </a:p>
-        </p:txBody>
-      </p:sp>
-      <p:sp>
-        <p:nvSpPr>
           <p:cNvPr id="21" name="CustomShape 3"/>
           <p:cNvSpPr/>
           <p:nvPr/>
@@ -6316,7 +6107,7 @@
         </p:nvSpPr>
         <p:spPr>
           <a:xfrm>
-            <a:off x="736920" y="4734082"/>
+            <a:off x="845552" y="4453863"/>
             <a:ext cx="3674880" cy="855836"/>
           </a:xfrm>
           <a:prstGeom prst="rect">
@@ -6384,6 +6175,199 @@
               <a:t>.</a:t>
             </a:r>
             <a:endParaRPr lang="ru-RU" b="1" spc="-1" dirty="0" smtClean="0">
+              <a:latin typeface="Calibri" panose="020F0502020204030204" pitchFamily="34" charset="0"/>
+              <a:cs typeface="Calibri" panose="020F0502020204030204" pitchFamily="34" charset="0"/>
+            </a:endParaRPr>
+          </a:p>
+        </p:txBody>
+      </p:sp>
+      <p:sp>
+        <p:nvSpPr>
+          <p:cNvPr id="15" name="CustomShape 3"/>
+          <p:cNvSpPr/>
+          <p:nvPr/>
+        </p:nvSpPr>
+        <p:spPr>
+          <a:xfrm>
+            <a:off x="4411800" y="379080"/>
+            <a:ext cx="3818160" cy="364320"/>
+          </a:xfrm>
+          <a:prstGeom prst="rect">
+            <a:avLst/>
+          </a:prstGeom>
+          <a:noFill/>
+          <a:ln>
+            <a:noFill/>
+          </a:ln>
+        </p:spPr>
+        <p:style>
+          <a:lnRef idx="0">
+            <a:scrgbClr r="0" g="0" b="0"/>
+          </a:lnRef>
+          <a:fillRef idx="0">
+            <a:scrgbClr r="0" g="0" b="0"/>
+          </a:fillRef>
+          <a:effectRef idx="0">
+            <a:scrgbClr r="0" g="0" b="0"/>
+          </a:effectRef>
+          <a:fontRef idx="minor"/>
+        </p:style>
+        <p:txBody>
+          <a:bodyPr lIns="90000" tIns="45000" rIns="90000" bIns="45000"/>
+          <a:lstStyle/>
+          <a:p>
+            <a:pPr algn="r">
+              <a:lnSpc>
+                <a:spcPct val="100000"/>
+              </a:lnSpc>
+            </a:pPr>
+            <a:r>
+              <a:rPr lang="ru-RU" sz="900" b="1" spc="-1" dirty="0" smtClean="0">
+                <a:latin typeface="Calibri" panose="020F0502020204030204" pitchFamily="34" charset="0"/>
+                <a:cs typeface="Calibri" panose="020F0502020204030204" pitchFamily="34" charset="0"/>
+              </a:rPr>
+              <a:t>ЛОГИЧЕСКИЕ ОПЕРАТОРЫ.</a:t>
+            </a:r>
+          </a:p>
+          <a:p>
+            <a:pPr algn="r">
+              <a:lnSpc>
+                <a:spcPct val="100000"/>
+              </a:lnSpc>
+            </a:pPr>
+            <a:r>
+              <a:rPr lang="ru-RU" sz="900" b="1" strike="noStrike" spc="-1" dirty="0" smtClean="0">
+                <a:latin typeface="Calibri" panose="020F0502020204030204" pitchFamily="34" charset="0"/>
+                <a:cs typeface="Calibri" panose="020F0502020204030204" pitchFamily="34" charset="0"/>
+              </a:rPr>
+              <a:t>ЦИКЛ </a:t>
+            </a:r>
+            <a:r>
+              <a:rPr lang="en-US" sz="900" b="1" strike="noStrike" spc="-1" dirty="0" smtClean="0">
+                <a:latin typeface="Calibri" panose="020F0502020204030204" pitchFamily="34" charset="0"/>
+                <a:cs typeface="Calibri" panose="020F0502020204030204" pitchFamily="34" charset="0"/>
+              </a:rPr>
+              <a:t>WHILE.</a:t>
+            </a:r>
+            <a:endParaRPr lang="ru-RU" sz="900" b="1" strike="noStrike" spc="-1" dirty="0">
+              <a:latin typeface="Calibri" panose="020F0502020204030204" pitchFamily="34" charset="0"/>
+              <a:cs typeface="Calibri" panose="020F0502020204030204" pitchFamily="34" charset="0"/>
+            </a:endParaRPr>
+          </a:p>
+        </p:txBody>
+      </p:sp>
+      <p:sp>
+        <p:nvSpPr>
+          <p:cNvPr id="18" name="CustomShape 2"/>
+          <p:cNvSpPr/>
+          <p:nvPr/>
+        </p:nvSpPr>
+        <p:spPr>
+          <a:xfrm>
+            <a:off x="690120" y="1153800"/>
+            <a:ext cx="7553160" cy="395640"/>
+          </a:xfrm>
+          <a:prstGeom prst="rect">
+            <a:avLst/>
+          </a:prstGeom>
+          <a:noFill/>
+          <a:ln>
+            <a:noFill/>
+          </a:ln>
+        </p:spPr>
+        <p:style>
+          <a:lnRef idx="0">
+            <a:scrgbClr r="0" g="0" b="0"/>
+          </a:lnRef>
+          <a:fillRef idx="0">
+            <a:scrgbClr r="0" g="0" b="0"/>
+          </a:fillRef>
+          <a:effectRef idx="0">
+            <a:scrgbClr r="0" g="0" b="0"/>
+          </a:effectRef>
+          <a:fontRef idx="minor"/>
+        </p:style>
+        <p:txBody>
+          <a:bodyPr lIns="90000" tIns="45000" rIns="90000" bIns="45000"/>
+          <a:lstStyle/>
+          <a:p>
+            <a:pPr>
+              <a:lnSpc>
+                <a:spcPct val="100000"/>
+              </a:lnSpc>
+            </a:pPr>
+            <a:r>
+              <a:rPr lang="ru-RU" sz="2000" b="1" spc="-1" dirty="0">
+                <a:solidFill>
+                  <a:srgbClr val="000000"/>
+                </a:solidFill>
+                <a:latin typeface="Calibri"/>
+                <a:ea typeface="Calibri"/>
+              </a:rPr>
+              <a:t>Тема: Логические операторы. Цикл </a:t>
+            </a:r>
+            <a:r>
+              <a:rPr lang="en-US" sz="2000" b="1" spc="-1" dirty="0">
+                <a:solidFill>
+                  <a:srgbClr val="000000"/>
+                </a:solidFill>
+                <a:latin typeface="Calibri"/>
+                <a:ea typeface="Calibri"/>
+              </a:rPr>
+              <a:t>while.</a:t>
+            </a:r>
+            <a:endParaRPr lang="ru-RU" sz="2000" spc="-1" dirty="0"/>
+          </a:p>
+        </p:txBody>
+      </p:sp>
+      <p:sp>
+        <p:nvSpPr>
+          <p:cNvPr id="19" name="CustomShape 1"/>
+          <p:cNvSpPr/>
+          <p:nvPr/>
+        </p:nvSpPr>
+        <p:spPr>
+          <a:xfrm>
+            <a:off x="8506080" y="419040"/>
+            <a:ext cx="374400" cy="299880"/>
+          </a:xfrm>
+          <a:prstGeom prst="rect">
+            <a:avLst/>
+          </a:prstGeom>
+          <a:noFill/>
+          <a:ln>
+            <a:noFill/>
+          </a:ln>
+        </p:spPr>
+        <p:style>
+          <a:lnRef idx="0">
+            <a:scrgbClr r="0" g="0" b="0"/>
+          </a:lnRef>
+          <a:fillRef idx="0">
+            <a:scrgbClr r="0" g="0" b="0"/>
+          </a:fillRef>
+          <a:effectRef idx="0">
+            <a:scrgbClr r="0" g="0" b="0"/>
+          </a:effectRef>
+          <a:fontRef idx="minor"/>
+        </p:style>
+        <p:txBody>
+          <a:bodyPr lIns="90000" tIns="45000" rIns="90000" bIns="45000"/>
+          <a:lstStyle/>
+          <a:p>
+            <a:pPr>
+              <a:lnSpc>
+                <a:spcPct val="100000"/>
+              </a:lnSpc>
+            </a:pPr>
+            <a:r>
+              <a:rPr lang="en-US" sz="1200" b="0" strike="noStrike" spc="-1" dirty="0" smtClean="0">
+                <a:latin typeface="Calibri" panose="020F0502020204030204" pitchFamily="34" charset="0"/>
+                <a:cs typeface="Calibri" panose="020F0502020204030204" pitchFamily="34" charset="0"/>
+              </a:rPr>
+              <a:t>11</a:t>
+            </a:r>
+            <a:endParaRPr lang="ru-RU" sz="1200" b="0" strike="noStrike" spc="-1" dirty="0">
               <a:latin typeface="Calibri" panose="020F0502020204030204" pitchFamily="34" charset="0"/>
               <a:cs typeface="Calibri" panose="020F0502020204030204" pitchFamily="34" charset="0"/>
             </a:endParaRPr>
@@ -6433,14 +6417,6 @@
 <file path=ppt/slides/slide12.xml><?xml version="1.0" encoding="utf-8"?>
 <p:sld xmlns:a="http://schemas.openxmlformats.org/drawingml/2006/main" xmlns:r="http://schemas.openxmlformats.org/officeDocument/2006/relationships" xmlns:p="http://schemas.openxmlformats.org/presentationml/2006/main">
   <p:cSld>
-    <p:bg>
-      <p:bgPr>
-        <a:solidFill>
-          <a:srgbClr val="FFFFFF"/>
-        </a:solidFill>
-        <a:effectLst/>
-      </p:bgPr>
-    </p:bg>
     <p:spTree>
       <p:nvGrpSpPr>
         <p:cNvPr id="1" name=""/>
@@ -6457,30 +6433,37 @@
       </p:grpSpPr>
       <p:pic>
         <p:nvPicPr>
-          <p:cNvPr id="107" name="Google Shape;128;p4"/>
-          <p:cNvPicPr/>
+          <p:cNvPr id="2" name="Рисунок 1"/>
+          <p:cNvPicPr>
+            <a:picLocks noChangeAspect="1"/>
+          </p:cNvPicPr>
           <p:nvPr/>
         </p:nvPicPr>
         <p:blipFill>
-          <a:blip r:embed="rId2"/>
-          <a:stretch/>
+          <a:blip r:embed="rId2">
+            <a:extLst>
+              <a:ext uri="{28A0092B-C50C-407E-A947-70E740481C1C}">
+                <a14:useLocalDpi xmlns:a14="http://schemas.microsoft.com/office/drawing/2010/main" val="0"/>
+              </a:ext>
+            </a:extLst>
+          </a:blip>
+          <a:stretch>
+            <a:fillRect/>
+          </a:stretch>
         </p:blipFill>
         <p:spPr>
           <a:xfrm>
-            <a:off x="736920" y="422280"/>
-            <a:ext cx="1690200" cy="296640"/>
-          </a:xfrm>
-          <a:prstGeom prst="rect">
-            <a:avLst/>
-          </a:prstGeom>
-          <a:ln>
-            <a:noFill/>
-          </a:ln>
+            <a:off x="4713573" y="1314254"/>
+            <a:ext cx="4332451" cy="3439929"/>
+          </a:xfrm>
+          <a:prstGeom prst="rect">
+            <a:avLst/>
+          </a:prstGeom>
         </p:spPr>
       </p:pic>
       <p:pic>
         <p:nvPicPr>
-          <p:cNvPr id="111" name="Google Shape;132;p4"/>
+          <p:cNvPr id="107" name="Google Shape;128;p4"/>
           <p:cNvPicPr/>
           <p:nvPr/>
         </p:nvPicPr>
@@ -6490,6 +6473,76 @@
         </p:blipFill>
         <p:spPr>
           <a:xfrm>
+            <a:off x="736920" y="422280"/>
+            <a:ext cx="1690200" cy="296640"/>
+          </a:xfrm>
+          <a:prstGeom prst="rect">
+            <a:avLst/>
+          </a:prstGeom>
+          <a:ln>
+            <a:noFill/>
+          </a:ln>
+        </p:spPr>
+      </p:pic>
+      <p:sp>
+        <p:nvSpPr>
+          <p:cNvPr id="110" name="CustomShape 3"/>
+          <p:cNvSpPr/>
+          <p:nvPr/>
+        </p:nvSpPr>
+        <p:spPr>
+          <a:xfrm>
+            <a:off x="794003" y="1885690"/>
+            <a:ext cx="7449277" cy="4354190"/>
+          </a:xfrm>
+          <a:prstGeom prst="rect">
+            <a:avLst/>
+          </a:prstGeom>
+          <a:noFill/>
+          <a:ln>
+            <a:noFill/>
+          </a:ln>
+        </p:spPr>
+        <p:style>
+          <a:lnRef idx="0">
+            <a:scrgbClr r="0" g="0" b="0"/>
+          </a:lnRef>
+          <a:fillRef idx="0">
+            <a:scrgbClr r="0" g="0" b="0"/>
+          </a:fillRef>
+          <a:effectRef idx="0">
+            <a:scrgbClr r="0" g="0" b="0"/>
+          </a:effectRef>
+          <a:fontRef idx="minor"/>
+        </p:style>
+        <p:txBody>
+          <a:bodyPr lIns="90000" tIns="45000" rIns="90000" bIns="45000"/>
+          <a:lstStyle/>
+          <a:p>
+            <a:pPr>
+              <a:lnSpc>
+                <a:spcPct val="100000"/>
+              </a:lnSpc>
+            </a:pPr>
+            <a:endParaRPr lang="ru-RU" strike="noStrike" spc="-1" dirty="0">
+              <a:latin typeface="Calibri" panose="020F0502020204030204" pitchFamily="34" charset="0"/>
+              <a:cs typeface="Calibri" panose="020F0502020204030204" pitchFamily="34" charset="0"/>
+            </a:endParaRPr>
+          </a:p>
+        </p:txBody>
+      </p:sp>
+      <p:pic>
+        <p:nvPicPr>
+          <p:cNvPr id="111" name="Google Shape;132;p4"/>
+          <p:cNvPicPr/>
+          <p:nvPr/>
+        </p:nvPicPr>
+        <p:blipFill>
+          <a:blip r:embed="rId4"/>
+          <a:stretch/>
+        </p:blipFill>
+        <p:spPr>
+          <a:xfrm>
             <a:off x="8839440" y="447120"/>
             <a:ext cx="309240" cy="257760"/>
           </a:xfrm>
@@ -6508,7 +6561,7 @@
           <p:nvPr/>
         </p:nvPicPr>
         <p:blipFill>
-          <a:blip r:embed="rId4"/>
+          <a:blip r:embed="rId5"/>
           <a:stretch/>
         </p:blipFill>
         <p:spPr>
@@ -6531,7 +6584,7 @@
           <p:nvPr/>
         </p:nvPicPr>
         <p:blipFill>
-          <a:blip r:embed="rId3"/>
+          <a:blip r:embed="rId4"/>
           <a:stretch/>
         </p:blipFill>
         <p:spPr>
@@ -6610,7 +6663,7 @@
           <p:nvPr/>
         </p:nvPicPr>
         <p:blipFill>
-          <a:blip r:embed="rId5"/>
+          <a:blip r:embed="rId6"/>
           <a:stretch/>
         </p:blipFill>
         <p:spPr>
@@ -6633,7 +6686,7 @@
           <p:nvPr/>
         </p:nvPicPr>
         <p:blipFill>
-          <a:blip r:embed="rId6"/>
+          <a:blip r:embed="rId7"/>
           <a:stretch/>
         </p:blipFill>
         <p:spPr>
@@ -6651,14 +6704,14 @@
       </p:pic>
       <p:sp>
         <p:nvSpPr>
-          <p:cNvPr id="17" name="CustomShape 1"/>
+          <p:cNvPr id="18" name="CustomShape 3"/>
           <p:cNvSpPr/>
           <p:nvPr/>
         </p:nvSpPr>
         <p:spPr>
           <a:xfrm>
-            <a:off x="8556840" y="419040"/>
-            <a:ext cx="264240" cy="273240"/>
+            <a:off x="492784" y="1697760"/>
+            <a:ext cx="8064056" cy="4705920"/>
           </a:xfrm>
           <a:prstGeom prst="rect">
             <a:avLst/>
@@ -6689,14 +6742,7 @@
                 <a:spcPct val="100000"/>
               </a:lnSpc>
             </a:pPr>
-            <a:r>
-              <a:rPr lang="ru-RU" sz="1200" b="0" strike="noStrike" spc="-1" dirty="0" smtClean="0">
-                <a:latin typeface="Calibri" panose="020F0502020204030204" pitchFamily="34" charset="0"/>
-                <a:cs typeface="Calibri" panose="020F0502020204030204" pitchFamily="34" charset="0"/>
-              </a:rPr>
-              <a:t>6</a:t>
-            </a:r>
-            <a:endParaRPr lang="ru-RU" sz="1200" b="0" strike="noStrike" spc="-1" dirty="0">
+            <a:endParaRPr lang="ru-RU" spc="-1" dirty="0">
               <a:latin typeface="Calibri" panose="020F0502020204030204" pitchFamily="34" charset="0"/>
               <a:cs typeface="Calibri" panose="020F0502020204030204" pitchFamily="34" charset="0"/>
             </a:endParaRPr>
@@ -6705,7 +6751,222 @@
       </p:sp>
       <p:sp>
         <p:nvSpPr>
-          <p:cNvPr id="19" name="CustomShape 3"/>
+          <p:cNvPr id="15" name="CustomShape 3"/>
+          <p:cNvSpPr/>
+          <p:nvPr/>
+        </p:nvSpPr>
+        <p:spPr>
+          <a:xfrm>
+            <a:off x="641623" y="1755486"/>
+            <a:ext cx="3809510" cy="4443840"/>
+          </a:xfrm>
+          <a:prstGeom prst="rect">
+            <a:avLst/>
+          </a:prstGeom>
+          <a:noFill/>
+          <a:ln>
+            <a:noFill/>
+          </a:ln>
+        </p:spPr>
+        <p:style>
+          <a:lnRef idx="0">
+            <a:scrgbClr r="0" g="0" b="0"/>
+          </a:lnRef>
+          <a:fillRef idx="0">
+            <a:scrgbClr r="0" g="0" b="0"/>
+          </a:fillRef>
+          <a:effectRef idx="0">
+            <a:scrgbClr r="0" g="0" b="0"/>
+          </a:effectRef>
+          <a:fontRef idx="minor"/>
+        </p:style>
+        <p:txBody>
+          <a:bodyPr lIns="90000" tIns="45000" rIns="90000" bIns="45000"/>
+          <a:lstStyle/>
+          <a:p>
+            <a:pPr>
+              <a:lnSpc>
+                <a:spcPct val="100000"/>
+              </a:lnSpc>
+            </a:pPr>
+            <a:r>
+              <a:rPr lang="ru-RU" b="1" spc="-1" dirty="0">
+                <a:latin typeface="Calibri" panose="020F0502020204030204" pitchFamily="34" charset="0"/>
+                <a:cs typeface="Calibri" panose="020F0502020204030204" pitchFamily="34" charset="0"/>
+              </a:rPr>
+              <a:t>Циклы </a:t>
+            </a:r>
+            <a:endParaRPr lang="ru-RU" b="1" spc="-1" dirty="0" smtClean="0">
+              <a:latin typeface="Calibri" panose="020F0502020204030204" pitchFamily="34" charset="0"/>
+              <a:cs typeface="Calibri" panose="020F0502020204030204" pitchFamily="34" charset="0"/>
+            </a:endParaRPr>
+          </a:p>
+          <a:p>
+            <a:pPr>
+              <a:lnSpc>
+                <a:spcPct val="100000"/>
+              </a:lnSpc>
+            </a:pPr>
+            <a:endParaRPr lang="ru-RU" b="1" spc="-1" dirty="0">
+              <a:latin typeface="Calibri" panose="020F0502020204030204" pitchFamily="34" charset="0"/>
+              <a:cs typeface="Calibri" panose="020F0502020204030204" pitchFamily="34" charset="0"/>
+            </a:endParaRPr>
+          </a:p>
+          <a:p>
+            <a:pPr>
+              <a:lnSpc>
+                <a:spcPct val="100000"/>
+              </a:lnSpc>
+            </a:pPr>
+            <a:r>
+              <a:rPr lang="ru-RU" spc="-1" dirty="0">
+                <a:latin typeface="Calibri" panose="020F0502020204030204" pitchFamily="34" charset="0"/>
+                <a:cs typeface="Calibri" panose="020F0502020204030204" pitchFamily="34" charset="0"/>
+              </a:rPr>
+              <a:t>Цикл повторно выполняет набор выражений до выполнения условия.  </a:t>
+            </a:r>
+          </a:p>
+          <a:p>
+            <a:pPr>
+              <a:lnSpc>
+                <a:spcPct val="100000"/>
+              </a:lnSpc>
+            </a:pPr>
+            <a:r>
+              <a:rPr lang="ru-RU" spc="-1" dirty="0">
+                <a:latin typeface="Calibri" panose="020F0502020204030204" pitchFamily="34" charset="0"/>
+                <a:cs typeface="Calibri" panose="020F0502020204030204" pitchFamily="34" charset="0"/>
+              </a:rPr>
+              <a:t>Цикл </a:t>
+            </a:r>
+            <a:r>
+              <a:rPr lang="ru-RU" spc="-1" dirty="0" err="1">
+                <a:latin typeface="Calibri" panose="020F0502020204030204" pitchFamily="34" charset="0"/>
+                <a:cs typeface="Calibri" panose="020F0502020204030204" pitchFamily="34" charset="0"/>
+              </a:rPr>
+              <a:t>while</a:t>
+            </a:r>
+            <a:r>
+              <a:rPr lang="ru-RU" spc="-1" dirty="0">
+                <a:latin typeface="Calibri" panose="020F0502020204030204" pitchFamily="34" charset="0"/>
+                <a:cs typeface="Calibri" panose="020F0502020204030204" pitchFamily="34" charset="0"/>
+              </a:rPr>
+              <a:t> повторно выполняет заданное выражение, пока условие истинно. </a:t>
+            </a:r>
+          </a:p>
+          <a:p>
+            <a:pPr>
+              <a:lnSpc>
+                <a:spcPct val="100000"/>
+              </a:lnSpc>
+            </a:pPr>
+            <a:endParaRPr lang="en-US" sz="2400" spc="-1" dirty="0">
+              <a:latin typeface="Calibri" panose="020F0502020204030204" pitchFamily="34" charset="0"/>
+              <a:cs typeface="Calibri" panose="020F0502020204030204" pitchFamily="34" charset="0"/>
+            </a:endParaRPr>
+          </a:p>
+          <a:p>
+            <a:pPr>
+              <a:lnSpc>
+                <a:spcPct val="100000"/>
+              </a:lnSpc>
+            </a:pPr>
+            <a:r>
+              <a:rPr lang="ru-RU" spc="-1" dirty="0">
+                <a:latin typeface="Calibri" panose="020F0502020204030204" pitchFamily="34" charset="0"/>
+                <a:cs typeface="Calibri" panose="020F0502020204030204" pitchFamily="34" charset="0"/>
+              </a:rPr>
+              <a:t>Если условие истинно, то происходит итерация цикла</a:t>
+            </a:r>
+            <a:r>
+              <a:rPr lang="ru-RU" spc="-1" dirty="0" smtClean="0">
+                <a:latin typeface="Calibri" panose="020F0502020204030204" pitchFamily="34" charset="0"/>
+                <a:cs typeface="Calibri" panose="020F0502020204030204" pitchFamily="34" charset="0"/>
+              </a:rPr>
+              <a:t>.</a:t>
+            </a:r>
+            <a:endParaRPr lang="en-US" spc="-1" dirty="0" smtClean="0">
+              <a:latin typeface="Calibri" panose="020F0502020204030204" pitchFamily="34" charset="0"/>
+              <a:cs typeface="Calibri" panose="020F0502020204030204" pitchFamily="34" charset="0"/>
+            </a:endParaRPr>
+          </a:p>
+          <a:p>
+            <a:pPr>
+              <a:lnSpc>
+                <a:spcPct val="100000"/>
+              </a:lnSpc>
+            </a:pPr>
+            <a:r>
+              <a:rPr lang="ru-RU" spc="-1" dirty="0">
+                <a:latin typeface="Calibri" panose="020F0502020204030204" pitchFamily="34" charset="0"/>
+                <a:cs typeface="Calibri" panose="020F0502020204030204" pitchFamily="34" charset="0"/>
+              </a:rPr>
+              <a:t>В точке, где условие становится ложным, выполнение программы смещается в строку, последующую за циклом</a:t>
+            </a:r>
+            <a:r>
+              <a:rPr lang="ru-RU" spc="-1" dirty="0" smtClean="0">
+                <a:latin typeface="Calibri" panose="020F0502020204030204" pitchFamily="34" charset="0"/>
+                <a:cs typeface="Calibri" panose="020F0502020204030204" pitchFamily="34" charset="0"/>
+              </a:rPr>
+              <a:t>.</a:t>
+            </a:r>
+          </a:p>
+          <a:p>
+            <a:pPr>
+              <a:lnSpc>
+                <a:spcPct val="100000"/>
+              </a:lnSpc>
+            </a:pPr>
+            <a:endParaRPr lang="ru-RU" spc="-1" dirty="0">
+              <a:latin typeface="Calibri" panose="020F0502020204030204" pitchFamily="34" charset="0"/>
+              <a:cs typeface="Calibri" panose="020F0502020204030204" pitchFamily="34" charset="0"/>
+            </a:endParaRPr>
+          </a:p>
+          <a:p>
+            <a:pPr>
+              <a:lnSpc>
+                <a:spcPct val="100000"/>
+              </a:lnSpc>
+            </a:pPr>
+            <a:r>
+              <a:rPr lang="ru-RU" spc="-1" dirty="0">
+                <a:latin typeface="Calibri" panose="020F0502020204030204" pitchFamily="34" charset="0"/>
+                <a:cs typeface="Calibri" panose="020F0502020204030204" pitchFamily="34" charset="0"/>
+              </a:rPr>
+              <a:t>Телом цикла называется блок выражений внутри фигурных скобок.</a:t>
+            </a:r>
+            <a:endParaRPr lang="en-US" spc="-1" dirty="0" smtClean="0">
+              <a:latin typeface="Calibri" panose="020F0502020204030204" pitchFamily="34" charset="0"/>
+              <a:cs typeface="Calibri" panose="020F0502020204030204" pitchFamily="34" charset="0"/>
+            </a:endParaRPr>
+          </a:p>
+          <a:p>
+            <a:pPr>
+              <a:lnSpc>
+                <a:spcPct val="100000"/>
+              </a:lnSpc>
+            </a:pPr>
+            <a:endParaRPr lang="en-US" spc="-1" dirty="0">
+              <a:latin typeface="Calibri" panose="020F0502020204030204" pitchFamily="34" charset="0"/>
+              <a:cs typeface="Calibri" panose="020F0502020204030204" pitchFamily="34" charset="0"/>
+            </a:endParaRPr>
+          </a:p>
+          <a:p>
+            <a:pPr>
+              <a:lnSpc>
+                <a:spcPct val="100000"/>
+              </a:lnSpc>
+            </a:pPr>
+            <a:endParaRPr lang="ru-RU" spc="-1" dirty="0">
+              <a:latin typeface="Calibri" panose="020F0502020204030204" pitchFamily="34" charset="0"/>
+              <a:cs typeface="Calibri" panose="020F0502020204030204" pitchFamily="34" charset="0"/>
+            </a:endParaRPr>
+          </a:p>
+        </p:txBody>
+      </p:sp>
+      <p:sp>
+        <p:nvSpPr>
+          <p:cNvPr id="17" name="CustomShape 3"/>
           <p:cNvSpPr/>
           <p:nvPr/>
         </p:nvSpPr>
@@ -6748,7 +7009,7 @@
                 <a:latin typeface="Calibri" panose="020F0502020204030204" pitchFamily="34" charset="0"/>
                 <a:cs typeface="Calibri" panose="020F0502020204030204" pitchFamily="34" charset="0"/>
               </a:rPr>
-              <a:t>УСЛОВИЯ ВЕТВЛЕНИЯ.</a:t>
+              <a:t>ЛОГИЧЕСКИЕ ОПЕРАТОРЫ.</a:t>
             </a:r>
           </a:p>
           <a:p>
@@ -6758,25 +7019,18 @@
               </a:lnSpc>
             </a:pPr>
             <a:r>
-              <a:rPr lang="ru-RU" sz="900" b="1" spc="-1" dirty="0" smtClean="0">
+              <a:rPr lang="ru-RU" sz="900" b="1" strike="noStrike" spc="-1" dirty="0" smtClean="0">
                 <a:latin typeface="Calibri" panose="020F0502020204030204" pitchFamily="34" charset="0"/>
                 <a:cs typeface="Calibri" panose="020F0502020204030204" pitchFamily="34" charset="0"/>
               </a:rPr>
               <a:t>ЦИКЛ </a:t>
             </a:r>
             <a:r>
-              <a:rPr lang="en-US" sz="900" b="1" spc="-1" dirty="0" smtClean="0">
+              <a:rPr lang="en-US" sz="900" b="1" strike="noStrike" spc="-1" dirty="0" smtClean="0">
                 <a:latin typeface="Calibri" panose="020F0502020204030204" pitchFamily="34" charset="0"/>
                 <a:cs typeface="Calibri" panose="020F0502020204030204" pitchFamily="34" charset="0"/>
               </a:rPr>
               <a:t>WHILE.</a:t>
-            </a:r>
-            <a:r>
-              <a:rPr lang="ru-RU" sz="900" b="1" spc="-1" dirty="0" smtClean="0">
-                <a:latin typeface="Calibri" panose="020F0502020204030204" pitchFamily="34" charset="0"/>
-                <a:cs typeface="Calibri" panose="020F0502020204030204" pitchFamily="34" charset="0"/>
-              </a:rPr>
-              <a:t> </a:t>
             </a:r>
             <a:endParaRPr lang="ru-RU" sz="900" b="1" strike="noStrike" spc="-1" dirty="0">
               <a:latin typeface="Calibri" panose="020F0502020204030204" pitchFamily="34" charset="0"/>
@@ -6787,7 +7041,126 @@
       </p:sp>
       <p:sp>
         <p:nvSpPr>
-          <p:cNvPr id="20" name="CustomShape 2"/>
+          <p:cNvPr id="19" name="CustomShape 3"/>
+          <p:cNvSpPr/>
+          <p:nvPr/>
+        </p:nvSpPr>
+        <p:spPr>
+          <a:xfrm>
+            <a:off x="5795556" y="4914637"/>
+            <a:ext cx="2498844" cy="1727257"/>
+          </a:xfrm>
+          <a:prstGeom prst="rect">
+            <a:avLst/>
+          </a:prstGeom>
+          <a:noFill/>
+          <a:ln>
+            <a:noFill/>
+          </a:ln>
+        </p:spPr>
+        <p:style>
+          <a:lnRef idx="0">
+            <a:scrgbClr r="0" g="0" b="0"/>
+          </a:lnRef>
+          <a:fillRef idx="0">
+            <a:scrgbClr r="0" g="0" b="0"/>
+          </a:fillRef>
+          <a:effectRef idx="0">
+            <a:scrgbClr r="0" g="0" b="0"/>
+          </a:effectRef>
+          <a:fontRef idx="minor"/>
+        </p:style>
+        <p:txBody>
+          <a:bodyPr lIns="90000" tIns="45000" rIns="90000" bIns="45000"/>
+          <a:lstStyle/>
+          <a:p>
+            <a:pPr>
+              <a:lnSpc>
+                <a:spcPct val="100000"/>
+              </a:lnSpc>
+            </a:pPr>
+            <a:r>
+              <a:rPr lang="en-US" sz="2400" b="1" dirty="0" smtClean="0">
+                <a:latin typeface="Calibri" panose="020F0502020204030204" pitchFamily="34" charset="0"/>
+                <a:cs typeface="Calibri" panose="020F0502020204030204" pitchFamily="34" charset="0"/>
+              </a:rPr>
+              <a:t>while </a:t>
+            </a:r>
+            <a:r>
+              <a:rPr lang="en-US" sz="2400" dirty="0">
+                <a:latin typeface="Calibri" panose="020F0502020204030204" pitchFamily="34" charset="0"/>
+                <a:cs typeface="Calibri" panose="020F0502020204030204" pitchFamily="34" charset="0"/>
+              </a:rPr>
+              <a:t>(condition</a:t>
+            </a:r>
+            <a:r>
+              <a:rPr lang="en-US" sz="2400" dirty="0" smtClean="0">
+                <a:latin typeface="Calibri" panose="020F0502020204030204" pitchFamily="34" charset="0"/>
+                <a:cs typeface="Calibri" panose="020F0502020204030204" pitchFamily="34" charset="0"/>
+              </a:rPr>
+              <a:t>)</a:t>
+            </a:r>
+          </a:p>
+          <a:p>
+            <a:pPr>
+              <a:lnSpc>
+                <a:spcPct val="100000"/>
+              </a:lnSpc>
+            </a:pPr>
+            <a:r>
+              <a:rPr lang="en-US" sz="2400" dirty="0" smtClean="0">
+                <a:latin typeface="Calibri" panose="020F0502020204030204" pitchFamily="34" charset="0"/>
+                <a:cs typeface="Calibri" panose="020F0502020204030204" pitchFamily="34" charset="0"/>
+              </a:rPr>
+              <a:t>{</a:t>
+            </a:r>
+          </a:p>
+          <a:p>
+            <a:pPr>
+              <a:lnSpc>
+                <a:spcPct val="100000"/>
+              </a:lnSpc>
+            </a:pPr>
+            <a:r>
+              <a:rPr lang="en-US" sz="2400" dirty="0">
+                <a:latin typeface="Calibri" panose="020F0502020204030204" pitchFamily="34" charset="0"/>
+                <a:cs typeface="Calibri" panose="020F0502020204030204" pitchFamily="34" charset="0"/>
+              </a:rPr>
+              <a:t> </a:t>
+            </a:r>
+            <a:r>
+              <a:rPr lang="en-US" sz="2400" dirty="0" smtClean="0">
+                <a:latin typeface="Calibri" panose="020F0502020204030204" pitchFamily="34" charset="0"/>
+                <a:cs typeface="Calibri" panose="020F0502020204030204" pitchFamily="34" charset="0"/>
+              </a:rPr>
+              <a:t>   statements;</a:t>
+            </a:r>
+            <a:r>
+              <a:rPr lang="en-US" sz="2400" dirty="0">
+                <a:latin typeface="Calibri" panose="020F0502020204030204" pitchFamily="34" charset="0"/>
+                <a:cs typeface="Calibri" panose="020F0502020204030204" pitchFamily="34" charset="0"/>
+              </a:rPr>
+              <a:t/>
+            </a:r>
+            <a:br>
+              <a:rPr lang="en-US" sz="2400" dirty="0">
+                <a:latin typeface="Calibri" panose="020F0502020204030204" pitchFamily="34" charset="0"/>
+                <a:cs typeface="Calibri" panose="020F0502020204030204" pitchFamily="34" charset="0"/>
+              </a:rPr>
+            </a:br>
+            <a:r>
+              <a:rPr lang="en-US" sz="2400" dirty="0" smtClean="0">
+                <a:latin typeface="Calibri" panose="020F0502020204030204" pitchFamily="34" charset="0"/>
+                <a:cs typeface="Calibri" panose="020F0502020204030204" pitchFamily="34" charset="0"/>
+              </a:rPr>
+              <a:t>}</a:t>
+            </a:r>
+          </a:p>
+        </p:txBody>
+      </p:sp>
+      <p:sp>
+        <p:nvSpPr>
+          <p:cNvPr id="22" name="CustomShape 2"/>
           <p:cNvSpPr/>
           <p:nvPr/>
         </p:nvSpPr>
@@ -6833,7 +7206,7 @@
                 <a:latin typeface="Calibri"/>
                 <a:ea typeface="Calibri"/>
               </a:rPr>
-              <a:t>Тема: Условия ветвления. Цикл </a:t>
+              <a:t>Тема: Логические операторы. Цикл </a:t>
             </a:r>
             <a:r>
               <a:rPr lang="en-US" sz="2000" b="1" spc="-1" dirty="0">
@@ -6851,14 +7224,14 @@
       </p:sp>
       <p:sp>
         <p:nvSpPr>
-          <p:cNvPr id="21" name="CustomShape 3"/>
+          <p:cNvPr id="23" name="CustomShape 1"/>
           <p:cNvSpPr/>
           <p:nvPr/>
         </p:nvSpPr>
         <p:spPr>
           <a:xfrm>
-            <a:off x="645184" y="1850159"/>
-            <a:ext cx="7750496" cy="2152497"/>
+            <a:off x="8506080" y="419040"/>
+            <a:ext cx="374400" cy="299880"/>
           </a:xfrm>
           <a:prstGeom prst="rect">
             <a:avLst/>
@@ -6890,27 +7263,13 @@
               </a:lnSpc>
             </a:pPr>
             <a:r>
-              <a:rPr lang="ru-RU" b="1" spc="-1" dirty="0">
-                <a:latin typeface="Calibri" panose="020F0502020204030204" pitchFamily="34" charset="0"/>
-                <a:cs typeface="Calibri" panose="020F0502020204030204" pitchFamily="34" charset="0"/>
-              </a:rPr>
-              <a:t>Логические операторы </a:t>
-            </a:r>
-          </a:p>
-          <a:p>
-            <a:pPr>
-              <a:lnSpc>
-                <a:spcPct val="100000"/>
-              </a:lnSpc>
-            </a:pPr>
-            <a:r>
-              <a:rPr lang="ru-RU" b="1" spc="-1" dirty="0">
-                <a:latin typeface="Calibri" panose="020F0502020204030204" pitchFamily="34" charset="0"/>
-                <a:cs typeface="Calibri" panose="020F0502020204030204" pitchFamily="34" charset="0"/>
-              </a:rPr>
-              <a:t> </a:t>
-            </a:r>
-            <a:endParaRPr lang="en-US" b="1" spc="-1" dirty="0" smtClean="0">
+              <a:rPr lang="en-US" sz="1200" b="0" strike="noStrike" spc="-1" dirty="0" smtClean="0">
+                <a:latin typeface="Calibri" panose="020F0502020204030204" pitchFamily="34" charset="0"/>
+                <a:cs typeface="Calibri" panose="020F0502020204030204" pitchFamily="34" charset="0"/>
+              </a:rPr>
+              <a:t>12</a:t>
+            </a:r>
+            <a:endParaRPr lang="ru-RU" sz="1200" b="0" strike="noStrike" spc="-1" dirty="0">
               <a:latin typeface="Calibri" panose="020F0502020204030204" pitchFamily="34" charset="0"/>
               <a:cs typeface="Calibri" panose="020F0502020204030204" pitchFamily="34" charset="0"/>
             </a:endParaRPr>
@@ -6920,7 +7279,7 @@
     </p:spTree>
     <p:extLst>
       <p:ext uri="{BB962C8B-B14F-4D97-AF65-F5344CB8AC3E}">
-        <p14:creationId xmlns:p14="http://schemas.microsoft.com/office/powerpoint/2010/main" val="447566022"/>
+        <p14:creationId xmlns:p14="http://schemas.microsoft.com/office/powerpoint/2010/main" val="3564659978"/>
       </p:ext>
     </p:extLst>
   </p:cSld>
@@ -6960,14 +7319,6 @@
 <file path=ppt/slides/slide13.xml><?xml version="1.0" encoding="utf-8"?>
 <p:sld xmlns:a="http://schemas.openxmlformats.org/drawingml/2006/main" xmlns:r="http://schemas.openxmlformats.org/officeDocument/2006/relationships" xmlns:p="http://schemas.openxmlformats.org/presentationml/2006/main">
   <p:cSld>
-    <p:bg>
-      <p:bgPr>
-        <a:solidFill>
-          <a:srgbClr val="FEE500"/>
-        </a:solidFill>
-        <a:effectLst/>
-      </p:bgPr>
-    </p:bg>
     <p:spTree>
       <p:nvGrpSpPr>
         <p:cNvPr id="1" name=""/>
@@ -6984,7 +7335,7 @@
       </p:grpSpPr>
       <p:pic>
         <p:nvPicPr>
-          <p:cNvPr id="76" name="Google Shape;85;p1"/>
+          <p:cNvPr id="107" name="Google Shape;128;p4"/>
           <p:cNvPicPr/>
           <p:nvPr/>
         </p:nvPicPr>
@@ -6994,8 +7345,8 @@
         </p:blipFill>
         <p:spPr>
           <a:xfrm>
-            <a:off x="3829680" y="5519160"/>
-            <a:ext cx="1514520" cy="723960"/>
+            <a:off x="736920" y="422280"/>
+            <a:ext cx="1690200" cy="296640"/>
           </a:xfrm>
           <a:prstGeom prst="rect">
             <a:avLst/>
@@ -7007,14 +7358,14 @@
       </p:pic>
       <p:sp>
         <p:nvSpPr>
-          <p:cNvPr id="80" name="CustomShape 3"/>
+          <p:cNvPr id="110" name="CustomShape 3"/>
           <p:cNvSpPr/>
           <p:nvPr/>
         </p:nvSpPr>
         <p:spPr>
           <a:xfrm>
-            <a:off x="3387420" y="531315"/>
-            <a:ext cx="2330640" cy="638640"/>
+            <a:off x="794003" y="1885690"/>
+            <a:ext cx="7449277" cy="4354190"/>
           </a:xfrm>
           <a:prstGeom prst="rect">
             <a:avLst/>
@@ -7040,311 +7391,847 @@
           <a:bodyPr lIns="90000" tIns="45000" rIns="90000" bIns="45000"/>
           <a:lstStyle/>
           <a:p>
-            <a:pPr algn="ctr">
+            <a:pPr>
               <a:lnSpc>
                 <a:spcPct val="100000"/>
               </a:lnSpc>
             </a:pPr>
-            <a:r>
-              <a:rPr lang="ru-RU" sz="1800" b="0" strike="noStrike" spc="-1" dirty="0">
+            <a:endParaRPr lang="ru-RU" strike="noStrike" spc="-1" dirty="0">
+              <a:latin typeface="Calibri" panose="020F0502020204030204" pitchFamily="34" charset="0"/>
+              <a:cs typeface="Calibri" panose="020F0502020204030204" pitchFamily="34" charset="0"/>
+            </a:endParaRPr>
+          </a:p>
+        </p:txBody>
+      </p:sp>
+      <p:pic>
+        <p:nvPicPr>
+          <p:cNvPr id="111" name="Google Shape;132;p4"/>
+          <p:cNvPicPr/>
+          <p:nvPr/>
+        </p:nvPicPr>
+        <p:blipFill>
+          <a:blip r:embed="rId3"/>
+          <a:stretch/>
+        </p:blipFill>
+        <p:spPr>
+          <a:xfrm>
+            <a:off x="8839440" y="447120"/>
+            <a:ext cx="309240" cy="257760"/>
+          </a:xfrm>
+          <a:prstGeom prst="rect">
+            <a:avLst/>
+          </a:prstGeom>
+          <a:ln>
+            <a:noFill/>
+          </a:ln>
+        </p:spPr>
+      </p:pic>
+      <p:pic>
+        <p:nvPicPr>
+          <p:cNvPr id="112" name="Google Shape;133;p4"/>
+          <p:cNvPicPr/>
+          <p:nvPr/>
+        </p:nvPicPr>
+        <p:blipFill>
+          <a:blip r:embed="rId4"/>
+          <a:stretch/>
+        </p:blipFill>
+        <p:spPr>
+          <a:xfrm>
+            <a:off x="3600" y="998640"/>
+            <a:ext cx="640080" cy="699120"/>
+          </a:xfrm>
+          <a:prstGeom prst="rect">
+            <a:avLst/>
+          </a:prstGeom>
+          <a:ln>
+            <a:noFill/>
+          </a:ln>
+        </p:spPr>
+      </p:pic>
+      <p:pic>
+        <p:nvPicPr>
+          <p:cNvPr id="113" name="Google Shape;134;p4"/>
+          <p:cNvPicPr/>
+          <p:nvPr/>
+        </p:nvPicPr>
+        <p:blipFill>
+          <a:blip r:embed="rId3"/>
+          <a:stretch/>
+        </p:blipFill>
+        <p:spPr>
+          <a:xfrm>
+            <a:off x="8198640" y="437400"/>
+            <a:ext cx="309240" cy="257760"/>
+          </a:xfrm>
+          <a:prstGeom prst="rect">
+            <a:avLst/>
+          </a:prstGeom>
+          <a:ln>
+            <a:noFill/>
+          </a:ln>
+        </p:spPr>
+      </p:pic>
+      <p:sp>
+        <p:nvSpPr>
+          <p:cNvPr id="118" name="CustomShape 7"/>
+          <p:cNvSpPr/>
+          <p:nvPr/>
+        </p:nvSpPr>
+        <p:spPr>
+          <a:xfrm>
+            <a:off x="7701840" y="6388200"/>
+            <a:ext cx="900360" cy="243360"/>
+          </a:xfrm>
+          <a:prstGeom prst="rect">
+            <a:avLst/>
+          </a:prstGeom>
+          <a:noFill/>
+          <a:ln>
+            <a:noFill/>
+          </a:ln>
+        </p:spPr>
+        <p:style>
+          <a:lnRef idx="0">
+            <a:scrgbClr r="0" g="0" b="0"/>
+          </a:lnRef>
+          <a:fillRef idx="0">
+            <a:scrgbClr r="0" g="0" b="0"/>
+          </a:fillRef>
+          <a:effectRef idx="0">
+            <a:scrgbClr r="0" g="0" b="0"/>
+          </a:effectRef>
+          <a:fontRef idx="minor"/>
+        </p:style>
+        <p:txBody>
+          <a:bodyPr lIns="90000" tIns="45000" rIns="90000" bIns="45000" anchor="ctr"/>
+          <a:lstStyle/>
+          <a:p>
+            <a:pPr algn="r">
+              <a:lnSpc>
+                <a:spcPct val="100000"/>
+              </a:lnSpc>
+            </a:pPr>
+            <a:r>
+              <a:rPr lang="ru-RU" sz="1000" b="1" strike="noStrike" spc="-1">
                 <a:solidFill>
                   <a:srgbClr val="000000"/>
                 </a:solidFill>
                 <a:latin typeface="Calibri"/>
                 <a:ea typeface="Calibri"/>
               </a:rPr>
-              <a:t>Программирование на </a:t>
-            </a:r>
-            <a:r>
-              <a:rPr lang="en-US" spc="-1" dirty="0" smtClean="0">
+              <a:t> inginirium.ru</a:t>
+            </a:r>
+            <a:endParaRPr lang="ru-RU" sz="1000" b="0" strike="noStrike" spc="-1">
+              <a:latin typeface="Arial"/>
+            </a:endParaRPr>
+          </a:p>
+        </p:txBody>
+      </p:sp>
+      <p:pic>
+        <p:nvPicPr>
+          <p:cNvPr id="119" name="Google Shape;140;p4"/>
+          <p:cNvPicPr/>
+          <p:nvPr/>
+        </p:nvPicPr>
+        <p:blipFill>
+          <a:blip r:embed="rId5"/>
+          <a:stretch/>
+        </p:blipFill>
+        <p:spPr>
+          <a:xfrm>
+            <a:off x="7833600" y="6606360"/>
+            <a:ext cx="672480" cy="23400"/>
+          </a:xfrm>
+          <a:prstGeom prst="rect">
+            <a:avLst/>
+          </a:prstGeom>
+          <a:ln>
+            <a:noFill/>
+          </a:ln>
+        </p:spPr>
+      </p:pic>
+      <p:pic>
+        <p:nvPicPr>
+          <p:cNvPr id="120" name="Google Shape;141;p4"/>
+          <p:cNvPicPr/>
+          <p:nvPr/>
+        </p:nvPicPr>
+        <p:blipFill>
+          <a:blip r:embed="rId6"/>
+          <a:stretch/>
+        </p:blipFill>
+        <p:spPr>
+          <a:xfrm>
+            <a:off x="8653320" y="6401880"/>
+            <a:ext cx="227160" cy="215280"/>
+          </a:xfrm>
+          <a:prstGeom prst="rect">
+            <a:avLst/>
+          </a:prstGeom>
+          <a:ln>
+            <a:noFill/>
+          </a:ln>
+        </p:spPr>
+      </p:pic>
+      <p:sp>
+        <p:nvSpPr>
+          <p:cNvPr id="18" name="CustomShape 3"/>
+          <p:cNvSpPr/>
+          <p:nvPr/>
+        </p:nvSpPr>
+        <p:spPr>
+          <a:xfrm>
+            <a:off x="492784" y="1697760"/>
+            <a:ext cx="8064056" cy="4705920"/>
+          </a:xfrm>
+          <a:prstGeom prst="rect">
+            <a:avLst/>
+          </a:prstGeom>
+          <a:noFill/>
+          <a:ln>
+            <a:noFill/>
+          </a:ln>
+        </p:spPr>
+        <p:style>
+          <a:lnRef idx="0">
+            <a:scrgbClr r="0" g="0" b="0"/>
+          </a:lnRef>
+          <a:fillRef idx="0">
+            <a:scrgbClr r="0" g="0" b="0"/>
+          </a:fillRef>
+          <a:effectRef idx="0">
+            <a:scrgbClr r="0" g="0" b="0"/>
+          </a:effectRef>
+          <a:fontRef idx="minor"/>
+        </p:style>
+        <p:txBody>
+          <a:bodyPr lIns="90000" tIns="45000" rIns="90000" bIns="45000"/>
+          <a:lstStyle/>
+          <a:p>
+            <a:pPr>
+              <a:lnSpc>
+                <a:spcPct val="100000"/>
+              </a:lnSpc>
+            </a:pPr>
+            <a:endParaRPr lang="ru-RU" spc="-1" dirty="0">
+              <a:latin typeface="Calibri" panose="020F0502020204030204" pitchFamily="34" charset="0"/>
+              <a:cs typeface="Calibri" panose="020F0502020204030204" pitchFamily="34" charset="0"/>
+            </a:endParaRPr>
+          </a:p>
+        </p:txBody>
+      </p:sp>
+      <p:pic>
+        <p:nvPicPr>
+          <p:cNvPr id="2" name="Рисунок 1"/>
+          <p:cNvPicPr>
+            <a:picLocks noChangeAspect="1"/>
+          </p:cNvPicPr>
+          <p:nvPr/>
+        </p:nvPicPr>
+        <p:blipFill>
+          <a:blip r:embed="rId7">
+            <a:extLst>
+              <a:ext uri="{28A0092B-C50C-407E-A947-70E740481C1C}">
+                <a14:useLocalDpi xmlns:a14="http://schemas.microsoft.com/office/drawing/2010/main" val="0"/>
+              </a:ext>
+            </a:extLst>
+          </a:blip>
+          <a:stretch>
+            <a:fillRect/>
+          </a:stretch>
+        </p:blipFill>
+        <p:spPr>
+          <a:xfrm>
+            <a:off x="643680" y="3097906"/>
+            <a:ext cx="4564051" cy="3531854"/>
+          </a:xfrm>
+          <a:prstGeom prst="rect">
+            <a:avLst/>
+          </a:prstGeom>
+        </p:spPr>
+      </p:pic>
+      <p:pic>
+        <p:nvPicPr>
+          <p:cNvPr id="3" name="Рисунок 2"/>
+          <p:cNvPicPr>
+            <a:picLocks noChangeAspect="1"/>
+          </p:cNvPicPr>
+          <p:nvPr/>
+        </p:nvPicPr>
+        <p:blipFill>
+          <a:blip r:embed="rId8">
+            <a:extLst>
+              <a:ext uri="{28A0092B-C50C-407E-A947-70E740481C1C}">
+                <a14:useLocalDpi xmlns:a14="http://schemas.microsoft.com/office/drawing/2010/main" val="0"/>
+              </a:ext>
+            </a:extLst>
+          </a:blip>
+          <a:stretch>
+            <a:fillRect/>
+          </a:stretch>
+        </p:blipFill>
+        <p:spPr>
+          <a:xfrm>
+            <a:off x="5794977" y="4273452"/>
+            <a:ext cx="1928842" cy="2048328"/>
+          </a:xfrm>
+          <a:prstGeom prst="rect">
+            <a:avLst/>
+          </a:prstGeom>
+        </p:spPr>
+      </p:pic>
+      <p:sp>
+        <p:nvSpPr>
+          <p:cNvPr id="21" name="CustomShape 3"/>
+          <p:cNvSpPr/>
+          <p:nvPr/>
+        </p:nvSpPr>
+        <p:spPr>
+          <a:xfrm>
+            <a:off x="513871" y="1676251"/>
+            <a:ext cx="7992209" cy="1079264"/>
+          </a:xfrm>
+          <a:prstGeom prst="rect">
+            <a:avLst/>
+          </a:prstGeom>
+          <a:noFill/>
+          <a:ln>
+            <a:noFill/>
+          </a:ln>
+        </p:spPr>
+        <p:style>
+          <a:lnRef idx="0">
+            <a:scrgbClr r="0" g="0" b="0"/>
+          </a:lnRef>
+          <a:fillRef idx="0">
+            <a:scrgbClr r="0" g="0" b="0"/>
+          </a:fillRef>
+          <a:effectRef idx="0">
+            <a:scrgbClr r="0" g="0" b="0"/>
+          </a:effectRef>
+          <a:fontRef idx="minor"/>
+        </p:style>
+        <p:txBody>
+          <a:bodyPr lIns="90000" tIns="45000" rIns="90000" bIns="45000"/>
+          <a:lstStyle/>
+          <a:p>
+            <a:pPr>
+              <a:lnSpc>
+                <a:spcPct val="100000"/>
+              </a:lnSpc>
+            </a:pPr>
+            <a:r>
+              <a:rPr lang="ru-RU" b="1" spc="-1" dirty="0">
+                <a:latin typeface="Calibri" panose="020F0502020204030204" pitchFamily="34" charset="0"/>
+                <a:cs typeface="Calibri" panose="020F0502020204030204" pitchFamily="34" charset="0"/>
+              </a:rPr>
+              <a:t>Цикл </a:t>
+            </a:r>
+            <a:r>
+              <a:rPr lang="ru-RU" b="1" spc="-1" dirty="0" err="1">
+                <a:latin typeface="Calibri" panose="020F0502020204030204" pitchFamily="34" charset="0"/>
+                <a:cs typeface="Calibri" panose="020F0502020204030204" pitchFamily="34" charset="0"/>
+              </a:rPr>
+              <a:t>while</a:t>
+            </a:r>
+            <a:r>
+              <a:rPr lang="ru-RU" b="1" spc="-1" dirty="0">
+                <a:latin typeface="Calibri" panose="020F0502020204030204" pitchFamily="34" charset="0"/>
+                <a:cs typeface="Calibri" panose="020F0502020204030204" pitchFamily="34" charset="0"/>
+              </a:rPr>
+              <a:t> </a:t>
+            </a:r>
+          </a:p>
+          <a:p>
+            <a:pPr>
+              <a:lnSpc>
+                <a:spcPct val="100000"/>
+              </a:lnSpc>
+            </a:pPr>
+            <a:r>
+              <a:rPr lang="ru-RU" spc="-1" dirty="0" smtClean="0">
+                <a:latin typeface="Calibri" panose="020F0502020204030204" pitchFamily="34" charset="0"/>
+                <a:cs typeface="Calibri" panose="020F0502020204030204" pitchFamily="34" charset="0"/>
+              </a:rPr>
+              <a:t>В </a:t>
+            </a:r>
+            <a:r>
+              <a:rPr lang="ru-RU" spc="-1" dirty="0">
+                <a:latin typeface="Calibri" panose="020F0502020204030204" pitchFamily="34" charset="0"/>
+                <a:cs typeface="Calibri" panose="020F0502020204030204" pitchFamily="34" charset="0"/>
+              </a:rPr>
+              <a:t>приведенном </a:t>
+            </a:r>
+            <a:r>
+              <a:rPr lang="ru-RU" spc="-1" dirty="0" smtClean="0">
+                <a:latin typeface="Calibri" panose="020F0502020204030204" pitchFamily="34" charset="0"/>
+                <a:cs typeface="Calibri" panose="020F0502020204030204" pitchFamily="34" charset="0"/>
+              </a:rPr>
+              <a:t>ниже </a:t>
+            </a:r>
+            <a:r>
+              <a:rPr lang="ru-RU" spc="-1" dirty="0">
+                <a:latin typeface="Calibri" panose="020F0502020204030204" pitchFamily="34" charset="0"/>
+                <a:cs typeface="Calibri" panose="020F0502020204030204" pitchFamily="34" charset="0"/>
+              </a:rPr>
+              <a:t>примере объявлена переменная равная 1 (</a:t>
+            </a:r>
+            <a:r>
+              <a:rPr lang="ru-RU" spc="-1" dirty="0" err="1">
+                <a:latin typeface="Calibri" panose="020F0502020204030204" pitchFamily="34" charset="0"/>
+                <a:cs typeface="Calibri" panose="020F0502020204030204" pitchFamily="34" charset="0"/>
+              </a:rPr>
+              <a:t>int</a:t>
+            </a:r>
+            <a:r>
+              <a:rPr lang="ru-RU" spc="-1" dirty="0">
+                <a:latin typeface="Calibri" panose="020F0502020204030204" pitchFamily="34" charset="0"/>
+                <a:cs typeface="Calibri" panose="020F0502020204030204" pitchFamily="34" charset="0"/>
+              </a:rPr>
+              <a:t> </a:t>
+            </a:r>
+            <a:r>
+              <a:rPr lang="ru-RU" spc="-1" dirty="0" err="1">
+                <a:latin typeface="Calibri" panose="020F0502020204030204" pitchFamily="34" charset="0"/>
+                <a:cs typeface="Calibri" panose="020F0502020204030204" pitchFamily="34" charset="0"/>
+              </a:rPr>
+              <a:t>num</a:t>
+            </a:r>
+            <a:r>
+              <a:rPr lang="ru-RU" spc="-1" dirty="0">
+                <a:latin typeface="Calibri" panose="020F0502020204030204" pitchFamily="34" charset="0"/>
+                <a:cs typeface="Calibri" panose="020F0502020204030204" pitchFamily="34" charset="0"/>
+              </a:rPr>
+              <a:t> = 1). </a:t>
+            </a:r>
+          </a:p>
+          <a:p>
+            <a:pPr>
+              <a:lnSpc>
+                <a:spcPct val="100000"/>
+              </a:lnSpc>
+            </a:pPr>
+            <a:r>
+              <a:rPr lang="ru-RU" spc="-1" dirty="0">
+                <a:latin typeface="Calibri" panose="020F0502020204030204" pitchFamily="34" charset="0"/>
+                <a:cs typeface="Calibri" panose="020F0502020204030204" pitchFamily="34" charset="0"/>
+              </a:rPr>
+              <a:t>Цикл </a:t>
+            </a:r>
+            <a:r>
+              <a:rPr lang="ru-RU" spc="-1" dirty="0" err="1">
+                <a:latin typeface="Calibri" panose="020F0502020204030204" pitchFamily="34" charset="0"/>
+                <a:cs typeface="Calibri" panose="020F0502020204030204" pitchFamily="34" charset="0"/>
+              </a:rPr>
+              <a:t>while</a:t>
+            </a:r>
+            <a:r>
+              <a:rPr lang="ru-RU" spc="-1" dirty="0">
+                <a:latin typeface="Calibri" panose="020F0502020204030204" pitchFamily="34" charset="0"/>
+                <a:cs typeface="Calibri" panose="020F0502020204030204" pitchFamily="34" charset="0"/>
+              </a:rPr>
+              <a:t> проверяет условие (</a:t>
+            </a:r>
+            <a:r>
+              <a:rPr lang="ru-RU" spc="-1" dirty="0" err="1">
+                <a:latin typeface="Calibri" panose="020F0502020204030204" pitchFamily="34" charset="0"/>
+                <a:cs typeface="Calibri" panose="020F0502020204030204" pitchFamily="34" charset="0"/>
+              </a:rPr>
+              <a:t>num</a:t>
+            </a:r>
+            <a:r>
+              <a:rPr lang="ru-RU" spc="-1" dirty="0">
+                <a:latin typeface="Calibri" panose="020F0502020204030204" pitchFamily="34" charset="0"/>
+                <a:cs typeface="Calibri" panose="020F0502020204030204" pitchFamily="34" charset="0"/>
+              </a:rPr>
+              <a:t> &lt; 6), и выполняет выражения в теле цикла, которые увеличивают значение </a:t>
+            </a:r>
+            <a:r>
+              <a:rPr lang="ru-RU" spc="-1" dirty="0" err="1">
+                <a:latin typeface="Calibri" panose="020F0502020204030204" pitchFamily="34" charset="0"/>
+                <a:cs typeface="Calibri" panose="020F0502020204030204" pitchFamily="34" charset="0"/>
+              </a:rPr>
+              <a:t>num</a:t>
+            </a:r>
+            <a:r>
+              <a:rPr lang="ru-RU" spc="-1" dirty="0">
+                <a:latin typeface="Calibri" panose="020F0502020204030204" pitchFamily="34" charset="0"/>
+                <a:cs typeface="Calibri" panose="020F0502020204030204" pitchFamily="34" charset="0"/>
+              </a:rPr>
+              <a:t> на единицу при каждом запуске цикла.</a:t>
+            </a:r>
+          </a:p>
+        </p:txBody>
+      </p:sp>
+      <p:sp>
+        <p:nvSpPr>
+          <p:cNvPr id="5" name="Прямоугольник 4"/>
+          <p:cNvSpPr/>
+          <p:nvPr/>
+        </p:nvSpPr>
+        <p:spPr>
+          <a:xfrm>
+            <a:off x="4305891" y="3210320"/>
+            <a:ext cx="3937389" cy="923330"/>
+          </a:xfrm>
+          <a:prstGeom prst="rect">
+            <a:avLst/>
+          </a:prstGeom>
+        </p:spPr>
+        <p:txBody>
+          <a:bodyPr wrap="square">
+            <a:spAutoFit/>
+          </a:bodyPr>
+          <a:lstStyle/>
+          <a:p>
+            <a:r>
+              <a:rPr lang="en-US" dirty="0" err="1">
+                <a:latin typeface="Calibri" panose="020F0502020204030204" pitchFamily="34" charset="0"/>
+                <a:cs typeface="Calibri" panose="020F0502020204030204" pitchFamily="34" charset="0"/>
+              </a:rPr>
+              <a:t>После</a:t>
+            </a:r>
+            <a:r>
+              <a:rPr lang="en-US" dirty="0">
+                <a:latin typeface="Calibri" panose="020F0502020204030204" pitchFamily="34" charset="0"/>
+                <a:cs typeface="Calibri" panose="020F0502020204030204" pitchFamily="34" charset="0"/>
+              </a:rPr>
+              <a:t> 5-ой </a:t>
+            </a:r>
+            <a:r>
+              <a:rPr lang="en-US" dirty="0" err="1">
+                <a:latin typeface="Calibri" panose="020F0502020204030204" pitchFamily="34" charset="0"/>
+                <a:cs typeface="Calibri" panose="020F0502020204030204" pitchFamily="34" charset="0"/>
+              </a:rPr>
+              <a:t>итерации</a:t>
+            </a:r>
+            <a:r>
+              <a:rPr lang="en-US" dirty="0">
+                <a:latin typeface="Calibri" panose="020F0502020204030204" pitchFamily="34" charset="0"/>
+                <a:cs typeface="Calibri" panose="020F0502020204030204" pitchFamily="34" charset="0"/>
+              </a:rPr>
+              <a:t> </a:t>
+            </a:r>
+            <a:r>
+              <a:rPr lang="en-US" dirty="0" err="1">
+                <a:latin typeface="Calibri" panose="020F0502020204030204" pitchFamily="34" charset="0"/>
+                <a:cs typeface="Calibri" panose="020F0502020204030204" pitchFamily="34" charset="0"/>
+              </a:rPr>
+              <a:t>num</a:t>
+            </a:r>
+            <a:r>
+              <a:rPr lang="en-US" dirty="0">
+                <a:latin typeface="Calibri" panose="020F0502020204030204" pitchFamily="34" charset="0"/>
+                <a:cs typeface="Calibri" panose="020F0502020204030204" pitchFamily="34" charset="0"/>
+              </a:rPr>
+              <a:t> </a:t>
+            </a:r>
+            <a:r>
+              <a:rPr lang="en-US" dirty="0" err="1">
+                <a:latin typeface="Calibri" panose="020F0502020204030204" pitchFamily="34" charset="0"/>
+                <a:cs typeface="Calibri" panose="020F0502020204030204" pitchFamily="34" charset="0"/>
+              </a:rPr>
+              <a:t>становится</a:t>
+            </a:r>
+            <a:r>
+              <a:rPr lang="en-US" dirty="0">
+                <a:latin typeface="Calibri" panose="020F0502020204030204" pitchFamily="34" charset="0"/>
+                <a:cs typeface="Calibri" panose="020F0502020204030204" pitchFamily="34" charset="0"/>
+              </a:rPr>
+              <a:t> </a:t>
+            </a:r>
+            <a:r>
+              <a:rPr lang="en-US" dirty="0" err="1">
+                <a:latin typeface="Calibri" panose="020F0502020204030204" pitchFamily="34" charset="0"/>
+                <a:cs typeface="Calibri" panose="020F0502020204030204" pitchFamily="34" charset="0"/>
+              </a:rPr>
+              <a:t>равным</a:t>
+            </a:r>
+            <a:r>
+              <a:rPr lang="en-US" dirty="0">
+                <a:latin typeface="Calibri" panose="020F0502020204030204" pitchFamily="34" charset="0"/>
+                <a:cs typeface="Calibri" panose="020F0502020204030204" pitchFamily="34" charset="0"/>
+              </a:rPr>
+              <a:t> 6, и </a:t>
+            </a:r>
+            <a:r>
+              <a:rPr lang="en-US" dirty="0" err="1">
+                <a:latin typeface="Calibri" panose="020F0502020204030204" pitchFamily="34" charset="0"/>
+                <a:cs typeface="Calibri" panose="020F0502020204030204" pitchFamily="34" charset="0"/>
+              </a:rPr>
+              <a:t>условие</a:t>
+            </a:r>
+            <a:r>
+              <a:rPr lang="en-US" dirty="0">
+                <a:latin typeface="Calibri" panose="020F0502020204030204" pitchFamily="34" charset="0"/>
+                <a:cs typeface="Calibri" panose="020F0502020204030204" pitchFamily="34" charset="0"/>
+              </a:rPr>
+              <a:t> </a:t>
+            </a:r>
+            <a:r>
+              <a:rPr lang="en-US" dirty="0" err="1">
+                <a:latin typeface="Calibri" panose="020F0502020204030204" pitchFamily="34" charset="0"/>
+                <a:cs typeface="Calibri" panose="020F0502020204030204" pitchFamily="34" charset="0"/>
+              </a:rPr>
+              <a:t>становится</a:t>
+            </a:r>
+            <a:r>
+              <a:rPr lang="en-US" dirty="0">
+                <a:latin typeface="Calibri" panose="020F0502020204030204" pitchFamily="34" charset="0"/>
+                <a:cs typeface="Calibri" panose="020F0502020204030204" pitchFamily="34" charset="0"/>
+              </a:rPr>
+              <a:t> </a:t>
+            </a:r>
+            <a:r>
+              <a:rPr lang="en-US" dirty="0" err="1">
+                <a:latin typeface="Calibri" panose="020F0502020204030204" pitchFamily="34" charset="0"/>
+                <a:cs typeface="Calibri" panose="020F0502020204030204" pitchFamily="34" charset="0"/>
+              </a:rPr>
+              <a:t>ложным</a:t>
+            </a:r>
+            <a:r>
+              <a:rPr lang="en-US" dirty="0">
+                <a:latin typeface="Calibri" panose="020F0502020204030204" pitchFamily="34" charset="0"/>
+                <a:cs typeface="Calibri" panose="020F0502020204030204" pitchFamily="34" charset="0"/>
+              </a:rPr>
+              <a:t>, и </a:t>
+            </a:r>
+            <a:r>
+              <a:rPr lang="en-US" dirty="0" err="1">
+                <a:latin typeface="Calibri" panose="020F0502020204030204" pitchFamily="34" charset="0"/>
+                <a:cs typeface="Calibri" panose="020F0502020204030204" pitchFamily="34" charset="0"/>
+              </a:rPr>
+              <a:t>цикл</a:t>
+            </a:r>
+            <a:r>
+              <a:rPr lang="en-US" dirty="0">
+                <a:latin typeface="Calibri" panose="020F0502020204030204" pitchFamily="34" charset="0"/>
+                <a:cs typeface="Calibri" panose="020F0502020204030204" pitchFamily="34" charset="0"/>
+              </a:rPr>
+              <a:t> </a:t>
+            </a:r>
+            <a:r>
+              <a:rPr lang="en-US" dirty="0" err="1">
+                <a:latin typeface="Calibri" panose="020F0502020204030204" pitchFamily="34" charset="0"/>
+                <a:cs typeface="Calibri" panose="020F0502020204030204" pitchFamily="34" charset="0"/>
+              </a:rPr>
+              <a:t>останавливается</a:t>
+            </a:r>
+            <a:r>
+              <a:rPr lang="en-US" dirty="0">
+                <a:latin typeface="Calibri" panose="020F0502020204030204" pitchFamily="34" charset="0"/>
+                <a:cs typeface="Calibri" panose="020F0502020204030204" pitchFamily="34" charset="0"/>
+              </a:rPr>
+              <a:t>.</a:t>
+            </a:r>
+          </a:p>
+        </p:txBody>
+      </p:sp>
+      <p:sp>
+        <p:nvSpPr>
+          <p:cNvPr id="22" name="CustomShape 1"/>
+          <p:cNvSpPr/>
+          <p:nvPr/>
+        </p:nvSpPr>
+        <p:spPr>
+          <a:xfrm>
+            <a:off x="8506080" y="419040"/>
+            <a:ext cx="374400" cy="273240"/>
+          </a:xfrm>
+          <a:prstGeom prst="rect">
+            <a:avLst/>
+          </a:prstGeom>
+          <a:noFill/>
+          <a:ln>
+            <a:noFill/>
+          </a:ln>
+        </p:spPr>
+        <p:style>
+          <a:lnRef idx="0">
+            <a:scrgbClr r="0" g="0" b="0"/>
+          </a:lnRef>
+          <a:fillRef idx="0">
+            <a:scrgbClr r="0" g="0" b="0"/>
+          </a:fillRef>
+          <a:effectRef idx="0">
+            <a:scrgbClr r="0" g="0" b="0"/>
+          </a:effectRef>
+          <a:fontRef idx="minor"/>
+        </p:style>
+        <p:txBody>
+          <a:bodyPr lIns="90000" tIns="45000" rIns="90000" bIns="45000"/>
+          <a:lstStyle/>
+          <a:p>
+            <a:pPr>
+              <a:lnSpc>
+                <a:spcPct val="100000"/>
+              </a:lnSpc>
+            </a:pPr>
+            <a:r>
+              <a:rPr lang="ru-RU" sz="1200" spc="-1" dirty="0" smtClean="0">
+                <a:latin typeface="Calibri" panose="020F0502020204030204" pitchFamily="34" charset="0"/>
+                <a:cs typeface="Calibri" panose="020F0502020204030204" pitchFamily="34" charset="0"/>
+              </a:rPr>
+              <a:t>1</a:t>
+            </a:r>
+            <a:r>
+              <a:rPr lang="en-US" sz="1200" spc="-1" dirty="0" smtClean="0">
+                <a:latin typeface="Calibri" panose="020F0502020204030204" pitchFamily="34" charset="0"/>
+                <a:cs typeface="Calibri" panose="020F0502020204030204" pitchFamily="34" charset="0"/>
+              </a:rPr>
+              <a:t>3</a:t>
+            </a:r>
+            <a:endParaRPr lang="ru-RU" sz="1200" b="0" strike="noStrike" spc="-1" dirty="0">
+              <a:latin typeface="Calibri" panose="020F0502020204030204" pitchFamily="34" charset="0"/>
+              <a:cs typeface="Calibri" panose="020F0502020204030204" pitchFamily="34" charset="0"/>
+            </a:endParaRPr>
+          </a:p>
+        </p:txBody>
+      </p:sp>
+      <p:sp>
+        <p:nvSpPr>
+          <p:cNvPr id="19" name="CustomShape 3"/>
+          <p:cNvSpPr/>
+          <p:nvPr/>
+        </p:nvSpPr>
+        <p:spPr>
+          <a:xfrm>
+            <a:off x="4411800" y="379080"/>
+            <a:ext cx="3818160" cy="364320"/>
+          </a:xfrm>
+          <a:prstGeom prst="rect">
+            <a:avLst/>
+          </a:prstGeom>
+          <a:noFill/>
+          <a:ln>
+            <a:noFill/>
+          </a:ln>
+        </p:spPr>
+        <p:style>
+          <a:lnRef idx="0">
+            <a:scrgbClr r="0" g="0" b="0"/>
+          </a:lnRef>
+          <a:fillRef idx="0">
+            <a:scrgbClr r="0" g="0" b="0"/>
+          </a:fillRef>
+          <a:effectRef idx="0">
+            <a:scrgbClr r="0" g="0" b="0"/>
+          </a:effectRef>
+          <a:fontRef idx="minor"/>
+        </p:style>
+        <p:txBody>
+          <a:bodyPr lIns="90000" tIns="45000" rIns="90000" bIns="45000"/>
+          <a:lstStyle/>
+          <a:p>
+            <a:pPr algn="r">
+              <a:lnSpc>
+                <a:spcPct val="100000"/>
+              </a:lnSpc>
+            </a:pPr>
+            <a:r>
+              <a:rPr lang="ru-RU" sz="900" b="1" spc="-1" dirty="0" smtClean="0">
+                <a:latin typeface="Calibri" panose="020F0502020204030204" pitchFamily="34" charset="0"/>
+                <a:cs typeface="Calibri" panose="020F0502020204030204" pitchFamily="34" charset="0"/>
+              </a:rPr>
+              <a:t>ЛОГИЧЕСКИЕ ОПЕРАТОРЫ.</a:t>
+            </a:r>
+          </a:p>
+          <a:p>
+            <a:pPr algn="r">
+              <a:lnSpc>
+                <a:spcPct val="100000"/>
+              </a:lnSpc>
+            </a:pPr>
+            <a:r>
+              <a:rPr lang="ru-RU" sz="900" b="1" strike="noStrike" spc="-1" dirty="0" smtClean="0">
+                <a:latin typeface="Calibri" panose="020F0502020204030204" pitchFamily="34" charset="0"/>
+                <a:cs typeface="Calibri" panose="020F0502020204030204" pitchFamily="34" charset="0"/>
+              </a:rPr>
+              <a:t>ЦИКЛ </a:t>
+            </a:r>
+            <a:r>
+              <a:rPr lang="en-US" sz="900" b="1" strike="noStrike" spc="-1" dirty="0" smtClean="0">
+                <a:latin typeface="Calibri" panose="020F0502020204030204" pitchFamily="34" charset="0"/>
+                <a:cs typeface="Calibri" panose="020F0502020204030204" pitchFamily="34" charset="0"/>
+              </a:rPr>
+              <a:t>WHILE.</a:t>
+            </a:r>
+            <a:endParaRPr lang="ru-RU" sz="900" b="1" strike="noStrike" spc="-1" dirty="0">
+              <a:latin typeface="Calibri" panose="020F0502020204030204" pitchFamily="34" charset="0"/>
+              <a:cs typeface="Calibri" panose="020F0502020204030204" pitchFamily="34" charset="0"/>
+            </a:endParaRPr>
+          </a:p>
+        </p:txBody>
+      </p:sp>
+      <p:sp>
+        <p:nvSpPr>
+          <p:cNvPr id="23" name="CustomShape 2"/>
+          <p:cNvSpPr/>
+          <p:nvPr/>
+        </p:nvSpPr>
+        <p:spPr>
+          <a:xfrm>
+            <a:off x="690120" y="1153800"/>
+            <a:ext cx="7553160" cy="395640"/>
+          </a:xfrm>
+          <a:prstGeom prst="rect">
+            <a:avLst/>
+          </a:prstGeom>
+          <a:noFill/>
+          <a:ln>
+            <a:noFill/>
+          </a:ln>
+        </p:spPr>
+        <p:style>
+          <a:lnRef idx="0">
+            <a:scrgbClr r="0" g="0" b="0"/>
+          </a:lnRef>
+          <a:fillRef idx="0">
+            <a:scrgbClr r="0" g="0" b="0"/>
+          </a:fillRef>
+          <a:effectRef idx="0">
+            <a:scrgbClr r="0" g="0" b="0"/>
+          </a:effectRef>
+          <a:fontRef idx="minor"/>
+        </p:style>
+        <p:txBody>
+          <a:bodyPr lIns="90000" tIns="45000" rIns="90000" bIns="45000"/>
+          <a:lstStyle/>
+          <a:p>
+            <a:pPr>
+              <a:lnSpc>
+                <a:spcPct val="100000"/>
+              </a:lnSpc>
+            </a:pPr>
+            <a:r>
+              <a:rPr lang="ru-RU" sz="2000" b="1" spc="-1" dirty="0">
                 <a:solidFill>
                   <a:srgbClr val="000000"/>
                 </a:solidFill>
                 <a:latin typeface="Calibri"/>
                 <a:ea typeface="Calibri"/>
               </a:rPr>
-              <a:t>C++</a:t>
-            </a:r>
-            <a:endParaRPr lang="ru-RU" sz="1800" b="0" strike="noStrike" spc="-1" dirty="0">
-              <a:latin typeface="Arial"/>
-            </a:endParaRPr>
-          </a:p>
-        </p:txBody>
-      </p:sp>
-      <p:sp>
-        <p:nvSpPr>
-          <p:cNvPr id="82" name="CustomShape 5"/>
-          <p:cNvSpPr/>
-          <p:nvPr/>
-        </p:nvSpPr>
-        <p:spPr>
-          <a:xfrm>
-            <a:off x="3391560" y="4778640"/>
-            <a:ext cx="2330640" cy="303840"/>
-          </a:xfrm>
-          <a:prstGeom prst="rect">
-            <a:avLst/>
-          </a:prstGeom>
-          <a:noFill/>
-          <a:ln>
-            <a:noFill/>
-          </a:ln>
-        </p:spPr>
-        <p:style>
-          <a:lnRef idx="0">
-            <a:scrgbClr r="0" g="0" b="0"/>
-          </a:lnRef>
-          <a:fillRef idx="0">
-            <a:scrgbClr r="0" g="0" b="0"/>
-          </a:fillRef>
-          <a:effectRef idx="0">
-            <a:scrgbClr r="0" g="0" b="0"/>
-          </a:effectRef>
-          <a:fontRef idx="minor"/>
-        </p:style>
-        <p:txBody>
-          <a:bodyPr lIns="90000" tIns="45000" rIns="90000" bIns="45000"/>
-          <a:lstStyle/>
-          <a:p>
-            <a:pPr algn="ctr">
-              <a:lnSpc>
-                <a:spcPct val="100000"/>
-              </a:lnSpc>
-            </a:pPr>
-            <a:r>
-              <a:rPr lang="ru-RU" sz="1400" spc="-1" dirty="0">
+              <a:t>Тема: Логические операторы. Цикл </a:t>
+            </a:r>
+            <a:r>
+              <a:rPr lang="en-US" sz="2000" b="1" spc="-1" dirty="0">
                 <a:solidFill>
                   <a:srgbClr val="000000"/>
                 </a:solidFill>
                 <a:latin typeface="Calibri"/>
                 <a:ea typeface="Calibri"/>
               </a:rPr>
-              <a:t>3</a:t>
-            </a:r>
-            <a:r>
-              <a:rPr lang="ru-RU" sz="1400" b="0" strike="noStrike" spc="-1" dirty="0" smtClean="0">
-                <a:solidFill>
-                  <a:srgbClr val="000000"/>
-                </a:solidFill>
-                <a:latin typeface="Calibri"/>
-                <a:ea typeface="Calibri"/>
-              </a:rPr>
-              <a:t> </a:t>
-            </a:r>
-            <a:r>
-              <a:rPr lang="ru-RU" sz="1400" b="0" strike="noStrike" spc="-1" dirty="0">
-                <a:solidFill>
-                  <a:srgbClr val="000000"/>
-                </a:solidFill>
-                <a:latin typeface="Calibri"/>
-                <a:ea typeface="Calibri"/>
-              </a:rPr>
-              <a:t>занятие</a:t>
-            </a:r>
-            <a:endParaRPr lang="ru-RU" sz="1400" b="0" strike="noStrike" spc="-1" dirty="0">
-              <a:latin typeface="Arial"/>
-            </a:endParaRPr>
-          </a:p>
-        </p:txBody>
-      </p:sp>
-      <p:sp>
-        <p:nvSpPr>
-          <p:cNvPr id="83" name="CustomShape 6"/>
-          <p:cNvSpPr/>
-          <p:nvPr/>
-        </p:nvSpPr>
-        <p:spPr>
-          <a:xfrm>
-            <a:off x="3941280" y="6452280"/>
-            <a:ext cx="1222920" cy="247320"/>
-          </a:xfrm>
-          <a:prstGeom prst="rect">
-            <a:avLst/>
-          </a:prstGeom>
-          <a:noFill/>
-          <a:ln>
-            <a:noFill/>
-          </a:ln>
-        </p:spPr>
-        <p:style>
-          <a:lnRef idx="0">
-            <a:scrgbClr r="0" g="0" b="0"/>
-          </a:lnRef>
-          <a:fillRef idx="0">
-            <a:scrgbClr r="0" g="0" b="0"/>
-          </a:fillRef>
-          <a:effectRef idx="0">
-            <a:scrgbClr r="0" g="0" b="0"/>
-          </a:effectRef>
-          <a:fontRef idx="minor"/>
-        </p:style>
-        <p:txBody>
-          <a:bodyPr lIns="90000" tIns="45000" rIns="90000" bIns="45000" anchor="ctr"/>
-          <a:lstStyle/>
-          <a:p>
-            <a:pPr algn="ctr">
-              <a:lnSpc>
-                <a:spcPct val="100000"/>
-              </a:lnSpc>
-            </a:pPr>
-            <a:r>
-              <a:rPr lang="ru-RU" sz="1200" b="0" strike="noStrike" spc="-1">
-                <a:solidFill>
-                  <a:srgbClr val="000000"/>
-                </a:solidFill>
-                <a:latin typeface="Calibri"/>
-                <a:ea typeface="Calibri"/>
-              </a:rPr>
-              <a:t>2019</a:t>
-            </a:r>
-            <a:endParaRPr lang="ru-RU" sz="1200" b="0" strike="noStrike" spc="-1">
-              <a:latin typeface="Arial"/>
-            </a:endParaRPr>
-          </a:p>
-        </p:txBody>
-      </p:sp>
-      <p:sp>
-        <p:nvSpPr>
-          <p:cNvPr id="10" name="CustomShape 1"/>
-          <p:cNvSpPr/>
-          <p:nvPr/>
-        </p:nvSpPr>
-        <p:spPr>
-          <a:xfrm>
-            <a:off x="970380" y="1814355"/>
-            <a:ext cx="7233120" cy="425880"/>
-          </a:xfrm>
-          <a:prstGeom prst="rect">
-            <a:avLst/>
-          </a:prstGeom>
-          <a:noFill/>
-          <a:ln>
-            <a:noFill/>
-          </a:ln>
-        </p:spPr>
-        <p:style>
-          <a:lnRef idx="0">
-            <a:scrgbClr r="0" g="0" b="0"/>
-          </a:lnRef>
-          <a:fillRef idx="0">
-            <a:scrgbClr r="0" g="0" b="0"/>
-          </a:fillRef>
-          <a:effectRef idx="0">
-            <a:scrgbClr r="0" g="0" b="0"/>
-          </a:effectRef>
-          <a:fontRef idx="minor"/>
-        </p:style>
-        <p:txBody>
-          <a:bodyPr lIns="90000" tIns="45000" rIns="90000" bIns="45000"/>
-          <a:lstStyle/>
-          <a:p>
-            <a:pPr algn="ctr">
-              <a:lnSpc>
-                <a:spcPct val="100000"/>
-              </a:lnSpc>
-            </a:pPr>
-            <a:r>
-              <a:rPr lang="ru-RU" sz="4000" spc="-1" dirty="0" smtClean="0">
-                <a:latin typeface="Arial"/>
-              </a:rPr>
-              <a:t>Практическая часть</a:t>
-            </a:r>
-            <a:endParaRPr lang="ru-RU" sz="4000" b="0" strike="noStrike" spc="-1" dirty="0">
-              <a:latin typeface="Arial"/>
-            </a:endParaRPr>
-          </a:p>
-        </p:txBody>
-      </p:sp>
-      <p:sp>
-        <p:nvSpPr>
-          <p:cNvPr id="8" name="CustomShape 1"/>
-          <p:cNvSpPr/>
-          <p:nvPr/>
-        </p:nvSpPr>
-        <p:spPr>
-          <a:xfrm>
-            <a:off x="1104480" y="3708360"/>
-            <a:ext cx="7233120" cy="861120"/>
-          </a:xfrm>
-          <a:prstGeom prst="rect">
-            <a:avLst/>
-          </a:prstGeom>
-          <a:noFill/>
-          <a:ln>
-            <a:noFill/>
-          </a:ln>
-        </p:spPr>
-        <p:style>
-          <a:lnRef idx="0">
-            <a:scrgbClr r="0" g="0" b="0"/>
-          </a:lnRef>
-          <a:fillRef idx="0">
-            <a:scrgbClr r="0" g="0" b="0"/>
-          </a:fillRef>
-          <a:effectRef idx="0">
-            <a:scrgbClr r="0" g="0" b="0"/>
-          </a:effectRef>
-          <a:fontRef idx="minor"/>
-        </p:style>
-        <p:txBody>
-          <a:bodyPr lIns="90000" tIns="45000" rIns="90000" bIns="45000"/>
-          <a:lstStyle/>
-          <a:p>
-            <a:pPr algn="ctr">
-              <a:lnSpc>
-                <a:spcPct val="100000"/>
-              </a:lnSpc>
-            </a:pPr>
-            <a:r>
-              <a:rPr lang="ru-RU" sz="2400" spc="-1" dirty="0" smtClean="0">
-                <a:latin typeface="Calibri" panose="020F0502020204030204" pitchFamily="34" charset="0"/>
-                <a:cs typeface="Calibri" panose="020F0502020204030204" pitchFamily="34" charset="0"/>
-              </a:rPr>
-              <a:t>Логические операторы.</a:t>
-            </a:r>
-            <a:endParaRPr lang="ru-RU" sz="2400" spc="-1" dirty="0" smtClean="0">
-              <a:latin typeface="Calibri" panose="020F0502020204030204" pitchFamily="34" charset="0"/>
-              <a:cs typeface="Calibri" panose="020F0502020204030204" pitchFamily="34" charset="0"/>
-            </a:endParaRPr>
-          </a:p>
-          <a:p>
-            <a:pPr algn="ctr">
-              <a:lnSpc>
-                <a:spcPct val="100000"/>
-              </a:lnSpc>
-            </a:pPr>
-            <a:r>
-              <a:rPr lang="ru-RU" sz="2400" b="0" strike="noStrike" spc="-1" dirty="0" smtClean="0">
-                <a:latin typeface="Calibri" panose="020F0502020204030204" pitchFamily="34" charset="0"/>
-                <a:cs typeface="Calibri" panose="020F0502020204030204" pitchFamily="34" charset="0"/>
-              </a:rPr>
-              <a:t>Цикл </a:t>
-            </a:r>
-            <a:r>
-              <a:rPr lang="en-US" sz="2400" spc="-1" dirty="0" smtClean="0">
-                <a:latin typeface="Calibri" panose="020F0502020204030204" pitchFamily="34" charset="0"/>
-                <a:cs typeface="Calibri" panose="020F0502020204030204" pitchFamily="34" charset="0"/>
-              </a:rPr>
-              <a:t>for</a:t>
-            </a:r>
-            <a:r>
-              <a:rPr lang="en-US" sz="2400" b="0" strike="noStrike" spc="-1" dirty="0" smtClean="0">
-                <a:latin typeface="Calibri" panose="020F0502020204030204" pitchFamily="34" charset="0"/>
-                <a:cs typeface="Calibri" panose="020F0502020204030204" pitchFamily="34" charset="0"/>
-              </a:rPr>
-              <a:t>.</a:t>
-            </a:r>
-            <a:endParaRPr lang="ru-RU" sz="2400" b="0" strike="noStrike" spc="-1" dirty="0">
-              <a:latin typeface="Calibri" panose="020F0502020204030204" pitchFamily="34" charset="0"/>
-              <a:cs typeface="Calibri" panose="020F0502020204030204" pitchFamily="34" charset="0"/>
-            </a:endParaRPr>
+              <a:t>while.</a:t>
+            </a:r>
+            <a:endParaRPr lang="ru-RU" sz="2000" spc="-1" dirty="0"/>
           </a:p>
         </p:txBody>
       </p:sp>
     </p:spTree>
     <p:extLst>
       <p:ext uri="{BB962C8B-B14F-4D97-AF65-F5344CB8AC3E}">
-        <p14:creationId xmlns:p14="http://schemas.microsoft.com/office/powerpoint/2010/main" val="3291156410"/>
+        <p14:creationId xmlns:p14="http://schemas.microsoft.com/office/powerpoint/2010/main" val="137506481"/>
       </p:ext>
     </p:extLst>
   </p:cSld>
@@ -7384,14 +8271,6 @@
 <file path=ppt/slides/slide14.xml><?xml version="1.0" encoding="utf-8"?>
 <p:sld xmlns:a="http://schemas.openxmlformats.org/drawingml/2006/main" xmlns:r="http://schemas.openxmlformats.org/officeDocument/2006/relationships" xmlns:p="http://schemas.openxmlformats.org/presentationml/2006/main">
   <p:cSld>
-    <p:bg>
-      <p:bgPr>
-        <a:solidFill>
-          <a:srgbClr val="FFFFFF"/>
-        </a:solidFill>
-        <a:effectLst/>
-      </p:bgPr>
-    </p:bg>
     <p:spTree>
       <p:nvGrpSpPr>
         <p:cNvPr id="1" name=""/>
@@ -7413,13 +8292,36 @@
           <p:nvPr/>
         </p:nvPicPr>
         <p:blipFill>
+          <a:blip r:embed="rId2"/>
+          <a:stretch/>
+        </p:blipFill>
+        <p:spPr>
+          <a:xfrm>
+            <a:off x="736920" y="422280"/>
+            <a:ext cx="1690200" cy="296640"/>
+          </a:xfrm>
+          <a:prstGeom prst="rect">
+            <a:avLst/>
+          </a:prstGeom>
+          <a:ln>
+            <a:noFill/>
+          </a:ln>
+        </p:spPr>
+      </p:pic>
+      <p:pic>
+        <p:nvPicPr>
+          <p:cNvPr id="111" name="Google Shape;132;p4"/>
+          <p:cNvPicPr/>
+          <p:nvPr/>
+        </p:nvPicPr>
+        <p:blipFill>
           <a:blip r:embed="rId3"/>
           <a:stretch/>
         </p:blipFill>
         <p:spPr>
           <a:xfrm>
-            <a:off x="736920" y="422280"/>
-            <a:ext cx="1690200" cy="296640"/>
+            <a:off x="8839440" y="447120"/>
+            <a:ext cx="309240" cy="257760"/>
           </a:xfrm>
           <a:prstGeom prst="rect">
             <a:avLst/>
@@ -7429,55 +8331,9 @@
           </a:ln>
         </p:spPr>
       </p:pic>
-      <p:sp>
-        <p:nvSpPr>
-          <p:cNvPr id="110" name="CustomShape 3"/>
-          <p:cNvSpPr/>
-          <p:nvPr/>
-        </p:nvSpPr>
-        <p:spPr>
-          <a:xfrm>
-            <a:off x="739080" y="1900440"/>
-            <a:ext cx="5170680" cy="1794960"/>
-          </a:xfrm>
-          <a:prstGeom prst="rect">
-            <a:avLst/>
-          </a:prstGeom>
-          <a:noFill/>
-          <a:ln>
-            <a:noFill/>
-          </a:ln>
-        </p:spPr>
-        <p:style>
-          <a:lnRef idx="0">
-            <a:scrgbClr r="0" g="0" b="0"/>
-          </a:lnRef>
-          <a:fillRef idx="0">
-            <a:scrgbClr r="0" g="0" b="0"/>
-          </a:fillRef>
-          <a:effectRef idx="0">
-            <a:scrgbClr r="0" g="0" b="0"/>
-          </a:effectRef>
-          <a:fontRef idx="minor"/>
-        </p:style>
-        <p:txBody>
-          <a:bodyPr lIns="90000" tIns="45000" rIns="90000" bIns="45000"/>
-          <a:lstStyle/>
-          <a:p>
-            <a:pPr>
-              <a:lnSpc>
-                <a:spcPct val="100000"/>
-              </a:lnSpc>
-            </a:pPr>
-            <a:endParaRPr lang="ru-RU" sz="1600" b="0" strike="noStrike" spc="-1" dirty="0">
-              <a:latin typeface="Arial"/>
-            </a:endParaRPr>
-          </a:p>
-        </p:txBody>
-      </p:sp>
       <p:pic>
         <p:nvPicPr>
-          <p:cNvPr id="111" name="Google Shape;132;p4"/>
+          <p:cNvPr id="112" name="Google Shape;133;p4"/>
           <p:cNvPicPr/>
           <p:nvPr/>
         </p:nvPicPr>
@@ -7487,29 +8343,6 @@
         </p:blipFill>
         <p:spPr>
           <a:xfrm>
-            <a:off x="8839440" y="447120"/>
-            <a:ext cx="309240" cy="257760"/>
-          </a:xfrm>
-          <a:prstGeom prst="rect">
-            <a:avLst/>
-          </a:prstGeom>
-          <a:ln>
-            <a:noFill/>
-          </a:ln>
-        </p:spPr>
-      </p:pic>
-      <p:pic>
-        <p:nvPicPr>
-          <p:cNvPr id="112" name="Google Shape;133;p4"/>
-          <p:cNvPicPr/>
-          <p:nvPr/>
-        </p:nvPicPr>
-        <p:blipFill>
-          <a:blip r:embed="rId5"/>
-          <a:stretch/>
-        </p:blipFill>
-        <p:spPr>
-          <a:xfrm>
             <a:off x="3600" y="998640"/>
             <a:ext cx="640080" cy="699120"/>
           </a:xfrm>
@@ -7528,7 +8361,7 @@
           <p:nvPr/>
         </p:nvPicPr>
         <p:blipFill>
-          <a:blip r:embed="rId4"/>
+          <a:blip r:embed="rId3"/>
           <a:stretch/>
         </p:blipFill>
         <p:spPr>
@@ -7607,7 +8440,7 @@
           <p:nvPr/>
         </p:nvPicPr>
         <p:blipFill>
-          <a:blip r:embed="rId6"/>
+          <a:blip r:embed="rId5"/>
           <a:stretch/>
         </p:blipFill>
         <p:spPr>
@@ -7630,7 +8463,7 @@
           <p:nvPr/>
         </p:nvPicPr>
         <p:blipFill>
-          <a:blip r:embed="rId7"/>
+          <a:blip r:embed="rId6"/>
           <a:stretch/>
         </p:blipFill>
         <p:spPr>
@@ -7654,8 +8487,8 @@
         </p:nvSpPr>
         <p:spPr>
           <a:xfrm>
-            <a:off x="891480" y="1913751"/>
-            <a:ext cx="7665360" cy="2132649"/>
+            <a:off x="492784" y="1697760"/>
+            <a:ext cx="8064056" cy="4705920"/>
           </a:xfrm>
           <a:prstGeom prst="rect">
             <a:avLst/>
@@ -7686,22 +8519,23 @@
                 <a:spcPct val="100000"/>
               </a:lnSpc>
             </a:pPr>
-            <a:endParaRPr lang="ru-RU" sz="1600" b="0" strike="noStrike" spc="-1" dirty="0">
-              <a:latin typeface="Arial"/>
-            </a:endParaRPr>
-          </a:p>
-        </p:txBody>
-      </p:sp>
-      <p:sp>
-        <p:nvSpPr>
-          <p:cNvPr id="17" name="CustomShape 3"/>
+            <a:endParaRPr lang="ru-RU" spc="-1" dirty="0">
+              <a:latin typeface="Calibri" panose="020F0502020204030204" pitchFamily="34" charset="0"/>
+              <a:cs typeface="Calibri" panose="020F0502020204030204" pitchFamily="34" charset="0"/>
+            </a:endParaRPr>
+          </a:p>
+        </p:txBody>
+      </p:sp>
+      <p:sp>
+        <p:nvSpPr>
+          <p:cNvPr id="21" name="CustomShape 3"/>
           <p:cNvSpPr/>
           <p:nvPr/>
         </p:nvSpPr>
         <p:spPr>
           <a:xfrm>
-            <a:off x="1035060" y="2477823"/>
-            <a:ext cx="6497854" cy="2166747"/>
+            <a:off x="1980477" y="1885690"/>
+            <a:ext cx="5585446" cy="816471"/>
           </a:xfrm>
           <a:prstGeom prst="rect">
             <a:avLst/>
@@ -7727,63 +8561,93 @@
           <a:bodyPr lIns="90000" tIns="45000" rIns="90000" bIns="45000"/>
           <a:lstStyle/>
           <a:p>
-            <a:r>
-              <a:rPr lang="ru-RU" b="1" dirty="0" smtClean="0">
-                <a:latin typeface="Calibri" panose="020F0502020204030204" pitchFamily="34" charset="0"/>
-                <a:cs typeface="Calibri" panose="020F0502020204030204" pitchFamily="34" charset="0"/>
-              </a:rPr>
-              <a:t>Задание</a:t>
-            </a:r>
-            <a:r>
-              <a:rPr lang="en-US" b="1" dirty="0" smtClean="0">
-                <a:latin typeface="Calibri" panose="020F0502020204030204" pitchFamily="34" charset="0"/>
-                <a:cs typeface="Calibri" panose="020F0502020204030204" pitchFamily="34" charset="0"/>
-              </a:rPr>
-              <a:t> 1</a:t>
-            </a:r>
-            <a:endParaRPr lang="ru-RU" b="1" dirty="0" smtClean="0">
+            <a:pPr>
+              <a:lnSpc>
+                <a:spcPct val="100000"/>
+              </a:lnSpc>
+            </a:pPr>
+            <a:r>
+              <a:rPr lang="ru-RU" sz="3000" b="1" spc="-1" dirty="0">
+                <a:latin typeface="Calibri" panose="020F0502020204030204" pitchFamily="34" charset="0"/>
+                <a:cs typeface="Calibri" panose="020F0502020204030204" pitchFamily="34" charset="0"/>
+              </a:rPr>
+              <a:t>При отсутствии выражения завершающего цикл, т.е. устанавливающего условие ложным, цикл будет выполняться </a:t>
+            </a:r>
+            <a:r>
+              <a:rPr lang="ru-RU" sz="3000" b="1" spc="-1" dirty="0" smtClean="0">
+                <a:latin typeface="Calibri" panose="020F0502020204030204" pitchFamily="34" charset="0"/>
+                <a:cs typeface="Calibri" panose="020F0502020204030204" pitchFamily="34" charset="0"/>
+              </a:rPr>
+              <a:t>бесконечно</a:t>
+            </a:r>
+            <a:r>
+              <a:rPr lang="en-US" sz="3000" b="1" spc="-1" dirty="0" smtClean="0">
+                <a:latin typeface="Calibri" panose="020F0502020204030204" pitchFamily="34" charset="0"/>
+                <a:cs typeface="Calibri" panose="020F0502020204030204" pitchFamily="34" charset="0"/>
+              </a:rPr>
+              <a:t>!</a:t>
+            </a:r>
+          </a:p>
+        </p:txBody>
+      </p:sp>
+      <p:sp>
+        <p:nvSpPr>
+          <p:cNvPr id="22" name="CustomShape 1"/>
+          <p:cNvSpPr/>
+          <p:nvPr/>
+        </p:nvSpPr>
+        <p:spPr>
+          <a:xfrm>
+            <a:off x="8506080" y="419040"/>
+            <a:ext cx="374400" cy="273240"/>
+          </a:xfrm>
+          <a:prstGeom prst="rect">
+            <a:avLst/>
+          </a:prstGeom>
+          <a:noFill/>
+          <a:ln>
+            <a:noFill/>
+          </a:ln>
+        </p:spPr>
+        <p:style>
+          <a:lnRef idx="0">
+            <a:scrgbClr r="0" g="0" b="0"/>
+          </a:lnRef>
+          <a:fillRef idx="0">
+            <a:scrgbClr r="0" g="0" b="0"/>
+          </a:fillRef>
+          <a:effectRef idx="0">
+            <a:scrgbClr r="0" g="0" b="0"/>
+          </a:effectRef>
+          <a:fontRef idx="minor"/>
+        </p:style>
+        <p:txBody>
+          <a:bodyPr lIns="90000" tIns="45000" rIns="90000" bIns="45000"/>
+          <a:lstStyle/>
+          <a:p>
+            <a:pPr>
+              <a:lnSpc>
+                <a:spcPct val="100000"/>
+              </a:lnSpc>
+            </a:pPr>
+            <a:r>
+              <a:rPr lang="ru-RU" sz="1200" spc="-1" dirty="0" smtClean="0">
+                <a:latin typeface="Calibri" panose="020F0502020204030204" pitchFamily="34" charset="0"/>
+                <a:cs typeface="Calibri" panose="020F0502020204030204" pitchFamily="34" charset="0"/>
+              </a:rPr>
+              <a:t>1</a:t>
+            </a:r>
+            <a:r>
+              <a:rPr lang="en-US" sz="1200" spc="-1" dirty="0" smtClean="0">
+                <a:latin typeface="Calibri" panose="020F0502020204030204" pitchFamily="34" charset="0"/>
+                <a:cs typeface="Calibri" panose="020F0502020204030204" pitchFamily="34" charset="0"/>
+              </a:rPr>
+              <a:t>4</a:t>
+            </a:r>
+            <a:endParaRPr lang="ru-RU" sz="1200" b="0" strike="noStrike" spc="-1" dirty="0">
               <a:latin typeface="Calibri" panose="020F0502020204030204" pitchFamily="34" charset="0"/>
               <a:cs typeface="Calibri" panose="020F0502020204030204" pitchFamily="34" charset="0"/>
             </a:endParaRPr>
-          </a:p>
-          <a:p>
-            <a:endParaRPr lang="ru-RU" dirty="0" smtClean="0">
-              <a:latin typeface="Calibri" panose="020F0502020204030204" pitchFamily="34" charset="0"/>
-              <a:cs typeface="Calibri" panose="020F0502020204030204" pitchFamily="34" charset="0"/>
-            </a:endParaRPr>
-          </a:p>
-          <a:p>
-            <a:r>
-              <a:rPr lang="ru-RU" dirty="0" smtClean="0">
-                <a:latin typeface="Calibri" panose="020F0502020204030204" pitchFamily="34" charset="0"/>
-                <a:cs typeface="Calibri" panose="020F0502020204030204" pitchFamily="34" charset="0"/>
-              </a:rPr>
-              <a:t>Напишите программу, которая выводит на экран чётный числа (начиная с 0) до 10 (включительно).</a:t>
-            </a:r>
-          </a:p>
-          <a:p>
-            <a:endParaRPr lang="ru-RU" dirty="0">
-              <a:latin typeface="Calibri" panose="020F0502020204030204" pitchFamily="34" charset="0"/>
-              <a:cs typeface="Calibri" panose="020F0502020204030204" pitchFamily="34" charset="0"/>
-            </a:endParaRPr>
-          </a:p>
-          <a:p>
-            <a:r>
-              <a:rPr lang="ru-RU" dirty="0" smtClean="0">
-                <a:latin typeface="Calibri" panose="020F0502020204030204" pitchFamily="34" charset="0"/>
-                <a:cs typeface="Calibri" panose="020F0502020204030204" pitchFamily="34" charset="0"/>
-              </a:rPr>
-              <a:t>*</a:t>
-            </a:r>
-          </a:p>
-          <a:p>
-            <a:r>
-              <a:rPr lang="ru-RU" dirty="0" smtClean="0">
-                <a:latin typeface="Calibri" panose="020F0502020204030204" pitchFamily="34" charset="0"/>
-                <a:cs typeface="Calibri" panose="020F0502020204030204" pitchFamily="34" charset="0"/>
-              </a:rPr>
-              <a:t>Начиная с 2</a:t>
-            </a:r>
           </a:p>
         </p:txBody>
       </p:sp>
@@ -7832,7 +8696,7 @@
                 <a:latin typeface="Calibri" panose="020F0502020204030204" pitchFamily="34" charset="0"/>
                 <a:cs typeface="Calibri" panose="020F0502020204030204" pitchFamily="34" charset="0"/>
               </a:rPr>
-              <a:t>УСЛОВИЯ ВЕТВЛЕНИЯ.</a:t>
+              <a:t>ЛОГИЧЕСКИЕ ОПЕРАТОРЫ.</a:t>
             </a:r>
           </a:p>
           <a:p>
@@ -7842,25 +8706,18 @@
               </a:lnSpc>
             </a:pPr>
             <a:r>
-              <a:rPr lang="ru-RU" sz="900" b="1" spc="-1" dirty="0" smtClean="0">
+              <a:rPr lang="ru-RU" sz="900" b="1" strike="noStrike" spc="-1" dirty="0" smtClean="0">
                 <a:latin typeface="Calibri" panose="020F0502020204030204" pitchFamily="34" charset="0"/>
                 <a:cs typeface="Calibri" panose="020F0502020204030204" pitchFamily="34" charset="0"/>
               </a:rPr>
               <a:t>ЦИКЛ </a:t>
             </a:r>
             <a:r>
-              <a:rPr lang="en-US" sz="900" b="1" spc="-1" dirty="0" smtClean="0">
+              <a:rPr lang="en-US" sz="900" b="1" strike="noStrike" spc="-1" dirty="0" smtClean="0">
                 <a:latin typeface="Calibri" panose="020F0502020204030204" pitchFamily="34" charset="0"/>
                 <a:cs typeface="Calibri" panose="020F0502020204030204" pitchFamily="34" charset="0"/>
               </a:rPr>
               <a:t>WHILE.</a:t>
-            </a:r>
-            <a:r>
-              <a:rPr lang="ru-RU" sz="900" b="1" spc="-1" dirty="0" smtClean="0">
-                <a:latin typeface="Calibri" panose="020F0502020204030204" pitchFamily="34" charset="0"/>
-                <a:cs typeface="Calibri" panose="020F0502020204030204" pitchFamily="34" charset="0"/>
-              </a:rPr>
-              <a:t> </a:t>
             </a:r>
             <a:endParaRPr lang="ru-RU" sz="900" b="1" strike="noStrike" spc="-1" dirty="0">
               <a:latin typeface="Calibri" panose="020F0502020204030204" pitchFamily="34" charset="0"/>
@@ -7869,9 +8726,39 @@
           </a:p>
         </p:txBody>
       </p:sp>
-      <p:sp>
-        <p:nvSpPr>
-          <p:cNvPr id="21" name="CustomShape 2"/>
+      <p:pic>
+        <p:nvPicPr>
+          <p:cNvPr id="2" name="Рисунок 1"/>
+          <p:cNvPicPr>
+            <a:picLocks noChangeAspect="1"/>
+          </p:cNvPicPr>
+          <p:nvPr/>
+        </p:nvPicPr>
+        <p:blipFill>
+          <a:blip r:embed="rId7">
+            <a:extLst>
+              <a:ext uri="{28A0092B-C50C-407E-A947-70E740481C1C}">
+                <a14:useLocalDpi xmlns:a14="http://schemas.microsoft.com/office/drawing/2010/main" val="0"/>
+              </a:ext>
+            </a:extLst>
+          </a:blip>
+          <a:stretch>
+            <a:fillRect/>
+          </a:stretch>
+        </p:blipFill>
+        <p:spPr>
+          <a:xfrm>
+            <a:off x="2210823" y="4399779"/>
+            <a:ext cx="4627978" cy="2152221"/>
+          </a:xfrm>
+          <a:prstGeom prst="rect">
+            <a:avLst/>
+          </a:prstGeom>
+        </p:spPr>
+      </p:pic>
+      <p:sp>
+        <p:nvSpPr>
+          <p:cNvPr id="15" name="CustomShape 2"/>
           <p:cNvSpPr/>
           <p:nvPr/>
         </p:nvSpPr>
@@ -7917,7 +8804,7 @@
                 <a:latin typeface="Calibri"/>
                 <a:ea typeface="Calibri"/>
               </a:rPr>
-              <a:t>Тема: Условия ветвления. Цикл </a:t>
+              <a:t>Тема: Логические операторы. Цикл </a:t>
             </a:r>
             <a:r>
               <a:rPr lang="en-US" sz="2000" b="1" spc="-1" dirty="0">
@@ -7933,64 +8820,10 @@
           </a:p>
         </p:txBody>
       </p:sp>
-      <p:sp>
-        <p:nvSpPr>
-          <p:cNvPr id="22" name="CustomShape 1"/>
-          <p:cNvSpPr/>
-          <p:nvPr/>
-        </p:nvSpPr>
-        <p:spPr>
-          <a:xfrm>
-            <a:off x="8506080" y="419040"/>
-            <a:ext cx="374400" cy="273240"/>
-          </a:xfrm>
-          <a:prstGeom prst="rect">
-            <a:avLst/>
-          </a:prstGeom>
-          <a:noFill/>
-          <a:ln>
-            <a:noFill/>
-          </a:ln>
-        </p:spPr>
-        <p:style>
-          <a:lnRef idx="0">
-            <a:scrgbClr r="0" g="0" b="0"/>
-          </a:lnRef>
-          <a:fillRef idx="0">
-            <a:scrgbClr r="0" g="0" b="0"/>
-          </a:fillRef>
-          <a:effectRef idx="0">
-            <a:scrgbClr r="0" g="0" b="0"/>
-          </a:effectRef>
-          <a:fontRef idx="minor"/>
-        </p:style>
-        <p:txBody>
-          <a:bodyPr lIns="90000" tIns="45000" rIns="90000" bIns="45000"/>
-          <a:lstStyle/>
-          <a:p>
-            <a:pPr>
-              <a:lnSpc>
-                <a:spcPct val="100000"/>
-              </a:lnSpc>
-            </a:pPr>
-            <a:r>
-              <a:rPr lang="ru-RU" sz="1200" spc="-1" dirty="0" smtClean="0">
-                <a:latin typeface="Calibri" panose="020F0502020204030204" pitchFamily="34" charset="0"/>
-                <a:cs typeface="Calibri" panose="020F0502020204030204" pitchFamily="34" charset="0"/>
-              </a:rPr>
-              <a:t>16</a:t>
-            </a:r>
-            <a:endParaRPr lang="ru-RU" sz="1200" b="0" strike="noStrike" spc="-1" dirty="0">
-              <a:latin typeface="Calibri" panose="020F0502020204030204" pitchFamily="34" charset="0"/>
-              <a:cs typeface="Calibri" panose="020F0502020204030204" pitchFamily="34" charset="0"/>
-            </a:endParaRPr>
-          </a:p>
-        </p:txBody>
-      </p:sp>
     </p:spTree>
     <p:extLst>
       <p:ext uri="{BB962C8B-B14F-4D97-AF65-F5344CB8AC3E}">
-        <p14:creationId xmlns:p14="http://schemas.microsoft.com/office/powerpoint/2010/main" val="2289515196"/>
+        <p14:creationId xmlns:p14="http://schemas.microsoft.com/office/powerpoint/2010/main" val="1128868667"/>
       </p:ext>
     </p:extLst>
   </p:cSld>
@@ -8033,7 +8866,7 @@
     <p:bg>
       <p:bgPr>
         <a:solidFill>
-          <a:srgbClr val="FFFFFF"/>
+          <a:srgbClr val="FEE500"/>
         </a:solidFill>
         <a:effectLst/>
       </p:bgPr>
@@ -8054,18 +8887,18 @@
       </p:grpSpPr>
       <p:pic>
         <p:nvPicPr>
-          <p:cNvPr id="107" name="Google Shape;128;p4"/>
+          <p:cNvPr id="76" name="Google Shape;85;p1"/>
           <p:cNvPicPr/>
           <p:nvPr/>
         </p:nvPicPr>
         <p:blipFill>
-          <a:blip r:embed="rId3"/>
+          <a:blip r:embed="rId2"/>
           <a:stretch/>
         </p:blipFill>
         <p:spPr>
           <a:xfrm>
-            <a:off x="736920" y="422280"/>
-            <a:ext cx="1690200" cy="296640"/>
+            <a:off x="3829680" y="5519160"/>
+            <a:ext cx="1514520" cy="723960"/>
           </a:xfrm>
           <a:prstGeom prst="rect">
             <a:avLst/>
@@ -8077,14 +8910,14 @@
       </p:pic>
       <p:sp>
         <p:nvSpPr>
-          <p:cNvPr id="110" name="CustomShape 3"/>
+          <p:cNvPr id="80" name="CustomShape 3"/>
           <p:cNvSpPr/>
           <p:nvPr/>
         </p:nvSpPr>
         <p:spPr>
           <a:xfrm>
-            <a:off x="739080" y="1900440"/>
-            <a:ext cx="5170680" cy="1794960"/>
+            <a:off x="3387420" y="531315"/>
+            <a:ext cx="2330640" cy="638640"/>
           </a:xfrm>
           <a:prstGeom prst="rect">
             <a:avLst/>
@@ -8110,520 +8943,300 @@
           <a:bodyPr lIns="90000" tIns="45000" rIns="90000" bIns="45000"/>
           <a:lstStyle/>
           <a:p>
-            <a:pPr>
+            <a:pPr algn="ctr">
               <a:lnSpc>
                 <a:spcPct val="100000"/>
               </a:lnSpc>
             </a:pPr>
-            <a:endParaRPr lang="ru-RU" sz="1600" b="0" strike="noStrike" spc="-1" dirty="0">
-              <a:latin typeface="Arial"/>
-            </a:endParaRPr>
-          </a:p>
-        </p:txBody>
-      </p:sp>
-      <p:pic>
-        <p:nvPicPr>
-          <p:cNvPr id="111" name="Google Shape;132;p4"/>
-          <p:cNvPicPr/>
-          <p:nvPr/>
-        </p:nvPicPr>
-        <p:blipFill>
-          <a:blip r:embed="rId4"/>
-          <a:stretch/>
-        </p:blipFill>
-        <p:spPr>
-          <a:xfrm>
-            <a:off x="8839440" y="447120"/>
-            <a:ext cx="309240" cy="257760"/>
-          </a:xfrm>
-          <a:prstGeom prst="rect">
-            <a:avLst/>
-          </a:prstGeom>
-          <a:ln>
-            <a:noFill/>
-          </a:ln>
-        </p:spPr>
-      </p:pic>
-      <p:pic>
-        <p:nvPicPr>
-          <p:cNvPr id="112" name="Google Shape;133;p4"/>
-          <p:cNvPicPr/>
-          <p:nvPr/>
-        </p:nvPicPr>
-        <p:blipFill>
-          <a:blip r:embed="rId5"/>
-          <a:stretch/>
-        </p:blipFill>
-        <p:spPr>
-          <a:xfrm>
-            <a:off x="3600" y="998640"/>
-            <a:ext cx="640080" cy="699120"/>
-          </a:xfrm>
-          <a:prstGeom prst="rect">
-            <a:avLst/>
-          </a:prstGeom>
-          <a:ln>
-            <a:noFill/>
-          </a:ln>
-        </p:spPr>
-      </p:pic>
-      <p:pic>
-        <p:nvPicPr>
-          <p:cNvPr id="113" name="Google Shape;134;p4"/>
-          <p:cNvPicPr/>
-          <p:nvPr/>
-        </p:nvPicPr>
-        <p:blipFill>
-          <a:blip r:embed="rId4"/>
-          <a:stretch/>
-        </p:blipFill>
-        <p:spPr>
-          <a:xfrm>
-            <a:off x="8198640" y="437400"/>
-            <a:ext cx="309240" cy="257760"/>
-          </a:xfrm>
-          <a:prstGeom prst="rect">
-            <a:avLst/>
-          </a:prstGeom>
-          <a:ln>
-            <a:noFill/>
-          </a:ln>
-        </p:spPr>
-      </p:pic>
-      <p:sp>
-        <p:nvSpPr>
-          <p:cNvPr id="118" name="CustomShape 7"/>
-          <p:cNvSpPr/>
-          <p:nvPr/>
-        </p:nvSpPr>
-        <p:spPr>
-          <a:xfrm>
-            <a:off x="7701840" y="6388200"/>
-            <a:ext cx="900360" cy="243360"/>
-          </a:xfrm>
-          <a:prstGeom prst="rect">
-            <a:avLst/>
-          </a:prstGeom>
-          <a:noFill/>
-          <a:ln>
-            <a:noFill/>
-          </a:ln>
-        </p:spPr>
-        <p:style>
-          <a:lnRef idx="0">
-            <a:scrgbClr r="0" g="0" b="0"/>
-          </a:lnRef>
-          <a:fillRef idx="0">
-            <a:scrgbClr r="0" g="0" b="0"/>
-          </a:fillRef>
-          <a:effectRef idx="0">
-            <a:scrgbClr r="0" g="0" b="0"/>
-          </a:effectRef>
-          <a:fontRef idx="minor"/>
-        </p:style>
-        <p:txBody>
-          <a:bodyPr lIns="90000" tIns="45000" rIns="90000" bIns="45000" anchor="ctr"/>
-          <a:lstStyle/>
-          <a:p>
-            <a:pPr algn="r">
-              <a:lnSpc>
-                <a:spcPct val="100000"/>
-              </a:lnSpc>
-            </a:pPr>
-            <a:r>
-              <a:rPr lang="ru-RU" sz="1000" b="1" strike="noStrike" spc="-1">
+            <a:r>
+              <a:rPr lang="ru-RU" sz="1800" b="0" strike="noStrike" spc="-1" dirty="0">
                 <a:solidFill>
                   <a:srgbClr val="000000"/>
                 </a:solidFill>
                 <a:latin typeface="Calibri"/>
                 <a:ea typeface="Calibri"/>
               </a:rPr>
-              <a:t> inginirium.ru</a:t>
-            </a:r>
-            <a:endParaRPr lang="ru-RU" sz="1000" b="0" strike="noStrike" spc="-1">
-              <a:latin typeface="Arial"/>
-            </a:endParaRPr>
-          </a:p>
-        </p:txBody>
-      </p:sp>
-      <p:pic>
-        <p:nvPicPr>
-          <p:cNvPr id="119" name="Google Shape;140;p4"/>
-          <p:cNvPicPr/>
-          <p:nvPr/>
-        </p:nvPicPr>
-        <p:blipFill>
-          <a:blip r:embed="rId6"/>
-          <a:stretch/>
-        </p:blipFill>
-        <p:spPr>
-          <a:xfrm>
-            <a:off x="7833600" y="6606360"/>
-            <a:ext cx="672480" cy="23400"/>
-          </a:xfrm>
-          <a:prstGeom prst="rect">
-            <a:avLst/>
-          </a:prstGeom>
-          <a:ln>
-            <a:noFill/>
-          </a:ln>
-        </p:spPr>
-      </p:pic>
-      <p:pic>
-        <p:nvPicPr>
-          <p:cNvPr id="120" name="Google Shape;141;p4"/>
-          <p:cNvPicPr/>
-          <p:nvPr/>
-        </p:nvPicPr>
-        <p:blipFill>
-          <a:blip r:embed="rId7"/>
-          <a:stretch/>
-        </p:blipFill>
-        <p:spPr>
-          <a:xfrm>
-            <a:off x="8653320" y="6401880"/>
-            <a:ext cx="227160" cy="215280"/>
-          </a:xfrm>
-          <a:prstGeom prst="rect">
-            <a:avLst/>
-          </a:prstGeom>
-          <a:ln>
-            <a:noFill/>
-          </a:ln>
-        </p:spPr>
-      </p:pic>
-      <p:sp>
-        <p:nvSpPr>
-          <p:cNvPr id="18" name="CustomShape 3"/>
-          <p:cNvSpPr/>
-          <p:nvPr/>
-        </p:nvSpPr>
-        <p:spPr>
-          <a:xfrm>
-            <a:off x="891480" y="1913751"/>
-            <a:ext cx="7665360" cy="2132649"/>
-          </a:xfrm>
-          <a:prstGeom prst="rect">
-            <a:avLst/>
-          </a:prstGeom>
-          <a:noFill/>
-          <a:ln>
-            <a:noFill/>
-          </a:ln>
-        </p:spPr>
-        <p:style>
-          <a:lnRef idx="0">
-            <a:scrgbClr r="0" g="0" b="0"/>
-          </a:lnRef>
-          <a:fillRef idx="0">
-            <a:scrgbClr r="0" g="0" b="0"/>
-          </a:fillRef>
-          <a:effectRef idx="0">
-            <a:scrgbClr r="0" g="0" b="0"/>
-          </a:effectRef>
-          <a:fontRef idx="minor"/>
-        </p:style>
-        <p:txBody>
-          <a:bodyPr lIns="90000" tIns="45000" rIns="90000" bIns="45000"/>
-          <a:lstStyle/>
-          <a:p>
-            <a:pPr>
-              <a:lnSpc>
-                <a:spcPct val="100000"/>
-              </a:lnSpc>
-            </a:pPr>
-            <a:endParaRPr lang="ru-RU" sz="1600" b="0" strike="noStrike" spc="-1" dirty="0">
-              <a:latin typeface="Arial"/>
-            </a:endParaRPr>
-          </a:p>
-        </p:txBody>
-      </p:sp>
-      <p:sp>
-        <p:nvSpPr>
-          <p:cNvPr id="17" name="CustomShape 3"/>
-          <p:cNvSpPr/>
-          <p:nvPr/>
-        </p:nvSpPr>
-        <p:spPr>
-          <a:xfrm>
-            <a:off x="1035060" y="2477824"/>
-            <a:ext cx="7618260" cy="1435736"/>
-          </a:xfrm>
-          <a:prstGeom prst="rect">
-            <a:avLst/>
-          </a:prstGeom>
-          <a:noFill/>
-          <a:ln>
-            <a:noFill/>
-          </a:ln>
-        </p:spPr>
-        <p:style>
-          <a:lnRef idx="0">
-            <a:scrgbClr r="0" g="0" b="0"/>
-          </a:lnRef>
-          <a:fillRef idx="0">
-            <a:scrgbClr r="0" g="0" b="0"/>
-          </a:fillRef>
-          <a:effectRef idx="0">
-            <a:scrgbClr r="0" g="0" b="0"/>
-          </a:effectRef>
-          <a:fontRef idx="minor"/>
-        </p:style>
-        <p:txBody>
-          <a:bodyPr lIns="90000" tIns="45000" rIns="90000" bIns="45000"/>
-          <a:lstStyle/>
-          <a:p>
-            <a:r>
-              <a:rPr lang="ru-RU" b="1" dirty="0" smtClean="0">
-                <a:latin typeface="Calibri" panose="020F0502020204030204" pitchFamily="34" charset="0"/>
-                <a:cs typeface="Calibri" panose="020F0502020204030204" pitchFamily="34" charset="0"/>
-              </a:rPr>
-              <a:t>Задание</a:t>
-            </a:r>
-            <a:r>
-              <a:rPr lang="en-US" b="1" dirty="0" smtClean="0">
-                <a:latin typeface="Calibri" panose="020F0502020204030204" pitchFamily="34" charset="0"/>
-                <a:cs typeface="Calibri" panose="020F0502020204030204" pitchFamily="34" charset="0"/>
-              </a:rPr>
-              <a:t> 2</a:t>
-            </a:r>
-            <a:endParaRPr lang="ru-RU" b="1" dirty="0" smtClean="0">
-              <a:latin typeface="Calibri" panose="020F0502020204030204" pitchFamily="34" charset="0"/>
-              <a:cs typeface="Calibri" panose="020F0502020204030204" pitchFamily="34" charset="0"/>
-            </a:endParaRPr>
-          </a:p>
-          <a:p>
-            <a:endParaRPr lang="ru-RU" dirty="0" smtClean="0">
-              <a:latin typeface="Calibri" panose="020F0502020204030204" pitchFamily="34" charset="0"/>
-              <a:cs typeface="Calibri" panose="020F0502020204030204" pitchFamily="34" charset="0"/>
-            </a:endParaRPr>
-          </a:p>
-          <a:p>
-            <a:r>
-              <a:rPr lang="ru-RU" dirty="0" smtClean="0">
-                <a:latin typeface="Calibri" panose="020F0502020204030204" pitchFamily="34" charset="0"/>
-                <a:cs typeface="Calibri" panose="020F0502020204030204" pitchFamily="34" charset="0"/>
-              </a:rPr>
-              <a:t>Сделайте бесконечный цикл и запустите </a:t>
-            </a:r>
-            <a:r>
-              <a:rPr lang="en-US" dirty="0" smtClean="0">
-                <a:latin typeface="Calibri" panose="020F0502020204030204" pitchFamily="34" charset="0"/>
-                <a:cs typeface="Calibri" panose="020F0502020204030204" pitchFamily="34" charset="0"/>
-              </a:rPr>
-              <a:t>*.exe</a:t>
-            </a:r>
-            <a:endParaRPr lang="ru-RU" dirty="0" smtClean="0">
-              <a:latin typeface="Calibri" panose="020F0502020204030204" pitchFamily="34" charset="0"/>
-              <a:cs typeface="Calibri" panose="020F0502020204030204" pitchFamily="34" charset="0"/>
-            </a:endParaRPr>
-          </a:p>
-        </p:txBody>
-      </p:sp>
-      <p:sp>
-        <p:nvSpPr>
-          <p:cNvPr id="20" name="CustomShape 1"/>
-          <p:cNvSpPr/>
-          <p:nvPr/>
-        </p:nvSpPr>
-        <p:spPr>
-          <a:xfrm>
-            <a:off x="8491080" y="424620"/>
-            <a:ext cx="389040" cy="273240"/>
-          </a:xfrm>
-          <a:prstGeom prst="rect">
-            <a:avLst/>
-          </a:prstGeom>
-          <a:noFill/>
-          <a:ln>
-            <a:noFill/>
-          </a:ln>
-        </p:spPr>
-        <p:style>
-          <a:lnRef idx="0">
-            <a:scrgbClr r="0" g="0" b="0"/>
-          </a:lnRef>
-          <a:fillRef idx="0">
-            <a:scrgbClr r="0" g="0" b="0"/>
-          </a:fillRef>
-          <a:effectRef idx="0">
-            <a:scrgbClr r="0" g="0" b="0"/>
-          </a:effectRef>
-          <a:fontRef idx="minor"/>
-        </p:style>
-        <p:txBody>
-          <a:bodyPr lIns="90000" tIns="45000" rIns="90000" bIns="45000"/>
-          <a:lstStyle/>
-          <a:p>
-            <a:pPr>
-              <a:lnSpc>
-                <a:spcPct val="100000"/>
-              </a:lnSpc>
-            </a:pPr>
-            <a:r>
-              <a:rPr lang="ru-RU" sz="1200" spc="-1" dirty="0" smtClean="0">
-                <a:latin typeface="Calibri" panose="020F0502020204030204" pitchFamily="34" charset="0"/>
-                <a:cs typeface="Calibri" panose="020F0502020204030204" pitchFamily="34" charset="0"/>
-              </a:rPr>
-              <a:t>17</a:t>
-            </a:r>
-            <a:endParaRPr lang="ru-RU" sz="1200" b="0" strike="noStrike" spc="-1" dirty="0">
-              <a:latin typeface="Calibri" panose="020F0502020204030204" pitchFamily="34" charset="0"/>
-              <a:cs typeface="Calibri" panose="020F0502020204030204" pitchFamily="34" charset="0"/>
-            </a:endParaRPr>
-          </a:p>
-        </p:txBody>
-      </p:sp>
-      <p:sp>
-        <p:nvSpPr>
-          <p:cNvPr id="16" name="CustomShape 3"/>
-          <p:cNvSpPr/>
-          <p:nvPr/>
-        </p:nvSpPr>
-        <p:spPr>
-          <a:xfrm>
-            <a:off x="4411800" y="379080"/>
-            <a:ext cx="3818160" cy="364320"/>
-          </a:xfrm>
-          <a:prstGeom prst="rect">
-            <a:avLst/>
-          </a:prstGeom>
-          <a:noFill/>
-          <a:ln>
-            <a:noFill/>
-          </a:ln>
-        </p:spPr>
-        <p:style>
-          <a:lnRef idx="0">
-            <a:scrgbClr r="0" g="0" b="0"/>
-          </a:lnRef>
-          <a:fillRef idx="0">
-            <a:scrgbClr r="0" g="0" b="0"/>
-          </a:fillRef>
-          <a:effectRef idx="0">
-            <a:scrgbClr r="0" g="0" b="0"/>
-          </a:effectRef>
-          <a:fontRef idx="minor"/>
-        </p:style>
-        <p:txBody>
-          <a:bodyPr lIns="90000" tIns="45000" rIns="90000" bIns="45000"/>
-          <a:lstStyle/>
-          <a:p>
-            <a:pPr algn="r">
-              <a:lnSpc>
-                <a:spcPct val="100000"/>
-              </a:lnSpc>
-            </a:pPr>
-            <a:r>
-              <a:rPr lang="ru-RU" sz="900" b="1" spc="-1" dirty="0" smtClean="0">
-                <a:latin typeface="Calibri" panose="020F0502020204030204" pitchFamily="34" charset="0"/>
-                <a:cs typeface="Calibri" panose="020F0502020204030204" pitchFamily="34" charset="0"/>
-              </a:rPr>
-              <a:t>УСЛОВИЯ ВЕТВЛЕНИЯ.</a:t>
-            </a:r>
-          </a:p>
-          <a:p>
-            <a:pPr algn="r">
-              <a:lnSpc>
-                <a:spcPct val="100000"/>
-              </a:lnSpc>
-            </a:pPr>
-            <a:r>
-              <a:rPr lang="ru-RU" sz="900" b="1" spc="-1" dirty="0" smtClean="0">
-                <a:latin typeface="Calibri" panose="020F0502020204030204" pitchFamily="34" charset="0"/>
-                <a:cs typeface="Calibri" panose="020F0502020204030204" pitchFamily="34" charset="0"/>
-              </a:rPr>
-              <a:t>ЦИКЛ </a:t>
-            </a:r>
-            <a:r>
-              <a:rPr lang="en-US" sz="900" b="1" spc="-1" dirty="0" smtClean="0">
-                <a:latin typeface="Calibri" panose="020F0502020204030204" pitchFamily="34" charset="0"/>
-                <a:cs typeface="Calibri" panose="020F0502020204030204" pitchFamily="34" charset="0"/>
-              </a:rPr>
-              <a:t>WHILE.</a:t>
-            </a:r>
-            <a:r>
-              <a:rPr lang="ru-RU" sz="900" b="1" spc="-1" dirty="0" smtClean="0">
-                <a:latin typeface="Calibri" panose="020F0502020204030204" pitchFamily="34" charset="0"/>
-                <a:cs typeface="Calibri" panose="020F0502020204030204" pitchFamily="34" charset="0"/>
-              </a:rPr>
-              <a:t> </a:t>
-            </a:r>
-            <a:endParaRPr lang="ru-RU" sz="900" b="1" strike="noStrike" spc="-1" dirty="0">
-              <a:latin typeface="Calibri" panose="020F0502020204030204" pitchFamily="34" charset="0"/>
-              <a:cs typeface="Calibri" panose="020F0502020204030204" pitchFamily="34" charset="0"/>
-            </a:endParaRPr>
-          </a:p>
-        </p:txBody>
-      </p:sp>
-      <p:sp>
-        <p:nvSpPr>
-          <p:cNvPr id="21" name="CustomShape 2"/>
-          <p:cNvSpPr/>
-          <p:nvPr/>
-        </p:nvSpPr>
-        <p:spPr>
-          <a:xfrm>
-            <a:off x="690120" y="1153800"/>
-            <a:ext cx="7553160" cy="395640"/>
-          </a:xfrm>
-          <a:prstGeom prst="rect">
-            <a:avLst/>
-          </a:prstGeom>
-          <a:noFill/>
-          <a:ln>
-            <a:noFill/>
-          </a:ln>
-        </p:spPr>
-        <p:style>
-          <a:lnRef idx="0">
-            <a:scrgbClr r="0" g="0" b="0"/>
-          </a:lnRef>
-          <a:fillRef idx="0">
-            <a:scrgbClr r="0" g="0" b="0"/>
-          </a:fillRef>
-          <a:effectRef idx="0">
-            <a:scrgbClr r="0" g="0" b="0"/>
-          </a:effectRef>
-          <a:fontRef idx="minor"/>
-        </p:style>
-        <p:txBody>
-          <a:bodyPr lIns="90000" tIns="45000" rIns="90000" bIns="45000"/>
-          <a:lstStyle/>
-          <a:p>
-            <a:pPr>
-              <a:lnSpc>
-                <a:spcPct val="100000"/>
-              </a:lnSpc>
-            </a:pPr>
-            <a:r>
-              <a:rPr lang="ru-RU" sz="2000" b="1" spc="-1" dirty="0">
+              <a:t>Программирование на </a:t>
+            </a:r>
+            <a:r>
+              <a:rPr lang="en-US" spc="-1" dirty="0" smtClean="0">
                 <a:solidFill>
                   <a:srgbClr val="000000"/>
                 </a:solidFill>
                 <a:latin typeface="Calibri"/>
                 <a:ea typeface="Calibri"/>
               </a:rPr>
-              <a:t>Тема: Условия ветвления. Цикл </a:t>
-            </a:r>
-            <a:r>
-              <a:rPr lang="en-US" sz="2000" b="1" spc="-1" dirty="0">
+              <a:t>C++</a:t>
+            </a:r>
+            <a:endParaRPr lang="ru-RU" sz="1800" b="0" strike="noStrike" spc="-1" dirty="0">
+              <a:latin typeface="Arial"/>
+            </a:endParaRPr>
+          </a:p>
+        </p:txBody>
+      </p:sp>
+      <p:sp>
+        <p:nvSpPr>
+          <p:cNvPr id="82" name="CustomShape 5"/>
+          <p:cNvSpPr/>
+          <p:nvPr/>
+        </p:nvSpPr>
+        <p:spPr>
+          <a:xfrm>
+            <a:off x="3391560" y="4778640"/>
+            <a:ext cx="2330640" cy="303840"/>
+          </a:xfrm>
+          <a:prstGeom prst="rect">
+            <a:avLst/>
+          </a:prstGeom>
+          <a:noFill/>
+          <a:ln>
+            <a:noFill/>
+          </a:ln>
+        </p:spPr>
+        <p:style>
+          <a:lnRef idx="0">
+            <a:scrgbClr r="0" g="0" b="0"/>
+          </a:lnRef>
+          <a:fillRef idx="0">
+            <a:scrgbClr r="0" g="0" b="0"/>
+          </a:fillRef>
+          <a:effectRef idx="0">
+            <a:scrgbClr r="0" g="0" b="0"/>
+          </a:effectRef>
+          <a:fontRef idx="minor"/>
+        </p:style>
+        <p:txBody>
+          <a:bodyPr lIns="90000" tIns="45000" rIns="90000" bIns="45000"/>
+          <a:lstStyle/>
+          <a:p>
+            <a:pPr algn="ctr">
+              <a:lnSpc>
+                <a:spcPct val="100000"/>
+              </a:lnSpc>
+            </a:pPr>
+            <a:r>
+              <a:rPr lang="ru-RU" sz="1400" spc="-1" dirty="0">
                 <a:solidFill>
                   <a:srgbClr val="000000"/>
                 </a:solidFill>
                 <a:latin typeface="Calibri"/>
                 <a:ea typeface="Calibri"/>
               </a:rPr>
-              <a:t>while.</a:t>
-            </a:r>
-            <a:endParaRPr lang="ru-RU" sz="2000" spc="-1" dirty="0"/>
+              <a:t>4</a:t>
+            </a:r>
+            <a:r>
+              <a:rPr lang="ru-RU" sz="1400" b="0" strike="noStrike" spc="-1" smtClean="0">
+                <a:solidFill>
+                  <a:srgbClr val="000000"/>
+                </a:solidFill>
+                <a:latin typeface="Calibri"/>
+                <a:ea typeface="Calibri"/>
+              </a:rPr>
+              <a:t> </a:t>
+            </a:r>
+            <a:r>
+              <a:rPr lang="ru-RU" sz="1400" b="0" strike="noStrike" spc="-1" dirty="0">
+                <a:solidFill>
+                  <a:srgbClr val="000000"/>
+                </a:solidFill>
+                <a:latin typeface="Calibri"/>
+                <a:ea typeface="Calibri"/>
+              </a:rPr>
+              <a:t>занятие</a:t>
+            </a:r>
+            <a:endParaRPr lang="ru-RU" sz="1400" b="0" strike="noStrike" spc="-1" dirty="0">
+              <a:latin typeface="Arial"/>
+            </a:endParaRPr>
+          </a:p>
+        </p:txBody>
+      </p:sp>
+      <p:sp>
+        <p:nvSpPr>
+          <p:cNvPr id="83" name="CustomShape 6"/>
+          <p:cNvSpPr/>
+          <p:nvPr/>
+        </p:nvSpPr>
+        <p:spPr>
+          <a:xfrm>
+            <a:off x="3941280" y="6452280"/>
+            <a:ext cx="1222920" cy="247320"/>
+          </a:xfrm>
+          <a:prstGeom prst="rect">
+            <a:avLst/>
+          </a:prstGeom>
+          <a:noFill/>
+          <a:ln>
+            <a:noFill/>
+          </a:ln>
+        </p:spPr>
+        <p:style>
+          <a:lnRef idx="0">
+            <a:scrgbClr r="0" g="0" b="0"/>
+          </a:lnRef>
+          <a:fillRef idx="0">
+            <a:scrgbClr r="0" g="0" b="0"/>
+          </a:fillRef>
+          <a:effectRef idx="0">
+            <a:scrgbClr r="0" g="0" b="0"/>
+          </a:effectRef>
+          <a:fontRef idx="minor"/>
+        </p:style>
+        <p:txBody>
+          <a:bodyPr lIns="90000" tIns="45000" rIns="90000" bIns="45000" anchor="ctr"/>
+          <a:lstStyle/>
+          <a:p>
+            <a:pPr algn="ctr">
+              <a:lnSpc>
+                <a:spcPct val="100000"/>
+              </a:lnSpc>
+            </a:pPr>
+            <a:r>
+              <a:rPr lang="ru-RU" sz="1200" b="0" strike="noStrike" spc="-1">
+                <a:solidFill>
+                  <a:srgbClr val="000000"/>
+                </a:solidFill>
+                <a:latin typeface="Calibri"/>
+                <a:ea typeface="Calibri"/>
+              </a:rPr>
+              <a:t>2019</a:t>
+            </a:r>
+            <a:endParaRPr lang="ru-RU" sz="1200" b="0" strike="noStrike" spc="-1">
+              <a:latin typeface="Arial"/>
+            </a:endParaRPr>
+          </a:p>
+        </p:txBody>
+      </p:sp>
+      <p:sp>
+        <p:nvSpPr>
+          <p:cNvPr id="10" name="CustomShape 1"/>
+          <p:cNvSpPr/>
+          <p:nvPr/>
+        </p:nvSpPr>
+        <p:spPr>
+          <a:xfrm>
+            <a:off x="970380" y="1814355"/>
+            <a:ext cx="7233120" cy="425880"/>
+          </a:xfrm>
+          <a:prstGeom prst="rect">
+            <a:avLst/>
+          </a:prstGeom>
+          <a:noFill/>
+          <a:ln>
+            <a:noFill/>
+          </a:ln>
+        </p:spPr>
+        <p:style>
+          <a:lnRef idx="0">
+            <a:scrgbClr r="0" g="0" b="0"/>
+          </a:lnRef>
+          <a:fillRef idx="0">
+            <a:scrgbClr r="0" g="0" b="0"/>
+          </a:fillRef>
+          <a:effectRef idx="0">
+            <a:scrgbClr r="0" g="0" b="0"/>
+          </a:effectRef>
+          <a:fontRef idx="minor"/>
+        </p:style>
+        <p:txBody>
+          <a:bodyPr lIns="90000" tIns="45000" rIns="90000" bIns="45000"/>
+          <a:lstStyle/>
+          <a:p>
+            <a:pPr algn="ctr">
+              <a:lnSpc>
+                <a:spcPct val="100000"/>
+              </a:lnSpc>
+            </a:pPr>
+            <a:r>
+              <a:rPr lang="ru-RU" sz="4000" spc="-1" dirty="0" smtClean="0">
+                <a:latin typeface="Arial"/>
+              </a:rPr>
+              <a:t>Практическая часть</a:t>
+            </a:r>
+            <a:endParaRPr lang="ru-RU" sz="4000" b="0" strike="noStrike" spc="-1" dirty="0">
+              <a:latin typeface="Arial"/>
+            </a:endParaRPr>
+          </a:p>
+        </p:txBody>
+      </p:sp>
+      <p:sp>
+        <p:nvSpPr>
+          <p:cNvPr id="8" name="CustomShape 1"/>
+          <p:cNvSpPr/>
+          <p:nvPr/>
+        </p:nvSpPr>
+        <p:spPr>
+          <a:xfrm>
+            <a:off x="1104480" y="3708360"/>
+            <a:ext cx="7233120" cy="861120"/>
+          </a:xfrm>
+          <a:prstGeom prst="rect">
+            <a:avLst/>
+          </a:prstGeom>
+          <a:noFill/>
+          <a:ln>
+            <a:noFill/>
+          </a:ln>
+        </p:spPr>
+        <p:style>
+          <a:lnRef idx="0">
+            <a:scrgbClr r="0" g="0" b="0"/>
+          </a:lnRef>
+          <a:fillRef idx="0">
+            <a:scrgbClr r="0" g="0" b="0"/>
+          </a:fillRef>
+          <a:effectRef idx="0">
+            <a:scrgbClr r="0" g="0" b="0"/>
+          </a:effectRef>
+          <a:fontRef idx="minor"/>
+        </p:style>
+        <p:txBody>
+          <a:bodyPr lIns="90000" tIns="45000" rIns="90000" bIns="45000"/>
+          <a:lstStyle/>
+          <a:p>
+            <a:pPr algn="ctr">
+              <a:lnSpc>
+                <a:spcPct val="100000"/>
+              </a:lnSpc>
+            </a:pPr>
+            <a:r>
+              <a:rPr lang="ru-RU" sz="2400" spc="-1" dirty="0" smtClean="0">
+                <a:latin typeface="Calibri" panose="020F0502020204030204" pitchFamily="34" charset="0"/>
+                <a:cs typeface="Calibri" panose="020F0502020204030204" pitchFamily="34" charset="0"/>
+              </a:rPr>
+              <a:t>Логические операторы.</a:t>
+            </a:r>
+          </a:p>
+          <a:p>
+            <a:pPr algn="ctr">
+              <a:lnSpc>
+                <a:spcPct val="100000"/>
+              </a:lnSpc>
+            </a:pPr>
+            <a:r>
+              <a:rPr lang="ru-RU" sz="2400" b="0" strike="noStrike" spc="-1" dirty="0" smtClean="0">
+                <a:latin typeface="Calibri" panose="020F0502020204030204" pitchFamily="34" charset="0"/>
+                <a:cs typeface="Calibri" panose="020F0502020204030204" pitchFamily="34" charset="0"/>
+              </a:rPr>
+              <a:t>Цикл</a:t>
+            </a:r>
+            <a:r>
+              <a:rPr lang="en-US" sz="2400" b="0" strike="noStrike" spc="-1" dirty="0" smtClean="0">
+                <a:latin typeface="Calibri" panose="020F0502020204030204" pitchFamily="34" charset="0"/>
+                <a:cs typeface="Calibri" panose="020F0502020204030204" pitchFamily="34" charset="0"/>
+              </a:rPr>
+              <a:t> while.</a:t>
+            </a:r>
+            <a:endParaRPr lang="ru-RU" sz="2400" b="0" strike="noStrike" spc="-1" dirty="0">
+              <a:latin typeface="Calibri" panose="020F0502020204030204" pitchFamily="34" charset="0"/>
+              <a:cs typeface="Calibri" panose="020F0502020204030204" pitchFamily="34" charset="0"/>
+            </a:endParaRPr>
           </a:p>
         </p:txBody>
       </p:sp>
     </p:spTree>
     <p:extLst>
       <p:ext uri="{BB962C8B-B14F-4D97-AF65-F5344CB8AC3E}">
-        <p14:creationId xmlns:p14="http://schemas.microsoft.com/office/powerpoint/2010/main" val="2311149284"/>
+        <p14:creationId xmlns:p14="http://schemas.microsoft.com/office/powerpoint/2010/main" val="3291156410"/>
       </p:ext>
     </p:extLst>
   </p:cSld>
@@ -8663,14 +9276,6 @@
 <file path=ppt/slides/slide16.xml><?xml version="1.0" encoding="utf-8"?>
 <p:sld xmlns:a="http://schemas.openxmlformats.org/drawingml/2006/main" xmlns:r="http://schemas.openxmlformats.org/officeDocument/2006/relationships" xmlns:p="http://schemas.openxmlformats.org/presentationml/2006/main">
   <p:cSld>
-    <p:bg>
-      <p:bgPr>
-        <a:solidFill>
-          <a:srgbClr val="FFFFFF"/>
-        </a:solidFill>
-        <a:effectLst/>
-      </p:bgPr>
-    </p:bg>
     <p:spTree>
       <p:nvGrpSpPr>
         <p:cNvPr id="1" name=""/>
@@ -8979,8 +9584,8 @@
         </p:nvSpPr>
         <p:spPr>
           <a:xfrm>
-            <a:off x="736920" y="1984319"/>
-            <a:ext cx="7618260" cy="2926971"/>
+            <a:off x="1112193" y="1937511"/>
+            <a:ext cx="6497854" cy="3910377"/>
           </a:xfrm>
           <a:prstGeom prst="rect">
             <a:avLst/>
@@ -9018,104 +9623,14 @@
                 <a:latin typeface="Calibri" panose="020F0502020204030204" pitchFamily="34" charset="0"/>
                 <a:cs typeface="Calibri" panose="020F0502020204030204" pitchFamily="34" charset="0"/>
               </a:rPr>
-              <a:t> </a:t>
-            </a:r>
-            <a:r>
-              <a:rPr lang="ru-RU" b="1" dirty="0" smtClean="0">
-                <a:latin typeface="Calibri" panose="020F0502020204030204" pitchFamily="34" charset="0"/>
-                <a:cs typeface="Calibri" panose="020F0502020204030204" pitchFamily="34" charset="0"/>
-              </a:rPr>
-              <a:t>3</a:t>
-            </a:r>
-            <a:endParaRPr lang="en-US" b="1" dirty="0" smtClean="0">
-              <a:latin typeface="Calibri" panose="020F0502020204030204" pitchFamily="34" charset="0"/>
-              <a:cs typeface="Calibri" panose="020F0502020204030204" pitchFamily="34" charset="0"/>
-            </a:endParaRPr>
-          </a:p>
-          <a:p>
+              <a:t> 1</a:t>
+            </a:r>
             <a:endParaRPr lang="ru-RU" b="1" dirty="0" smtClean="0">
               <a:latin typeface="Calibri" panose="020F0502020204030204" pitchFamily="34" charset="0"/>
               <a:cs typeface="Calibri" panose="020F0502020204030204" pitchFamily="34" charset="0"/>
             </a:endParaRPr>
           </a:p>
           <a:p>
-            <a:r>
-              <a:rPr lang="ru-RU" dirty="0" smtClean="0">
-                <a:latin typeface="Calibri" panose="020F0502020204030204" pitchFamily="34" charset="0"/>
-                <a:cs typeface="Calibri" panose="020F0502020204030204" pitchFamily="34" charset="0"/>
-              </a:rPr>
-              <a:t>Написать </a:t>
-            </a:r>
-            <a:r>
-              <a:rPr lang="ru-RU" dirty="0">
-                <a:latin typeface="Calibri" panose="020F0502020204030204" pitchFamily="34" charset="0"/>
-                <a:cs typeface="Calibri" panose="020F0502020204030204" pitchFamily="34" charset="0"/>
-              </a:rPr>
-              <a:t>программу, которая считывает три целых числа из стандартного </a:t>
-            </a:r>
-            <a:r>
-              <a:rPr lang="ru-RU" dirty="0" smtClean="0">
-                <a:latin typeface="Calibri" panose="020F0502020204030204" pitchFamily="34" charset="0"/>
-                <a:cs typeface="Calibri" panose="020F0502020204030204" pitchFamily="34" charset="0"/>
-              </a:rPr>
-              <a:t>ввода</a:t>
-            </a:r>
-            <a:r>
-              <a:rPr lang="en-US" dirty="0" smtClean="0">
-                <a:latin typeface="Calibri" panose="020F0502020204030204" pitchFamily="34" charset="0"/>
-                <a:cs typeface="Calibri" panose="020F0502020204030204" pitchFamily="34" charset="0"/>
-              </a:rPr>
-              <a:t>.</a:t>
-            </a:r>
-            <a:r>
-              <a:rPr lang="en-US" dirty="0">
-                <a:latin typeface="Calibri" panose="020F0502020204030204" pitchFamily="34" charset="0"/>
-                <a:cs typeface="Calibri" panose="020F0502020204030204" pitchFamily="34" charset="0"/>
-              </a:rPr>
-              <a:t> </a:t>
-            </a:r>
-            <a:r>
-              <a:rPr lang="ru-RU" dirty="0" smtClean="0">
-                <a:latin typeface="Calibri" panose="020F0502020204030204" pitchFamily="34" charset="0"/>
-                <a:cs typeface="Calibri" panose="020F0502020204030204" pitchFamily="34" charset="0"/>
-              </a:rPr>
-              <a:t>Отправить </a:t>
-            </a:r>
-            <a:r>
-              <a:rPr lang="ru-RU" dirty="0">
-                <a:latin typeface="Calibri" panose="020F0502020204030204" pitchFamily="34" charset="0"/>
-                <a:cs typeface="Calibri" panose="020F0502020204030204" pitchFamily="34" charset="0"/>
-              </a:rPr>
-              <a:t>в стандартный вывод их сумму, произведение и среднее </a:t>
-            </a:r>
-            <a:r>
-              <a:rPr lang="ru-RU" dirty="0" smtClean="0">
-                <a:latin typeface="Calibri" panose="020F0502020204030204" pitchFamily="34" charset="0"/>
-                <a:cs typeface="Calibri" panose="020F0502020204030204" pitchFamily="34" charset="0"/>
-              </a:rPr>
-              <a:t>арифметическое</a:t>
-            </a:r>
-            <a:r>
-              <a:rPr lang="en-US" dirty="0" smtClean="0">
-                <a:latin typeface="Calibri" panose="020F0502020204030204" pitchFamily="34" charset="0"/>
-                <a:cs typeface="Calibri" panose="020F0502020204030204" pitchFamily="34" charset="0"/>
-              </a:rPr>
-              <a:t>. </a:t>
-            </a:r>
-            <a:r>
-              <a:rPr lang="ru-RU" dirty="0" smtClean="0">
-                <a:latin typeface="Calibri" panose="020F0502020204030204" pitchFamily="34" charset="0"/>
-                <a:cs typeface="Calibri" panose="020F0502020204030204" pitchFamily="34" charset="0"/>
-              </a:rPr>
-              <a:t>Сделать </a:t>
-            </a:r>
-            <a:r>
-              <a:rPr lang="ru-RU" dirty="0">
-                <a:latin typeface="Calibri" panose="020F0502020204030204" pitchFamily="34" charset="0"/>
-                <a:cs typeface="Calibri" panose="020F0502020204030204" pitchFamily="34" charset="0"/>
-              </a:rPr>
-              <a:t>поясняющие выражения в ходе работы программы. 	</a:t>
-            </a:r>
             <a:endParaRPr lang="ru-RU" dirty="0" smtClean="0">
               <a:latin typeface="Calibri" panose="020F0502020204030204" pitchFamily="34" charset="0"/>
               <a:cs typeface="Calibri" panose="020F0502020204030204" pitchFamily="34" charset="0"/>
@@ -9127,36 +9642,56 @@
                 <a:latin typeface="Calibri" panose="020F0502020204030204" pitchFamily="34" charset="0"/>
                 <a:cs typeface="Calibri" panose="020F0502020204030204" pitchFamily="34" charset="0"/>
               </a:rPr>
-              <a:t>*</a:t>
-            </a:r>
-          </a:p>
-          <a:p>
-            <a:r>
-              <a:rPr lang="ru-RU" dirty="0" smtClean="0">
-                <a:latin typeface="Calibri" panose="020F0502020204030204" pitchFamily="34" charset="0"/>
-                <a:cs typeface="Calibri" panose="020F0502020204030204" pitchFamily="34" charset="0"/>
-              </a:rPr>
-              <a:t>Сделать так, чтобы программа работала НЕ один раз, то есть после вывода результата, снова начинала с начала алгоритма (ввод трёх чисел). По нажатию на «0» завершение программы.</a:t>
-            </a:r>
-          </a:p>
-          <a:p>
-            <a:endParaRPr lang="ru-RU" dirty="0" smtClean="0">
+              <a:t>Напишите программу, которая выводит на экран чётный числа (начиная с 0) до 10 (включительно).</a:t>
+            </a:r>
+          </a:p>
+          <a:p>
+            <a:endParaRPr lang="ru-RU" dirty="0">
               <a:latin typeface="Calibri" panose="020F0502020204030204" pitchFamily="34" charset="0"/>
               <a:cs typeface="Calibri" panose="020F0502020204030204" pitchFamily="34" charset="0"/>
             </a:endParaRPr>
           </a:p>
-        </p:txBody>
-      </p:sp>
-      <p:sp>
-        <p:nvSpPr>
-          <p:cNvPr id="20" name="CustomShape 1"/>
+          <a:p>
+            <a:r>
+              <a:rPr lang="ru-RU" dirty="0" smtClean="0">
+                <a:latin typeface="Calibri" panose="020F0502020204030204" pitchFamily="34" charset="0"/>
+                <a:cs typeface="Calibri" panose="020F0502020204030204" pitchFamily="34" charset="0"/>
+              </a:rPr>
+              <a:t>*</a:t>
+            </a:r>
+          </a:p>
+          <a:p>
+            <a:r>
+              <a:rPr lang="ru-RU" dirty="0" smtClean="0">
+                <a:latin typeface="Calibri" panose="020F0502020204030204" pitchFamily="34" charset="0"/>
+                <a:cs typeface="Calibri" panose="020F0502020204030204" pitchFamily="34" charset="0"/>
+              </a:rPr>
+              <a:t>Начиная с </a:t>
+            </a:r>
+            <a:r>
+              <a:rPr lang="ru-RU" dirty="0" smtClean="0">
+                <a:latin typeface="Calibri" panose="020F0502020204030204" pitchFamily="34" charset="0"/>
+                <a:cs typeface="Calibri" panose="020F0502020204030204" pitchFamily="34" charset="0"/>
+              </a:rPr>
+              <a:t>2</a:t>
+            </a:r>
+            <a:endParaRPr lang="en-US" dirty="0" smtClean="0">
+              <a:latin typeface="Calibri" panose="020F0502020204030204" pitchFamily="34" charset="0"/>
+              <a:cs typeface="Calibri" panose="020F0502020204030204" pitchFamily="34" charset="0"/>
+            </a:endParaRPr>
+          </a:p>
+        </p:txBody>
+      </p:sp>
+      <p:sp>
+        <p:nvSpPr>
+          <p:cNvPr id="22" name="CustomShape 1"/>
           <p:cNvSpPr/>
           <p:nvPr/>
         </p:nvSpPr>
         <p:spPr>
           <a:xfrm>
-            <a:off x="8491080" y="424620"/>
-            <a:ext cx="389040" cy="273240"/>
+            <a:off x="8506080" y="419040"/>
+            <a:ext cx="374400" cy="273240"/>
           </a:xfrm>
           <a:prstGeom prst="rect">
             <a:avLst/>
@@ -9192,7 +9727,14 @@
                 <a:latin typeface="Calibri" panose="020F0502020204030204" pitchFamily="34" charset="0"/>
                 <a:cs typeface="Calibri" panose="020F0502020204030204" pitchFamily="34" charset="0"/>
               </a:rPr>
-              <a:t>18</a:t>
+              <a:t>1</a:t>
+            </a:r>
+            <a:r>
+              <a:rPr lang="en-US" sz="1200" spc="-1" dirty="0" smtClean="0">
+                <a:latin typeface="Calibri" panose="020F0502020204030204" pitchFamily="34" charset="0"/>
+                <a:cs typeface="Calibri" panose="020F0502020204030204" pitchFamily="34" charset="0"/>
+              </a:rPr>
+              <a:t>6</a:t>
             </a:r>
             <a:endParaRPr lang="ru-RU" sz="1200" b="0" strike="noStrike" spc="-1" dirty="0">
               <a:latin typeface="Calibri" panose="020F0502020204030204" pitchFamily="34" charset="0"/>
@@ -9203,89 +9745,7 @@
       </p:sp>
       <p:sp>
         <p:nvSpPr>
-          <p:cNvPr id="16" name="CustomShape 3"/>
-          <p:cNvSpPr/>
-          <p:nvPr/>
-        </p:nvSpPr>
-        <p:spPr>
-          <a:xfrm>
-            <a:off x="4411800" y="379080"/>
-            <a:ext cx="3818160" cy="364320"/>
-          </a:xfrm>
-          <a:prstGeom prst="rect">
-            <a:avLst/>
-          </a:prstGeom>
-          <a:noFill/>
-          <a:ln>
-            <a:noFill/>
-          </a:ln>
-        </p:spPr>
-        <p:style>
-          <a:lnRef idx="0">
-            <a:scrgbClr r="0" g="0" b="0"/>
-          </a:lnRef>
-          <a:fillRef idx="0">
-            <a:scrgbClr r="0" g="0" b="0"/>
-          </a:fillRef>
-          <a:effectRef idx="0">
-            <a:scrgbClr r="0" g="0" b="0"/>
-          </a:effectRef>
-          <a:fontRef idx="minor"/>
-        </p:style>
-        <p:txBody>
-          <a:bodyPr lIns="90000" tIns="45000" rIns="90000" bIns="45000"/>
-          <a:lstStyle/>
-          <a:p>
-            <a:pPr algn="r">
-              <a:lnSpc>
-                <a:spcPct val="100000"/>
-              </a:lnSpc>
-            </a:pPr>
-            <a:r>
-              <a:rPr lang="ru-RU" sz="900" b="1" spc="-1" dirty="0" smtClean="0">
-                <a:latin typeface="Calibri" panose="020F0502020204030204" pitchFamily="34" charset="0"/>
-                <a:cs typeface="Calibri" panose="020F0502020204030204" pitchFamily="34" charset="0"/>
-              </a:rPr>
-              <a:t>УСЛОВИЯ ВЕТВЛЕНИЯ.</a:t>
-            </a:r>
-          </a:p>
-          <a:p>
-            <a:pPr algn="r">
-              <a:lnSpc>
-                <a:spcPct val="100000"/>
-              </a:lnSpc>
-            </a:pPr>
-            <a:r>
-              <a:rPr lang="ru-RU" sz="900" b="1" spc="-1" dirty="0" smtClean="0">
-                <a:latin typeface="Calibri" panose="020F0502020204030204" pitchFamily="34" charset="0"/>
-                <a:cs typeface="Calibri" panose="020F0502020204030204" pitchFamily="34" charset="0"/>
-              </a:rPr>
-              <a:t>ЦИКЛ </a:t>
-            </a:r>
-            <a:r>
-              <a:rPr lang="en-US" sz="900" b="1" spc="-1" dirty="0" smtClean="0">
-                <a:latin typeface="Calibri" panose="020F0502020204030204" pitchFamily="34" charset="0"/>
-                <a:cs typeface="Calibri" panose="020F0502020204030204" pitchFamily="34" charset="0"/>
-              </a:rPr>
-              <a:t>WHILE.</a:t>
-            </a:r>
-            <a:r>
-              <a:rPr lang="ru-RU" sz="900" b="1" spc="-1" dirty="0" smtClean="0">
-                <a:latin typeface="Calibri" panose="020F0502020204030204" pitchFamily="34" charset="0"/>
-                <a:cs typeface="Calibri" panose="020F0502020204030204" pitchFamily="34" charset="0"/>
-              </a:rPr>
-              <a:t> </a:t>
-            </a:r>
-            <a:endParaRPr lang="ru-RU" sz="900" b="1" strike="noStrike" spc="-1" dirty="0">
-              <a:latin typeface="Calibri" panose="020F0502020204030204" pitchFamily="34" charset="0"/>
-              <a:cs typeface="Calibri" panose="020F0502020204030204" pitchFamily="34" charset="0"/>
-            </a:endParaRPr>
-          </a:p>
-        </p:txBody>
-      </p:sp>
-      <p:sp>
-        <p:nvSpPr>
-          <p:cNvPr id="21" name="CustomShape 2"/>
+          <p:cNvPr id="15" name="CustomShape 2"/>
           <p:cNvSpPr/>
           <p:nvPr/>
         </p:nvSpPr>
@@ -9331,7 +9791,7 @@
                 <a:latin typeface="Calibri"/>
                 <a:ea typeface="Calibri"/>
               </a:rPr>
-              <a:t>Тема: Условия ветвления. Цикл </a:t>
+              <a:t>Тема: Логические операторы. Цикл </a:t>
             </a:r>
             <a:r>
               <a:rPr lang="en-US" sz="2000" b="1" spc="-1" dirty="0">
@@ -9347,10 +9807,1324 @@
           </a:p>
         </p:txBody>
       </p:sp>
+      <p:sp>
+        <p:nvSpPr>
+          <p:cNvPr id="19" name="CustomShape 3"/>
+          <p:cNvSpPr/>
+          <p:nvPr/>
+        </p:nvSpPr>
+        <p:spPr>
+          <a:xfrm>
+            <a:off x="4411800" y="379080"/>
+            <a:ext cx="3818160" cy="364320"/>
+          </a:xfrm>
+          <a:prstGeom prst="rect">
+            <a:avLst/>
+          </a:prstGeom>
+          <a:noFill/>
+          <a:ln>
+            <a:noFill/>
+          </a:ln>
+        </p:spPr>
+        <p:style>
+          <a:lnRef idx="0">
+            <a:scrgbClr r="0" g="0" b="0"/>
+          </a:lnRef>
+          <a:fillRef idx="0">
+            <a:scrgbClr r="0" g="0" b="0"/>
+          </a:fillRef>
+          <a:effectRef idx="0">
+            <a:scrgbClr r="0" g="0" b="0"/>
+          </a:effectRef>
+          <a:fontRef idx="minor"/>
+        </p:style>
+        <p:txBody>
+          <a:bodyPr lIns="90000" tIns="45000" rIns="90000" bIns="45000"/>
+          <a:lstStyle/>
+          <a:p>
+            <a:pPr algn="r">
+              <a:lnSpc>
+                <a:spcPct val="100000"/>
+              </a:lnSpc>
+            </a:pPr>
+            <a:r>
+              <a:rPr lang="ru-RU" sz="900" b="1" spc="-1" dirty="0" smtClean="0">
+                <a:latin typeface="Calibri" panose="020F0502020204030204" pitchFamily="34" charset="0"/>
+                <a:cs typeface="Calibri" panose="020F0502020204030204" pitchFamily="34" charset="0"/>
+              </a:rPr>
+              <a:t>ЛОГИЧЕСКИЕ ОПЕРАТОРЫ.</a:t>
+            </a:r>
+          </a:p>
+          <a:p>
+            <a:pPr algn="r">
+              <a:lnSpc>
+                <a:spcPct val="100000"/>
+              </a:lnSpc>
+            </a:pPr>
+            <a:r>
+              <a:rPr lang="ru-RU" sz="900" b="1" strike="noStrike" spc="-1" dirty="0" smtClean="0">
+                <a:latin typeface="Calibri" panose="020F0502020204030204" pitchFamily="34" charset="0"/>
+                <a:cs typeface="Calibri" panose="020F0502020204030204" pitchFamily="34" charset="0"/>
+              </a:rPr>
+              <a:t>ЦИКЛ </a:t>
+            </a:r>
+            <a:r>
+              <a:rPr lang="en-US" sz="900" b="1" strike="noStrike" spc="-1" dirty="0" smtClean="0">
+                <a:latin typeface="Calibri" panose="020F0502020204030204" pitchFamily="34" charset="0"/>
+                <a:cs typeface="Calibri" panose="020F0502020204030204" pitchFamily="34" charset="0"/>
+              </a:rPr>
+              <a:t>WHILE.</a:t>
+            </a:r>
+            <a:endParaRPr lang="ru-RU" sz="900" b="1" strike="noStrike" spc="-1" dirty="0">
+              <a:latin typeface="Calibri" panose="020F0502020204030204" pitchFamily="34" charset="0"/>
+              <a:cs typeface="Calibri" panose="020F0502020204030204" pitchFamily="34" charset="0"/>
+            </a:endParaRPr>
+          </a:p>
+        </p:txBody>
+      </p:sp>
     </p:spTree>
     <p:extLst>
       <p:ext uri="{BB962C8B-B14F-4D97-AF65-F5344CB8AC3E}">
-        <p14:creationId xmlns:p14="http://schemas.microsoft.com/office/powerpoint/2010/main" val="3905122894"/>
+        <p14:creationId xmlns:p14="http://schemas.microsoft.com/office/powerpoint/2010/main" val="1891751603"/>
+      </p:ext>
+    </p:extLst>
+  </p:cSld>
+  <p:clrMapOvr>
+    <a:masterClrMapping/>
+  </p:clrMapOvr>
+  <p:timing>
+    <p:tnLst>
+      <p:par>
+        <p:cTn id="1" dur="indefinite" restart="never" nodeType="tmRoot">
+          <p:childTnLst>
+            <p:seq>
+              <p:cTn id="2" dur="indefinite" nodeType="mainSeq"/>
+              <p:prevCondLst>
+                <p:cond evt="onPrev" delay="0">
+                  <p:tgtEl>
+                    <p:sldTgt/>
+                  </p:tgtEl>
+                </p:cond>
+              </p:prevCondLst>
+              <p:nextCondLst>
+                <p:cond evt="onNext" delay="0">
+                  <p:tgtEl>
+                    <p:sldTgt/>
+                  </p:tgtEl>
+                </p:cond>
+              </p:nextCondLst>
+            </p:seq>
+          </p:childTnLst>
+        </p:cTn>
+      </p:par>
+    </p:tnLst>
+  </p:timing>
+</p:sld>
+</file>
+
+<file path=ppt/slides/slide17.xml><?xml version="1.0" encoding="utf-8"?>
+<p:sld xmlns:a="http://schemas.openxmlformats.org/drawingml/2006/main" xmlns:r="http://schemas.openxmlformats.org/officeDocument/2006/relationships" xmlns:p="http://schemas.openxmlformats.org/presentationml/2006/main">
+  <p:cSld>
+    <p:spTree>
+      <p:nvGrpSpPr>
+        <p:cNvPr id="1" name=""/>
+        <p:cNvGrpSpPr/>
+        <p:nvPr/>
+      </p:nvGrpSpPr>
+      <p:grpSpPr>
+        <a:xfrm>
+          <a:off x="0" y="0"/>
+          <a:ext cx="0" cy="0"/>
+          <a:chOff x="0" y="0"/>
+          <a:chExt cx="0" cy="0"/>
+        </a:xfrm>
+      </p:grpSpPr>
+      <p:pic>
+        <p:nvPicPr>
+          <p:cNvPr id="107" name="Google Shape;128;p4"/>
+          <p:cNvPicPr/>
+          <p:nvPr/>
+        </p:nvPicPr>
+        <p:blipFill>
+          <a:blip r:embed="rId3"/>
+          <a:stretch/>
+        </p:blipFill>
+        <p:spPr>
+          <a:xfrm>
+            <a:off x="736920" y="422280"/>
+            <a:ext cx="1690200" cy="296640"/>
+          </a:xfrm>
+          <a:prstGeom prst="rect">
+            <a:avLst/>
+          </a:prstGeom>
+          <a:ln>
+            <a:noFill/>
+          </a:ln>
+        </p:spPr>
+      </p:pic>
+      <p:sp>
+        <p:nvSpPr>
+          <p:cNvPr id="110" name="CustomShape 3"/>
+          <p:cNvSpPr/>
+          <p:nvPr/>
+        </p:nvSpPr>
+        <p:spPr>
+          <a:xfrm>
+            <a:off x="739080" y="1900440"/>
+            <a:ext cx="5170680" cy="1794960"/>
+          </a:xfrm>
+          <a:prstGeom prst="rect">
+            <a:avLst/>
+          </a:prstGeom>
+          <a:noFill/>
+          <a:ln>
+            <a:noFill/>
+          </a:ln>
+        </p:spPr>
+        <p:style>
+          <a:lnRef idx="0">
+            <a:scrgbClr r="0" g="0" b="0"/>
+          </a:lnRef>
+          <a:fillRef idx="0">
+            <a:scrgbClr r="0" g="0" b="0"/>
+          </a:fillRef>
+          <a:effectRef idx="0">
+            <a:scrgbClr r="0" g="0" b="0"/>
+          </a:effectRef>
+          <a:fontRef idx="minor"/>
+        </p:style>
+        <p:txBody>
+          <a:bodyPr lIns="90000" tIns="45000" rIns="90000" bIns="45000"/>
+          <a:lstStyle/>
+          <a:p>
+            <a:pPr>
+              <a:lnSpc>
+                <a:spcPct val="100000"/>
+              </a:lnSpc>
+            </a:pPr>
+            <a:endParaRPr lang="ru-RU" sz="1600" b="0" strike="noStrike" spc="-1" dirty="0">
+              <a:latin typeface="Arial"/>
+            </a:endParaRPr>
+          </a:p>
+        </p:txBody>
+      </p:sp>
+      <p:pic>
+        <p:nvPicPr>
+          <p:cNvPr id="111" name="Google Shape;132;p4"/>
+          <p:cNvPicPr/>
+          <p:nvPr/>
+        </p:nvPicPr>
+        <p:blipFill>
+          <a:blip r:embed="rId4"/>
+          <a:stretch/>
+        </p:blipFill>
+        <p:spPr>
+          <a:xfrm>
+            <a:off x="8839440" y="447120"/>
+            <a:ext cx="309240" cy="257760"/>
+          </a:xfrm>
+          <a:prstGeom prst="rect">
+            <a:avLst/>
+          </a:prstGeom>
+          <a:ln>
+            <a:noFill/>
+          </a:ln>
+        </p:spPr>
+      </p:pic>
+      <p:pic>
+        <p:nvPicPr>
+          <p:cNvPr id="112" name="Google Shape;133;p4"/>
+          <p:cNvPicPr/>
+          <p:nvPr/>
+        </p:nvPicPr>
+        <p:blipFill>
+          <a:blip r:embed="rId5"/>
+          <a:stretch/>
+        </p:blipFill>
+        <p:spPr>
+          <a:xfrm>
+            <a:off x="3600" y="998640"/>
+            <a:ext cx="640080" cy="699120"/>
+          </a:xfrm>
+          <a:prstGeom prst="rect">
+            <a:avLst/>
+          </a:prstGeom>
+          <a:ln>
+            <a:noFill/>
+          </a:ln>
+        </p:spPr>
+      </p:pic>
+      <p:pic>
+        <p:nvPicPr>
+          <p:cNvPr id="113" name="Google Shape;134;p4"/>
+          <p:cNvPicPr/>
+          <p:nvPr/>
+        </p:nvPicPr>
+        <p:blipFill>
+          <a:blip r:embed="rId4"/>
+          <a:stretch/>
+        </p:blipFill>
+        <p:spPr>
+          <a:xfrm>
+            <a:off x="8198640" y="437400"/>
+            <a:ext cx="309240" cy="257760"/>
+          </a:xfrm>
+          <a:prstGeom prst="rect">
+            <a:avLst/>
+          </a:prstGeom>
+          <a:ln>
+            <a:noFill/>
+          </a:ln>
+        </p:spPr>
+      </p:pic>
+      <p:sp>
+        <p:nvSpPr>
+          <p:cNvPr id="118" name="CustomShape 7"/>
+          <p:cNvSpPr/>
+          <p:nvPr/>
+        </p:nvSpPr>
+        <p:spPr>
+          <a:xfrm>
+            <a:off x="7701840" y="6388200"/>
+            <a:ext cx="900360" cy="243360"/>
+          </a:xfrm>
+          <a:prstGeom prst="rect">
+            <a:avLst/>
+          </a:prstGeom>
+          <a:noFill/>
+          <a:ln>
+            <a:noFill/>
+          </a:ln>
+        </p:spPr>
+        <p:style>
+          <a:lnRef idx="0">
+            <a:scrgbClr r="0" g="0" b="0"/>
+          </a:lnRef>
+          <a:fillRef idx="0">
+            <a:scrgbClr r="0" g="0" b="0"/>
+          </a:fillRef>
+          <a:effectRef idx="0">
+            <a:scrgbClr r="0" g="0" b="0"/>
+          </a:effectRef>
+          <a:fontRef idx="minor"/>
+        </p:style>
+        <p:txBody>
+          <a:bodyPr lIns="90000" tIns="45000" rIns="90000" bIns="45000" anchor="ctr"/>
+          <a:lstStyle/>
+          <a:p>
+            <a:pPr algn="r">
+              <a:lnSpc>
+                <a:spcPct val="100000"/>
+              </a:lnSpc>
+            </a:pPr>
+            <a:r>
+              <a:rPr lang="ru-RU" sz="1000" b="1" strike="noStrike" spc="-1">
+                <a:solidFill>
+                  <a:srgbClr val="000000"/>
+                </a:solidFill>
+                <a:latin typeface="Calibri"/>
+                <a:ea typeface="Calibri"/>
+              </a:rPr>
+              <a:t> inginirium.ru</a:t>
+            </a:r>
+            <a:endParaRPr lang="ru-RU" sz="1000" b="0" strike="noStrike" spc="-1">
+              <a:latin typeface="Arial"/>
+            </a:endParaRPr>
+          </a:p>
+        </p:txBody>
+      </p:sp>
+      <p:pic>
+        <p:nvPicPr>
+          <p:cNvPr id="119" name="Google Shape;140;p4"/>
+          <p:cNvPicPr/>
+          <p:nvPr/>
+        </p:nvPicPr>
+        <p:blipFill>
+          <a:blip r:embed="rId6"/>
+          <a:stretch/>
+        </p:blipFill>
+        <p:spPr>
+          <a:xfrm>
+            <a:off x="7833600" y="6606360"/>
+            <a:ext cx="672480" cy="23400"/>
+          </a:xfrm>
+          <a:prstGeom prst="rect">
+            <a:avLst/>
+          </a:prstGeom>
+          <a:ln>
+            <a:noFill/>
+          </a:ln>
+        </p:spPr>
+      </p:pic>
+      <p:pic>
+        <p:nvPicPr>
+          <p:cNvPr id="120" name="Google Shape;141;p4"/>
+          <p:cNvPicPr/>
+          <p:nvPr/>
+        </p:nvPicPr>
+        <p:blipFill>
+          <a:blip r:embed="rId7"/>
+          <a:stretch/>
+        </p:blipFill>
+        <p:spPr>
+          <a:xfrm>
+            <a:off x="8653320" y="6401880"/>
+            <a:ext cx="227160" cy="215280"/>
+          </a:xfrm>
+          <a:prstGeom prst="rect">
+            <a:avLst/>
+          </a:prstGeom>
+          <a:ln>
+            <a:noFill/>
+          </a:ln>
+        </p:spPr>
+      </p:pic>
+      <p:sp>
+        <p:nvSpPr>
+          <p:cNvPr id="18" name="CustomShape 3"/>
+          <p:cNvSpPr/>
+          <p:nvPr/>
+        </p:nvSpPr>
+        <p:spPr>
+          <a:xfrm>
+            <a:off x="891480" y="1913751"/>
+            <a:ext cx="7665360" cy="2132649"/>
+          </a:xfrm>
+          <a:prstGeom prst="rect">
+            <a:avLst/>
+          </a:prstGeom>
+          <a:noFill/>
+          <a:ln>
+            <a:noFill/>
+          </a:ln>
+        </p:spPr>
+        <p:style>
+          <a:lnRef idx="0">
+            <a:scrgbClr r="0" g="0" b="0"/>
+          </a:lnRef>
+          <a:fillRef idx="0">
+            <a:scrgbClr r="0" g="0" b="0"/>
+          </a:fillRef>
+          <a:effectRef idx="0">
+            <a:scrgbClr r="0" g="0" b="0"/>
+          </a:effectRef>
+          <a:fontRef idx="minor"/>
+        </p:style>
+        <p:txBody>
+          <a:bodyPr lIns="90000" tIns="45000" rIns="90000" bIns="45000"/>
+          <a:lstStyle/>
+          <a:p>
+            <a:pPr>
+              <a:lnSpc>
+                <a:spcPct val="100000"/>
+              </a:lnSpc>
+            </a:pPr>
+            <a:endParaRPr lang="ru-RU" sz="1600" b="0" strike="noStrike" spc="-1" dirty="0">
+              <a:latin typeface="Arial"/>
+            </a:endParaRPr>
+          </a:p>
+        </p:txBody>
+      </p:sp>
+      <p:sp>
+        <p:nvSpPr>
+          <p:cNvPr id="17" name="CustomShape 3"/>
+          <p:cNvSpPr/>
+          <p:nvPr/>
+        </p:nvSpPr>
+        <p:spPr>
+          <a:xfrm>
+            <a:off x="1035060" y="2477824"/>
+            <a:ext cx="7618260" cy="1435736"/>
+          </a:xfrm>
+          <a:prstGeom prst="rect">
+            <a:avLst/>
+          </a:prstGeom>
+          <a:noFill/>
+          <a:ln>
+            <a:noFill/>
+          </a:ln>
+        </p:spPr>
+        <p:style>
+          <a:lnRef idx="0">
+            <a:scrgbClr r="0" g="0" b="0"/>
+          </a:lnRef>
+          <a:fillRef idx="0">
+            <a:scrgbClr r="0" g="0" b="0"/>
+          </a:fillRef>
+          <a:effectRef idx="0">
+            <a:scrgbClr r="0" g="0" b="0"/>
+          </a:effectRef>
+          <a:fontRef idx="minor"/>
+        </p:style>
+        <p:txBody>
+          <a:bodyPr lIns="90000" tIns="45000" rIns="90000" bIns="45000"/>
+          <a:lstStyle/>
+          <a:p>
+            <a:r>
+              <a:rPr lang="ru-RU" b="1" dirty="0" smtClean="0">
+                <a:latin typeface="Calibri" panose="020F0502020204030204" pitchFamily="34" charset="0"/>
+                <a:cs typeface="Calibri" panose="020F0502020204030204" pitchFamily="34" charset="0"/>
+              </a:rPr>
+              <a:t>Задание</a:t>
+            </a:r>
+            <a:r>
+              <a:rPr lang="en-US" b="1" dirty="0" smtClean="0">
+                <a:latin typeface="Calibri" panose="020F0502020204030204" pitchFamily="34" charset="0"/>
+                <a:cs typeface="Calibri" panose="020F0502020204030204" pitchFamily="34" charset="0"/>
+              </a:rPr>
+              <a:t> 2</a:t>
+            </a:r>
+            <a:endParaRPr lang="ru-RU" b="1" dirty="0" smtClean="0">
+              <a:latin typeface="Calibri" panose="020F0502020204030204" pitchFamily="34" charset="0"/>
+              <a:cs typeface="Calibri" panose="020F0502020204030204" pitchFamily="34" charset="0"/>
+            </a:endParaRPr>
+          </a:p>
+          <a:p>
+            <a:endParaRPr lang="ru-RU" dirty="0" smtClean="0">
+              <a:latin typeface="Calibri" panose="020F0502020204030204" pitchFamily="34" charset="0"/>
+              <a:cs typeface="Calibri" panose="020F0502020204030204" pitchFamily="34" charset="0"/>
+            </a:endParaRPr>
+          </a:p>
+          <a:p>
+            <a:r>
+              <a:rPr lang="ru-RU" dirty="0" smtClean="0">
+                <a:latin typeface="Calibri" panose="020F0502020204030204" pitchFamily="34" charset="0"/>
+                <a:cs typeface="Calibri" panose="020F0502020204030204" pitchFamily="34" charset="0"/>
+              </a:rPr>
+              <a:t>Сделайте бесконечный цикл и запустите </a:t>
+            </a:r>
+            <a:r>
+              <a:rPr lang="en-US" dirty="0" smtClean="0">
+                <a:latin typeface="Calibri" panose="020F0502020204030204" pitchFamily="34" charset="0"/>
+                <a:cs typeface="Calibri" panose="020F0502020204030204" pitchFamily="34" charset="0"/>
+              </a:rPr>
+              <a:t>*.exe</a:t>
+            </a:r>
+            <a:endParaRPr lang="ru-RU" dirty="0" smtClean="0">
+              <a:latin typeface="Calibri" panose="020F0502020204030204" pitchFamily="34" charset="0"/>
+              <a:cs typeface="Calibri" panose="020F0502020204030204" pitchFamily="34" charset="0"/>
+            </a:endParaRPr>
+          </a:p>
+        </p:txBody>
+      </p:sp>
+      <p:sp>
+        <p:nvSpPr>
+          <p:cNvPr id="20" name="CustomShape 1"/>
+          <p:cNvSpPr/>
+          <p:nvPr/>
+        </p:nvSpPr>
+        <p:spPr>
+          <a:xfrm>
+            <a:off x="8491080" y="424620"/>
+            <a:ext cx="389040" cy="273240"/>
+          </a:xfrm>
+          <a:prstGeom prst="rect">
+            <a:avLst/>
+          </a:prstGeom>
+          <a:noFill/>
+          <a:ln>
+            <a:noFill/>
+          </a:ln>
+        </p:spPr>
+        <p:style>
+          <a:lnRef idx="0">
+            <a:scrgbClr r="0" g="0" b="0"/>
+          </a:lnRef>
+          <a:fillRef idx="0">
+            <a:scrgbClr r="0" g="0" b="0"/>
+          </a:fillRef>
+          <a:effectRef idx="0">
+            <a:scrgbClr r="0" g="0" b="0"/>
+          </a:effectRef>
+          <a:fontRef idx="minor"/>
+        </p:style>
+        <p:txBody>
+          <a:bodyPr lIns="90000" tIns="45000" rIns="90000" bIns="45000"/>
+          <a:lstStyle/>
+          <a:p>
+            <a:pPr>
+              <a:lnSpc>
+                <a:spcPct val="100000"/>
+              </a:lnSpc>
+            </a:pPr>
+            <a:r>
+              <a:rPr lang="en-US" sz="1200" spc="-1" dirty="0" smtClean="0">
+                <a:latin typeface="Calibri" panose="020F0502020204030204" pitchFamily="34" charset="0"/>
+                <a:cs typeface="Calibri" panose="020F0502020204030204" pitchFamily="34" charset="0"/>
+              </a:rPr>
+              <a:t>17</a:t>
+            </a:r>
+            <a:endParaRPr lang="ru-RU" sz="1200" b="0" strike="noStrike" spc="-1" dirty="0">
+              <a:latin typeface="Calibri" panose="020F0502020204030204" pitchFamily="34" charset="0"/>
+              <a:cs typeface="Calibri" panose="020F0502020204030204" pitchFamily="34" charset="0"/>
+            </a:endParaRPr>
+          </a:p>
+        </p:txBody>
+      </p:sp>
+      <p:sp>
+        <p:nvSpPr>
+          <p:cNvPr id="15" name="CustomShape 2"/>
+          <p:cNvSpPr/>
+          <p:nvPr/>
+        </p:nvSpPr>
+        <p:spPr>
+          <a:xfrm>
+            <a:off x="690120" y="1153800"/>
+            <a:ext cx="7553160" cy="395640"/>
+          </a:xfrm>
+          <a:prstGeom prst="rect">
+            <a:avLst/>
+          </a:prstGeom>
+          <a:noFill/>
+          <a:ln>
+            <a:noFill/>
+          </a:ln>
+        </p:spPr>
+        <p:style>
+          <a:lnRef idx="0">
+            <a:scrgbClr r="0" g="0" b="0"/>
+          </a:lnRef>
+          <a:fillRef idx="0">
+            <a:scrgbClr r="0" g="0" b="0"/>
+          </a:fillRef>
+          <a:effectRef idx="0">
+            <a:scrgbClr r="0" g="0" b="0"/>
+          </a:effectRef>
+          <a:fontRef idx="minor"/>
+        </p:style>
+        <p:txBody>
+          <a:bodyPr lIns="90000" tIns="45000" rIns="90000" bIns="45000"/>
+          <a:lstStyle/>
+          <a:p>
+            <a:pPr>
+              <a:lnSpc>
+                <a:spcPct val="100000"/>
+              </a:lnSpc>
+            </a:pPr>
+            <a:r>
+              <a:rPr lang="ru-RU" sz="2000" b="1" spc="-1" dirty="0">
+                <a:solidFill>
+                  <a:srgbClr val="000000"/>
+                </a:solidFill>
+                <a:latin typeface="Calibri"/>
+                <a:ea typeface="Calibri"/>
+              </a:rPr>
+              <a:t>Тема: Логические операторы. Цикл </a:t>
+            </a:r>
+            <a:r>
+              <a:rPr lang="en-US" sz="2000" b="1" spc="-1" dirty="0">
+                <a:solidFill>
+                  <a:srgbClr val="000000"/>
+                </a:solidFill>
+                <a:latin typeface="Calibri"/>
+                <a:ea typeface="Calibri"/>
+              </a:rPr>
+              <a:t>while.</a:t>
+            </a:r>
+            <a:endParaRPr lang="ru-RU" sz="2000" spc="-1" dirty="0"/>
+          </a:p>
+        </p:txBody>
+      </p:sp>
+      <p:sp>
+        <p:nvSpPr>
+          <p:cNvPr id="19" name="CustomShape 3"/>
+          <p:cNvSpPr/>
+          <p:nvPr/>
+        </p:nvSpPr>
+        <p:spPr>
+          <a:xfrm>
+            <a:off x="4411800" y="379080"/>
+            <a:ext cx="3818160" cy="364320"/>
+          </a:xfrm>
+          <a:prstGeom prst="rect">
+            <a:avLst/>
+          </a:prstGeom>
+          <a:noFill/>
+          <a:ln>
+            <a:noFill/>
+          </a:ln>
+        </p:spPr>
+        <p:style>
+          <a:lnRef idx="0">
+            <a:scrgbClr r="0" g="0" b="0"/>
+          </a:lnRef>
+          <a:fillRef idx="0">
+            <a:scrgbClr r="0" g="0" b="0"/>
+          </a:fillRef>
+          <a:effectRef idx="0">
+            <a:scrgbClr r="0" g="0" b="0"/>
+          </a:effectRef>
+          <a:fontRef idx="minor"/>
+        </p:style>
+        <p:txBody>
+          <a:bodyPr lIns="90000" tIns="45000" rIns="90000" bIns="45000"/>
+          <a:lstStyle/>
+          <a:p>
+            <a:pPr algn="r">
+              <a:lnSpc>
+                <a:spcPct val="100000"/>
+              </a:lnSpc>
+            </a:pPr>
+            <a:r>
+              <a:rPr lang="ru-RU" sz="900" b="1" spc="-1" dirty="0" smtClean="0">
+                <a:latin typeface="Calibri" panose="020F0502020204030204" pitchFamily="34" charset="0"/>
+                <a:cs typeface="Calibri" panose="020F0502020204030204" pitchFamily="34" charset="0"/>
+              </a:rPr>
+              <a:t>ЛОГИЧЕСКИЕ ОПЕРАТОРЫ.</a:t>
+            </a:r>
+          </a:p>
+          <a:p>
+            <a:pPr algn="r">
+              <a:lnSpc>
+                <a:spcPct val="100000"/>
+              </a:lnSpc>
+            </a:pPr>
+            <a:r>
+              <a:rPr lang="ru-RU" sz="900" b="1" strike="noStrike" spc="-1" dirty="0" smtClean="0">
+                <a:latin typeface="Calibri" panose="020F0502020204030204" pitchFamily="34" charset="0"/>
+                <a:cs typeface="Calibri" panose="020F0502020204030204" pitchFamily="34" charset="0"/>
+              </a:rPr>
+              <a:t>ЦИКЛ </a:t>
+            </a:r>
+            <a:r>
+              <a:rPr lang="en-US" sz="900" b="1" strike="noStrike" spc="-1" dirty="0" smtClean="0">
+                <a:latin typeface="Calibri" panose="020F0502020204030204" pitchFamily="34" charset="0"/>
+                <a:cs typeface="Calibri" panose="020F0502020204030204" pitchFamily="34" charset="0"/>
+              </a:rPr>
+              <a:t>WHILE.</a:t>
+            </a:r>
+            <a:endParaRPr lang="ru-RU" sz="900" b="1" strike="noStrike" spc="-1" dirty="0">
+              <a:latin typeface="Calibri" panose="020F0502020204030204" pitchFamily="34" charset="0"/>
+              <a:cs typeface="Calibri" panose="020F0502020204030204" pitchFamily="34" charset="0"/>
+            </a:endParaRPr>
+          </a:p>
+        </p:txBody>
+      </p:sp>
+    </p:spTree>
+    <p:extLst>
+      <p:ext uri="{BB962C8B-B14F-4D97-AF65-F5344CB8AC3E}">
+        <p14:creationId xmlns:p14="http://schemas.microsoft.com/office/powerpoint/2010/main" val="4265749532"/>
+      </p:ext>
+    </p:extLst>
+  </p:cSld>
+  <p:clrMapOvr>
+    <a:masterClrMapping/>
+  </p:clrMapOvr>
+  <p:timing>
+    <p:tnLst>
+      <p:par>
+        <p:cTn id="1" dur="indefinite" restart="never" nodeType="tmRoot">
+          <p:childTnLst>
+            <p:seq>
+              <p:cTn id="2" dur="indefinite" nodeType="mainSeq"/>
+              <p:prevCondLst>
+                <p:cond evt="onPrev" delay="0">
+                  <p:tgtEl>
+                    <p:sldTgt/>
+                  </p:tgtEl>
+                </p:cond>
+              </p:prevCondLst>
+              <p:nextCondLst>
+                <p:cond evt="onNext" delay="0">
+                  <p:tgtEl>
+                    <p:sldTgt/>
+                  </p:tgtEl>
+                </p:cond>
+              </p:nextCondLst>
+            </p:seq>
+          </p:childTnLst>
+        </p:cTn>
+      </p:par>
+    </p:tnLst>
+  </p:timing>
+</p:sld>
+</file>
+
+<file path=ppt/slides/slide18.xml><?xml version="1.0" encoding="utf-8"?>
+<p:sld xmlns:a="http://schemas.openxmlformats.org/drawingml/2006/main" xmlns:r="http://schemas.openxmlformats.org/officeDocument/2006/relationships" xmlns:p="http://schemas.openxmlformats.org/presentationml/2006/main">
+  <p:cSld>
+    <p:spTree>
+      <p:nvGrpSpPr>
+        <p:cNvPr id="1" name=""/>
+        <p:cNvGrpSpPr/>
+        <p:nvPr/>
+      </p:nvGrpSpPr>
+      <p:grpSpPr>
+        <a:xfrm>
+          <a:off x="0" y="0"/>
+          <a:ext cx="0" cy="0"/>
+          <a:chOff x="0" y="0"/>
+          <a:chExt cx="0" cy="0"/>
+        </a:xfrm>
+      </p:grpSpPr>
+      <p:pic>
+        <p:nvPicPr>
+          <p:cNvPr id="107" name="Google Shape;128;p4"/>
+          <p:cNvPicPr/>
+          <p:nvPr/>
+        </p:nvPicPr>
+        <p:blipFill>
+          <a:blip r:embed="rId3"/>
+          <a:stretch/>
+        </p:blipFill>
+        <p:spPr>
+          <a:xfrm>
+            <a:off x="736920" y="422280"/>
+            <a:ext cx="1690200" cy="296640"/>
+          </a:xfrm>
+          <a:prstGeom prst="rect">
+            <a:avLst/>
+          </a:prstGeom>
+          <a:ln>
+            <a:noFill/>
+          </a:ln>
+        </p:spPr>
+      </p:pic>
+      <p:sp>
+        <p:nvSpPr>
+          <p:cNvPr id="110" name="CustomShape 3"/>
+          <p:cNvSpPr/>
+          <p:nvPr/>
+        </p:nvSpPr>
+        <p:spPr>
+          <a:xfrm>
+            <a:off x="739080" y="1900440"/>
+            <a:ext cx="5170680" cy="1794960"/>
+          </a:xfrm>
+          <a:prstGeom prst="rect">
+            <a:avLst/>
+          </a:prstGeom>
+          <a:noFill/>
+          <a:ln>
+            <a:noFill/>
+          </a:ln>
+        </p:spPr>
+        <p:style>
+          <a:lnRef idx="0">
+            <a:scrgbClr r="0" g="0" b="0"/>
+          </a:lnRef>
+          <a:fillRef idx="0">
+            <a:scrgbClr r="0" g="0" b="0"/>
+          </a:fillRef>
+          <a:effectRef idx="0">
+            <a:scrgbClr r="0" g="0" b="0"/>
+          </a:effectRef>
+          <a:fontRef idx="minor"/>
+        </p:style>
+        <p:txBody>
+          <a:bodyPr lIns="90000" tIns="45000" rIns="90000" bIns="45000"/>
+          <a:lstStyle/>
+          <a:p>
+            <a:pPr>
+              <a:lnSpc>
+                <a:spcPct val="100000"/>
+              </a:lnSpc>
+            </a:pPr>
+            <a:endParaRPr lang="ru-RU" sz="1600" b="0" strike="noStrike" spc="-1" dirty="0">
+              <a:latin typeface="Arial"/>
+            </a:endParaRPr>
+          </a:p>
+        </p:txBody>
+      </p:sp>
+      <p:pic>
+        <p:nvPicPr>
+          <p:cNvPr id="111" name="Google Shape;132;p4"/>
+          <p:cNvPicPr/>
+          <p:nvPr/>
+        </p:nvPicPr>
+        <p:blipFill>
+          <a:blip r:embed="rId4"/>
+          <a:stretch/>
+        </p:blipFill>
+        <p:spPr>
+          <a:xfrm>
+            <a:off x="8839440" y="447120"/>
+            <a:ext cx="309240" cy="257760"/>
+          </a:xfrm>
+          <a:prstGeom prst="rect">
+            <a:avLst/>
+          </a:prstGeom>
+          <a:ln>
+            <a:noFill/>
+          </a:ln>
+        </p:spPr>
+      </p:pic>
+      <p:pic>
+        <p:nvPicPr>
+          <p:cNvPr id="112" name="Google Shape;133;p4"/>
+          <p:cNvPicPr/>
+          <p:nvPr/>
+        </p:nvPicPr>
+        <p:blipFill>
+          <a:blip r:embed="rId5"/>
+          <a:stretch/>
+        </p:blipFill>
+        <p:spPr>
+          <a:xfrm>
+            <a:off x="3600" y="998640"/>
+            <a:ext cx="640080" cy="699120"/>
+          </a:xfrm>
+          <a:prstGeom prst="rect">
+            <a:avLst/>
+          </a:prstGeom>
+          <a:ln>
+            <a:noFill/>
+          </a:ln>
+        </p:spPr>
+      </p:pic>
+      <p:pic>
+        <p:nvPicPr>
+          <p:cNvPr id="113" name="Google Shape;134;p4"/>
+          <p:cNvPicPr/>
+          <p:nvPr/>
+        </p:nvPicPr>
+        <p:blipFill>
+          <a:blip r:embed="rId4"/>
+          <a:stretch/>
+        </p:blipFill>
+        <p:spPr>
+          <a:xfrm>
+            <a:off x="8198640" y="437400"/>
+            <a:ext cx="309240" cy="257760"/>
+          </a:xfrm>
+          <a:prstGeom prst="rect">
+            <a:avLst/>
+          </a:prstGeom>
+          <a:ln>
+            <a:noFill/>
+          </a:ln>
+        </p:spPr>
+      </p:pic>
+      <p:sp>
+        <p:nvSpPr>
+          <p:cNvPr id="118" name="CustomShape 7"/>
+          <p:cNvSpPr/>
+          <p:nvPr/>
+        </p:nvSpPr>
+        <p:spPr>
+          <a:xfrm>
+            <a:off x="7701840" y="6388200"/>
+            <a:ext cx="900360" cy="243360"/>
+          </a:xfrm>
+          <a:prstGeom prst="rect">
+            <a:avLst/>
+          </a:prstGeom>
+          <a:noFill/>
+          <a:ln>
+            <a:noFill/>
+          </a:ln>
+        </p:spPr>
+        <p:style>
+          <a:lnRef idx="0">
+            <a:scrgbClr r="0" g="0" b="0"/>
+          </a:lnRef>
+          <a:fillRef idx="0">
+            <a:scrgbClr r="0" g="0" b="0"/>
+          </a:fillRef>
+          <a:effectRef idx="0">
+            <a:scrgbClr r="0" g="0" b="0"/>
+          </a:effectRef>
+          <a:fontRef idx="minor"/>
+        </p:style>
+        <p:txBody>
+          <a:bodyPr lIns="90000" tIns="45000" rIns="90000" bIns="45000" anchor="ctr"/>
+          <a:lstStyle/>
+          <a:p>
+            <a:pPr algn="r">
+              <a:lnSpc>
+                <a:spcPct val="100000"/>
+              </a:lnSpc>
+            </a:pPr>
+            <a:r>
+              <a:rPr lang="ru-RU" sz="1000" b="1" strike="noStrike" spc="-1">
+                <a:solidFill>
+                  <a:srgbClr val="000000"/>
+                </a:solidFill>
+                <a:latin typeface="Calibri"/>
+                <a:ea typeface="Calibri"/>
+              </a:rPr>
+              <a:t> inginirium.ru</a:t>
+            </a:r>
+            <a:endParaRPr lang="ru-RU" sz="1000" b="0" strike="noStrike" spc="-1">
+              <a:latin typeface="Arial"/>
+            </a:endParaRPr>
+          </a:p>
+        </p:txBody>
+      </p:sp>
+      <p:pic>
+        <p:nvPicPr>
+          <p:cNvPr id="119" name="Google Shape;140;p4"/>
+          <p:cNvPicPr/>
+          <p:nvPr/>
+        </p:nvPicPr>
+        <p:blipFill>
+          <a:blip r:embed="rId6"/>
+          <a:stretch/>
+        </p:blipFill>
+        <p:spPr>
+          <a:xfrm>
+            <a:off x="7833600" y="6606360"/>
+            <a:ext cx="672480" cy="23400"/>
+          </a:xfrm>
+          <a:prstGeom prst="rect">
+            <a:avLst/>
+          </a:prstGeom>
+          <a:ln>
+            <a:noFill/>
+          </a:ln>
+        </p:spPr>
+      </p:pic>
+      <p:pic>
+        <p:nvPicPr>
+          <p:cNvPr id="120" name="Google Shape;141;p4"/>
+          <p:cNvPicPr/>
+          <p:nvPr/>
+        </p:nvPicPr>
+        <p:blipFill>
+          <a:blip r:embed="rId7"/>
+          <a:stretch/>
+        </p:blipFill>
+        <p:spPr>
+          <a:xfrm>
+            <a:off x="8653320" y="6401880"/>
+            <a:ext cx="227160" cy="215280"/>
+          </a:xfrm>
+          <a:prstGeom prst="rect">
+            <a:avLst/>
+          </a:prstGeom>
+          <a:ln>
+            <a:noFill/>
+          </a:ln>
+        </p:spPr>
+      </p:pic>
+      <p:sp>
+        <p:nvSpPr>
+          <p:cNvPr id="18" name="CustomShape 3"/>
+          <p:cNvSpPr/>
+          <p:nvPr/>
+        </p:nvSpPr>
+        <p:spPr>
+          <a:xfrm>
+            <a:off x="891480" y="1913751"/>
+            <a:ext cx="7665360" cy="2132649"/>
+          </a:xfrm>
+          <a:prstGeom prst="rect">
+            <a:avLst/>
+          </a:prstGeom>
+          <a:noFill/>
+          <a:ln>
+            <a:noFill/>
+          </a:ln>
+        </p:spPr>
+        <p:style>
+          <a:lnRef idx="0">
+            <a:scrgbClr r="0" g="0" b="0"/>
+          </a:lnRef>
+          <a:fillRef idx="0">
+            <a:scrgbClr r="0" g="0" b="0"/>
+          </a:fillRef>
+          <a:effectRef idx="0">
+            <a:scrgbClr r="0" g="0" b="0"/>
+          </a:effectRef>
+          <a:fontRef idx="minor"/>
+        </p:style>
+        <p:txBody>
+          <a:bodyPr lIns="90000" tIns="45000" rIns="90000" bIns="45000"/>
+          <a:lstStyle/>
+          <a:p>
+            <a:pPr>
+              <a:lnSpc>
+                <a:spcPct val="100000"/>
+              </a:lnSpc>
+            </a:pPr>
+            <a:endParaRPr lang="ru-RU" sz="1600" b="0" strike="noStrike" spc="-1" dirty="0">
+              <a:latin typeface="Arial"/>
+            </a:endParaRPr>
+          </a:p>
+        </p:txBody>
+      </p:sp>
+      <p:sp>
+        <p:nvSpPr>
+          <p:cNvPr id="17" name="CustomShape 3"/>
+          <p:cNvSpPr/>
+          <p:nvPr/>
+        </p:nvSpPr>
+        <p:spPr>
+          <a:xfrm>
+            <a:off x="1127786" y="2511386"/>
+            <a:ext cx="6497854" cy="1899326"/>
+          </a:xfrm>
+          <a:prstGeom prst="rect">
+            <a:avLst/>
+          </a:prstGeom>
+          <a:noFill/>
+          <a:ln>
+            <a:noFill/>
+          </a:ln>
+        </p:spPr>
+        <p:style>
+          <a:lnRef idx="0">
+            <a:scrgbClr r="0" g="0" b="0"/>
+          </a:lnRef>
+          <a:fillRef idx="0">
+            <a:scrgbClr r="0" g="0" b="0"/>
+          </a:fillRef>
+          <a:effectRef idx="0">
+            <a:scrgbClr r="0" g="0" b="0"/>
+          </a:effectRef>
+          <a:fontRef idx="minor"/>
+        </p:style>
+        <p:txBody>
+          <a:bodyPr lIns="90000" tIns="45000" rIns="90000" bIns="45000"/>
+          <a:lstStyle/>
+          <a:p>
+            <a:r>
+              <a:rPr lang="ru-RU" b="1" dirty="0" smtClean="0">
+                <a:latin typeface="Calibri" panose="020F0502020204030204" pitchFamily="34" charset="0"/>
+                <a:cs typeface="Calibri" panose="020F0502020204030204" pitchFamily="34" charset="0"/>
+              </a:rPr>
+              <a:t>Задание</a:t>
+            </a:r>
+            <a:r>
+              <a:rPr lang="en-US" b="1" dirty="0" smtClean="0">
+                <a:latin typeface="Calibri" panose="020F0502020204030204" pitchFamily="34" charset="0"/>
+                <a:cs typeface="Calibri" panose="020F0502020204030204" pitchFamily="34" charset="0"/>
+              </a:rPr>
+              <a:t> 3</a:t>
+            </a:r>
+            <a:endParaRPr lang="ru-RU" b="1" dirty="0" smtClean="0">
+              <a:latin typeface="Calibri" panose="020F0502020204030204" pitchFamily="34" charset="0"/>
+              <a:cs typeface="Calibri" panose="020F0502020204030204" pitchFamily="34" charset="0"/>
+            </a:endParaRPr>
+          </a:p>
+          <a:p>
+            <a:endParaRPr lang="ru-RU" dirty="0" smtClean="0">
+              <a:latin typeface="Calibri" panose="020F0502020204030204" pitchFamily="34" charset="0"/>
+              <a:cs typeface="Calibri" panose="020F0502020204030204" pitchFamily="34" charset="0"/>
+            </a:endParaRPr>
+          </a:p>
+          <a:p>
+            <a:r>
+              <a:rPr lang="ru-RU" dirty="0" smtClean="0">
+                <a:latin typeface="Calibri" panose="020F0502020204030204" pitchFamily="34" charset="0"/>
+                <a:cs typeface="Calibri" panose="020F0502020204030204" pitchFamily="34" charset="0"/>
+              </a:rPr>
+              <a:t>Напишите программу, которая выводит на экран нечётный числа (начиная с </a:t>
+            </a:r>
+            <a:r>
+              <a:rPr lang="en-US" dirty="0" smtClean="0">
+                <a:latin typeface="Calibri" panose="020F0502020204030204" pitchFamily="34" charset="0"/>
+                <a:cs typeface="Calibri" panose="020F0502020204030204" pitchFamily="34" charset="0"/>
+              </a:rPr>
+              <a:t>1</a:t>
+            </a:r>
+            <a:r>
+              <a:rPr lang="ru-RU" dirty="0" smtClean="0">
+                <a:latin typeface="Calibri" panose="020F0502020204030204" pitchFamily="34" charset="0"/>
+                <a:cs typeface="Calibri" panose="020F0502020204030204" pitchFamily="34" charset="0"/>
+              </a:rPr>
+              <a:t>1) до 1 (включительно).</a:t>
+            </a:r>
+          </a:p>
+        </p:txBody>
+      </p:sp>
+      <p:sp>
+        <p:nvSpPr>
+          <p:cNvPr id="22" name="CustomShape 1"/>
+          <p:cNvSpPr/>
+          <p:nvPr/>
+        </p:nvSpPr>
+        <p:spPr>
+          <a:xfrm>
+            <a:off x="8506080" y="419040"/>
+            <a:ext cx="374400" cy="273240"/>
+          </a:xfrm>
+          <a:prstGeom prst="rect">
+            <a:avLst/>
+          </a:prstGeom>
+          <a:noFill/>
+          <a:ln>
+            <a:noFill/>
+          </a:ln>
+        </p:spPr>
+        <p:style>
+          <a:lnRef idx="0">
+            <a:scrgbClr r="0" g="0" b="0"/>
+          </a:lnRef>
+          <a:fillRef idx="0">
+            <a:scrgbClr r="0" g="0" b="0"/>
+          </a:fillRef>
+          <a:effectRef idx="0">
+            <a:scrgbClr r="0" g="0" b="0"/>
+          </a:effectRef>
+          <a:fontRef idx="minor"/>
+        </p:style>
+        <p:txBody>
+          <a:bodyPr lIns="90000" tIns="45000" rIns="90000" bIns="45000"/>
+          <a:lstStyle/>
+          <a:p>
+            <a:pPr>
+              <a:lnSpc>
+                <a:spcPct val="100000"/>
+              </a:lnSpc>
+            </a:pPr>
+            <a:r>
+              <a:rPr lang="ru-RU" sz="1200" spc="-1" dirty="0" smtClean="0">
+                <a:latin typeface="Calibri" panose="020F0502020204030204" pitchFamily="34" charset="0"/>
+                <a:cs typeface="Calibri" panose="020F0502020204030204" pitchFamily="34" charset="0"/>
+              </a:rPr>
+              <a:t>18</a:t>
+            </a:r>
+            <a:endParaRPr lang="ru-RU" sz="1200" b="0" strike="noStrike" spc="-1" dirty="0">
+              <a:latin typeface="Calibri" panose="020F0502020204030204" pitchFamily="34" charset="0"/>
+              <a:cs typeface="Calibri" panose="020F0502020204030204" pitchFamily="34" charset="0"/>
+            </a:endParaRPr>
+          </a:p>
+        </p:txBody>
+      </p:sp>
+      <p:sp>
+        <p:nvSpPr>
+          <p:cNvPr id="15" name="CustomShape 2"/>
+          <p:cNvSpPr/>
+          <p:nvPr/>
+        </p:nvSpPr>
+        <p:spPr>
+          <a:xfrm>
+            <a:off x="690120" y="1153800"/>
+            <a:ext cx="7553160" cy="395640"/>
+          </a:xfrm>
+          <a:prstGeom prst="rect">
+            <a:avLst/>
+          </a:prstGeom>
+          <a:noFill/>
+          <a:ln>
+            <a:noFill/>
+          </a:ln>
+        </p:spPr>
+        <p:style>
+          <a:lnRef idx="0">
+            <a:scrgbClr r="0" g="0" b="0"/>
+          </a:lnRef>
+          <a:fillRef idx="0">
+            <a:scrgbClr r="0" g="0" b="0"/>
+          </a:fillRef>
+          <a:effectRef idx="0">
+            <a:scrgbClr r="0" g="0" b="0"/>
+          </a:effectRef>
+          <a:fontRef idx="minor"/>
+        </p:style>
+        <p:txBody>
+          <a:bodyPr lIns="90000" tIns="45000" rIns="90000" bIns="45000"/>
+          <a:lstStyle/>
+          <a:p>
+            <a:pPr>
+              <a:lnSpc>
+                <a:spcPct val="100000"/>
+              </a:lnSpc>
+            </a:pPr>
+            <a:r>
+              <a:rPr lang="ru-RU" sz="2000" b="1" spc="-1" dirty="0">
+                <a:solidFill>
+                  <a:srgbClr val="000000"/>
+                </a:solidFill>
+                <a:latin typeface="Calibri"/>
+                <a:ea typeface="Calibri"/>
+              </a:rPr>
+              <a:t>Тема: Логические операторы. Цикл </a:t>
+            </a:r>
+            <a:r>
+              <a:rPr lang="en-US" sz="2000" b="1" spc="-1" dirty="0">
+                <a:solidFill>
+                  <a:srgbClr val="000000"/>
+                </a:solidFill>
+                <a:latin typeface="Calibri"/>
+                <a:ea typeface="Calibri"/>
+              </a:rPr>
+              <a:t>while.</a:t>
+            </a:r>
+            <a:endParaRPr lang="ru-RU" sz="2000" spc="-1" dirty="0"/>
+          </a:p>
+        </p:txBody>
+      </p:sp>
+      <p:sp>
+        <p:nvSpPr>
+          <p:cNvPr id="19" name="CustomShape 3"/>
+          <p:cNvSpPr/>
+          <p:nvPr/>
+        </p:nvSpPr>
+        <p:spPr>
+          <a:xfrm>
+            <a:off x="4411800" y="379080"/>
+            <a:ext cx="3818160" cy="364320"/>
+          </a:xfrm>
+          <a:prstGeom prst="rect">
+            <a:avLst/>
+          </a:prstGeom>
+          <a:noFill/>
+          <a:ln>
+            <a:noFill/>
+          </a:ln>
+        </p:spPr>
+        <p:style>
+          <a:lnRef idx="0">
+            <a:scrgbClr r="0" g="0" b="0"/>
+          </a:lnRef>
+          <a:fillRef idx="0">
+            <a:scrgbClr r="0" g="0" b="0"/>
+          </a:fillRef>
+          <a:effectRef idx="0">
+            <a:scrgbClr r="0" g="0" b="0"/>
+          </a:effectRef>
+          <a:fontRef idx="minor"/>
+        </p:style>
+        <p:txBody>
+          <a:bodyPr lIns="90000" tIns="45000" rIns="90000" bIns="45000"/>
+          <a:lstStyle/>
+          <a:p>
+            <a:pPr algn="r">
+              <a:lnSpc>
+                <a:spcPct val="100000"/>
+              </a:lnSpc>
+            </a:pPr>
+            <a:r>
+              <a:rPr lang="ru-RU" sz="900" b="1" spc="-1" dirty="0" smtClean="0">
+                <a:latin typeface="Calibri" panose="020F0502020204030204" pitchFamily="34" charset="0"/>
+                <a:cs typeface="Calibri" panose="020F0502020204030204" pitchFamily="34" charset="0"/>
+              </a:rPr>
+              <a:t>ЛОГИЧЕСКИЕ ОПЕРАТОРЫ.</a:t>
+            </a:r>
+          </a:p>
+          <a:p>
+            <a:pPr algn="r">
+              <a:lnSpc>
+                <a:spcPct val="100000"/>
+              </a:lnSpc>
+            </a:pPr>
+            <a:r>
+              <a:rPr lang="ru-RU" sz="900" b="1" strike="noStrike" spc="-1" dirty="0" smtClean="0">
+                <a:latin typeface="Calibri" panose="020F0502020204030204" pitchFamily="34" charset="0"/>
+                <a:cs typeface="Calibri" panose="020F0502020204030204" pitchFamily="34" charset="0"/>
+              </a:rPr>
+              <a:t>ЦИКЛ </a:t>
+            </a:r>
+            <a:r>
+              <a:rPr lang="en-US" sz="900" b="1" strike="noStrike" spc="-1" dirty="0" smtClean="0">
+                <a:latin typeface="Calibri" panose="020F0502020204030204" pitchFamily="34" charset="0"/>
+                <a:cs typeface="Calibri" panose="020F0502020204030204" pitchFamily="34" charset="0"/>
+              </a:rPr>
+              <a:t>WHILE.</a:t>
+            </a:r>
+            <a:endParaRPr lang="ru-RU" sz="900" b="1" strike="noStrike" spc="-1" dirty="0">
+              <a:latin typeface="Calibri" panose="020F0502020204030204" pitchFamily="34" charset="0"/>
+              <a:cs typeface="Calibri" panose="020F0502020204030204" pitchFamily="34" charset="0"/>
+            </a:endParaRPr>
+          </a:p>
+        </p:txBody>
+      </p:sp>
+    </p:spTree>
+    <p:extLst>
+      <p:ext uri="{BB962C8B-B14F-4D97-AF65-F5344CB8AC3E}">
+        <p14:creationId xmlns:p14="http://schemas.microsoft.com/office/powerpoint/2010/main" val="3416589015"/>
       </p:ext>
     </p:extLst>
   </p:cSld>
@@ -10321,7 +12095,7 @@
                 <a:latin typeface="Calibri" panose="020F0502020204030204" pitchFamily="34" charset="0"/>
                 <a:cs typeface="Calibri" panose="020F0502020204030204" pitchFamily="34" charset="0"/>
               </a:rPr>
-              <a:t>УСЛОВИЯ ВЕТВЛЕНИЯ.</a:t>
+              <a:t>ЛОГИЧЕСКИЕ ОПЕРАТОРЫ.</a:t>
             </a:r>
           </a:p>
           <a:p>
@@ -10331,25 +12105,18 @@
               </a:lnSpc>
             </a:pPr>
             <a:r>
-              <a:rPr lang="ru-RU" sz="900" b="1" spc="-1" dirty="0" smtClean="0">
+              <a:rPr lang="ru-RU" sz="900" b="1" strike="noStrike" spc="-1" dirty="0" smtClean="0">
                 <a:latin typeface="Calibri" panose="020F0502020204030204" pitchFamily="34" charset="0"/>
                 <a:cs typeface="Calibri" panose="020F0502020204030204" pitchFamily="34" charset="0"/>
               </a:rPr>
               <a:t>ЦИКЛ </a:t>
             </a:r>
             <a:r>
-              <a:rPr lang="en-US" sz="900" b="1" spc="-1" dirty="0" smtClean="0">
+              <a:rPr lang="en-US" sz="900" b="1" strike="noStrike" spc="-1" dirty="0" smtClean="0">
                 <a:latin typeface="Calibri" panose="020F0502020204030204" pitchFamily="34" charset="0"/>
                 <a:cs typeface="Calibri" panose="020F0502020204030204" pitchFamily="34" charset="0"/>
               </a:rPr>
               <a:t>WHILE.</a:t>
-            </a:r>
-            <a:r>
-              <a:rPr lang="ru-RU" sz="900" b="1" spc="-1" dirty="0" smtClean="0">
-                <a:latin typeface="Calibri" panose="020F0502020204030204" pitchFamily="34" charset="0"/>
-                <a:cs typeface="Calibri" panose="020F0502020204030204" pitchFamily="34" charset="0"/>
-              </a:rPr>
-              <a:t> </a:t>
             </a:r>
             <a:endParaRPr lang="ru-RU" sz="900" b="1" strike="noStrike" spc="-1" dirty="0">
               <a:latin typeface="Calibri" panose="020F0502020204030204" pitchFamily="34" charset="0"/>
@@ -10730,7 +12497,7 @@
                 <a:latin typeface="Calibri"/>
                 <a:ea typeface="Calibri"/>
               </a:rPr>
-              <a:t>Условия ветвления. Цикл </a:t>
+              <a:t>Логические операторы. Цикл </a:t>
             </a:r>
             <a:r>
               <a:rPr lang="en-US" b="1" spc="-1" dirty="0" smtClean="0">
@@ -11115,7 +12882,7 @@
       </p:pic>
       <p:sp>
         <p:nvSpPr>
-          <p:cNvPr id="14" name="CustomShape 3"/>
+          <p:cNvPr id="15" name="CustomShape 3"/>
           <p:cNvSpPr/>
           <p:nvPr/>
         </p:nvSpPr>
@@ -11158,7 +12925,7 @@
                 <a:latin typeface="Calibri" panose="020F0502020204030204" pitchFamily="34" charset="0"/>
                 <a:cs typeface="Calibri" panose="020F0502020204030204" pitchFamily="34" charset="0"/>
               </a:rPr>
-              <a:t>УСЛОВИЯ ВЕТВЛЕНИЯ.</a:t>
+              <a:t>ЛОГИЧЕСКИЕ ОПЕРАТОРЫ.</a:t>
             </a:r>
           </a:p>
           <a:p>
@@ -11168,25 +12935,18 @@
               </a:lnSpc>
             </a:pPr>
             <a:r>
-              <a:rPr lang="ru-RU" sz="900" b="1" spc="-1" dirty="0" smtClean="0">
+              <a:rPr lang="ru-RU" sz="900" b="1" strike="noStrike" spc="-1" dirty="0" smtClean="0">
                 <a:latin typeface="Calibri" panose="020F0502020204030204" pitchFamily="34" charset="0"/>
                 <a:cs typeface="Calibri" panose="020F0502020204030204" pitchFamily="34" charset="0"/>
               </a:rPr>
               <a:t>ЦИКЛ </a:t>
             </a:r>
             <a:r>
-              <a:rPr lang="en-US" sz="900" b="1" spc="-1" dirty="0" smtClean="0">
+              <a:rPr lang="en-US" sz="900" b="1" strike="noStrike" spc="-1" dirty="0" smtClean="0">
                 <a:latin typeface="Calibri" panose="020F0502020204030204" pitchFamily="34" charset="0"/>
                 <a:cs typeface="Calibri" panose="020F0502020204030204" pitchFamily="34" charset="0"/>
               </a:rPr>
               <a:t>WHILE.</a:t>
-            </a:r>
-            <a:r>
-              <a:rPr lang="ru-RU" sz="900" b="1" spc="-1" dirty="0" smtClean="0">
-                <a:latin typeface="Calibri" panose="020F0502020204030204" pitchFamily="34" charset="0"/>
-                <a:cs typeface="Calibri" panose="020F0502020204030204" pitchFamily="34" charset="0"/>
-              </a:rPr>
-              <a:t> </a:t>
             </a:r>
             <a:endParaRPr lang="ru-RU" sz="900" b="1" strike="noStrike" spc="-1" dirty="0">
               <a:latin typeface="Calibri" panose="020F0502020204030204" pitchFamily="34" charset="0"/>
@@ -11379,7 +13139,7 @@
                 <a:latin typeface="Calibri"/>
                 <a:ea typeface="Calibri"/>
               </a:rPr>
-              <a:t>Тема: Условия ветвления. Цикл </a:t>
+              <a:t>Тема: Логические операторы. Цикл </a:t>
             </a:r>
             <a:r>
               <a:rPr lang="en-US" sz="2000" b="1" spc="-1" dirty="0">
@@ -11498,27 +13258,7 @@
                 <a:latin typeface="Calibri"/>
                 <a:ea typeface="Calibri"/>
               </a:rPr>
-              <a:t>Создавать </a:t>
-            </a:r>
-            <a:r>
-              <a:rPr lang="ru-RU" sz="1400" spc="-1" dirty="0" smtClean="0">
-                <a:solidFill>
-                  <a:srgbClr val="000000"/>
-                </a:solidFill>
-                <a:latin typeface="Calibri"/>
-                <a:ea typeface="Calibri"/>
-              </a:rPr>
-              <a:t>переменные</a:t>
-            </a:r>
-            <a:r>
-              <a:rPr lang="ru-RU" sz="1400" b="0" strike="noStrike" spc="-1" dirty="0" smtClean="0">
-                <a:solidFill>
-                  <a:srgbClr val="000000"/>
-                </a:solidFill>
-                <a:latin typeface="Calibri"/>
-                <a:ea typeface="Calibri"/>
-              </a:rPr>
-              <a:t> в С++</a:t>
+              <a:t>Работать с условиями ветвления</a:t>
             </a:r>
             <a:endParaRPr lang="ru-RU" sz="1400" b="0" strike="noStrike" spc="-1" dirty="0">
               <a:latin typeface="Arial"/>
@@ -11541,8 +13281,15 @@
                 <a:latin typeface="Calibri"/>
                 <a:ea typeface="Calibri"/>
               </a:rPr>
-              <a:t>Работать с стандартным вводом и выводом</a:t>
-            </a:r>
+              <a:t>Строить алгоритмы решения задач, с помощью ветвлений</a:t>
+            </a:r>
+            <a:endParaRPr lang="ru-RU" sz="1400" b="0" strike="noStrike" spc="-1" dirty="0" smtClean="0">
+              <a:solidFill>
+                <a:srgbClr val="000000"/>
+              </a:solidFill>
+              <a:latin typeface="Calibri"/>
+              <a:ea typeface="Calibri"/>
+            </a:endParaRPr>
           </a:p>
           <a:p>
             <a:pPr marL="216000" indent="-216000">
@@ -11560,21 +13307,17 @@
                 </a:solidFill>
                 <a:latin typeface="Calibri"/>
               </a:rPr>
-              <a:t>Использовать арифметические операции с переменными</a:t>
-            </a:r>
-            <a:endParaRPr lang="ru-RU" sz="1400" b="0" strike="noStrike" spc="-1" dirty="0">
-              <a:latin typeface="Arial"/>
-            </a:endParaRPr>
-          </a:p>
-          <a:p>
-            <a:pPr marL="216000" indent="-216000">
-              <a:buClr>
-                <a:srgbClr val="000000"/>
-              </a:buClr>
-              <a:buSzPct val="45000"/>
-              <a:buFont typeface="Wingdings" charset="2"/>
-              <a:buChar char=""/>
-            </a:pPr>
+              <a:t>Работать с циклом </a:t>
+            </a:r>
+            <a:r>
+              <a:rPr lang="en-US" sz="1400" spc="-1" dirty="0" smtClean="0">
+                <a:solidFill>
+                  <a:srgbClr val="000000"/>
+                </a:solidFill>
+                <a:latin typeface="Calibri"/>
+              </a:rPr>
+              <a:t>while</a:t>
+            </a:r>
             <a:endParaRPr lang="ru-RU" sz="1400" b="0" strike="noStrike" spc="-1" dirty="0">
               <a:latin typeface="Arial"/>
             </a:endParaRPr>
@@ -13669,7 +15412,7 @@
       </p:pic>
       <p:sp>
         <p:nvSpPr>
-          <p:cNvPr id="16" name="CustomShape 3"/>
+          <p:cNvPr id="17" name="CustomShape 3"/>
           <p:cNvSpPr/>
           <p:nvPr/>
         </p:nvSpPr>
@@ -13712,7 +15455,7 @@
                 <a:latin typeface="Calibri" panose="020F0502020204030204" pitchFamily="34" charset="0"/>
                 <a:cs typeface="Calibri" panose="020F0502020204030204" pitchFamily="34" charset="0"/>
               </a:rPr>
-              <a:t>УСЛОВИЯ ВЕТВЛЕНИЯ.</a:t>
+              <a:t>ЛОГИЧЕСКИЕ ОПЕРАТОРЫ.</a:t>
             </a:r>
           </a:p>
           <a:p>
@@ -13722,25 +15465,18 @@
               </a:lnSpc>
             </a:pPr>
             <a:r>
-              <a:rPr lang="ru-RU" sz="900" b="1" spc="-1" dirty="0" smtClean="0">
+              <a:rPr lang="ru-RU" sz="900" b="1" strike="noStrike" spc="-1" dirty="0" smtClean="0">
                 <a:latin typeface="Calibri" panose="020F0502020204030204" pitchFamily="34" charset="0"/>
                 <a:cs typeface="Calibri" panose="020F0502020204030204" pitchFamily="34" charset="0"/>
               </a:rPr>
               <a:t>ЦИКЛ </a:t>
             </a:r>
             <a:r>
-              <a:rPr lang="en-US" sz="900" b="1" spc="-1" dirty="0" smtClean="0">
+              <a:rPr lang="en-US" sz="900" b="1" strike="noStrike" spc="-1" dirty="0" smtClean="0">
                 <a:latin typeface="Calibri" panose="020F0502020204030204" pitchFamily="34" charset="0"/>
                 <a:cs typeface="Calibri" panose="020F0502020204030204" pitchFamily="34" charset="0"/>
               </a:rPr>
               <a:t>WHILE.</a:t>
-            </a:r>
-            <a:r>
-              <a:rPr lang="ru-RU" sz="900" b="1" spc="-1" dirty="0" smtClean="0">
-                <a:latin typeface="Calibri" panose="020F0502020204030204" pitchFamily="34" charset="0"/>
-                <a:cs typeface="Calibri" panose="020F0502020204030204" pitchFamily="34" charset="0"/>
-              </a:rPr>
-              <a:t> </a:t>
             </a:r>
             <a:endParaRPr lang="ru-RU" sz="900" b="1" strike="noStrike" spc="-1" dirty="0">
               <a:latin typeface="Calibri" panose="020F0502020204030204" pitchFamily="34" charset="0"/>
@@ -13951,7 +15687,7 @@
                 <a:latin typeface="Calibri"/>
                 <a:ea typeface="Calibri"/>
               </a:rPr>
-              <a:t>3</a:t>
+              <a:t>4</a:t>
             </a:r>
             <a:r>
               <a:rPr lang="ru-RU" sz="1400" b="0" strike="noStrike" spc="-1" dirty="0" smtClean="0">
@@ -14134,10 +15870,6 @@
               </a:rPr>
               <a:t>Логические операторы.</a:t>
             </a:r>
-            <a:endParaRPr lang="ru-RU" sz="2400" spc="-1" dirty="0" smtClean="0">
-              <a:latin typeface="Calibri" panose="020F0502020204030204" pitchFamily="34" charset="0"/>
-              <a:cs typeface="Calibri" panose="020F0502020204030204" pitchFamily="34" charset="0"/>
-            </a:endParaRPr>
           </a:p>
           <a:p>
             <a:pPr algn="ctr">
@@ -14157,7 +15889,7 @@
                 <a:latin typeface="Calibri" panose="020F0502020204030204" pitchFamily="34" charset="0"/>
                 <a:cs typeface="Calibri" panose="020F0502020204030204" pitchFamily="34" charset="0"/>
               </a:rPr>
-              <a:t>for</a:t>
+              <a:t>while</a:t>
             </a:r>
             <a:r>
               <a:rPr lang="en-US" sz="2400" b="0" strike="noStrike" spc="-1" dirty="0" smtClean="0">
@@ -14509,7 +16241,35 @@
                 <a:latin typeface="Calibri" panose="020F0502020204030204" pitchFamily="34" charset="0"/>
                 <a:cs typeface="Calibri" panose="020F0502020204030204" pitchFamily="34" charset="0"/>
               </a:rPr>
-              <a:t>Помимо арифметических существует ещё и логические операторы (как и алгебр логики)</a:t>
+              <a:t>Помимо арифметических существует ещё и логические операторы (как и </a:t>
+            </a:r>
+            <a:r>
+              <a:rPr lang="ru-RU" spc="-1" dirty="0" smtClean="0">
+                <a:latin typeface="Calibri" panose="020F0502020204030204" pitchFamily="34" charset="0"/>
+                <a:cs typeface="Calibri" panose="020F0502020204030204" pitchFamily="34" charset="0"/>
+              </a:rPr>
+              <a:t>алгебр</a:t>
+            </a:r>
+            <a:r>
+              <a:rPr lang="ru-RU" spc="-1" dirty="0">
+                <a:latin typeface="Calibri" panose="020F0502020204030204" pitchFamily="34" charset="0"/>
+                <a:cs typeface="Calibri" panose="020F0502020204030204" pitchFamily="34" charset="0"/>
+              </a:rPr>
+              <a:t>а</a:t>
+            </a:r>
+            <a:r>
+              <a:rPr lang="ru-RU" spc="-1" dirty="0" smtClean="0">
+                <a:latin typeface="Calibri" panose="020F0502020204030204" pitchFamily="34" charset="0"/>
+                <a:cs typeface="Calibri" panose="020F0502020204030204" pitchFamily="34" charset="0"/>
+              </a:rPr>
+              <a:t> </a:t>
+            </a:r>
+            <a:r>
+              <a:rPr lang="ru-RU" spc="-1" dirty="0" smtClean="0">
+                <a:latin typeface="Calibri" panose="020F0502020204030204" pitchFamily="34" charset="0"/>
+                <a:cs typeface="Calibri" panose="020F0502020204030204" pitchFamily="34" charset="0"/>
+              </a:rPr>
+              <a:t>логики)</a:t>
             </a:r>
             <a:endParaRPr lang="ru-RU" spc="-1" dirty="0">
               <a:latin typeface="Calibri" panose="020F0502020204030204" pitchFamily="34" charset="0"/>
@@ -14633,152 +16393,6 @@
               <a:latin typeface="Calibri" panose="020F0502020204030204" pitchFamily="34" charset="0"/>
               <a:cs typeface="Calibri" panose="020F0502020204030204" pitchFamily="34" charset="0"/>
             </a:endParaRPr>
-          </a:p>
-        </p:txBody>
-      </p:sp>
-      <p:sp>
-        <p:nvSpPr>
-          <p:cNvPr id="19" name="CustomShape 3"/>
-          <p:cNvSpPr/>
-          <p:nvPr/>
-        </p:nvSpPr>
-        <p:spPr>
-          <a:xfrm>
-            <a:off x="4411800" y="379080"/>
-            <a:ext cx="3818160" cy="364320"/>
-          </a:xfrm>
-          <a:prstGeom prst="rect">
-            <a:avLst/>
-          </a:prstGeom>
-          <a:noFill/>
-          <a:ln>
-            <a:noFill/>
-          </a:ln>
-        </p:spPr>
-        <p:style>
-          <a:lnRef idx="0">
-            <a:scrgbClr r="0" g="0" b="0"/>
-          </a:lnRef>
-          <a:fillRef idx="0">
-            <a:scrgbClr r="0" g="0" b="0"/>
-          </a:fillRef>
-          <a:effectRef idx="0">
-            <a:scrgbClr r="0" g="0" b="0"/>
-          </a:effectRef>
-          <a:fontRef idx="minor"/>
-        </p:style>
-        <p:txBody>
-          <a:bodyPr lIns="90000" tIns="45000" rIns="90000" bIns="45000"/>
-          <a:lstStyle/>
-          <a:p>
-            <a:pPr algn="r">
-              <a:lnSpc>
-                <a:spcPct val="100000"/>
-              </a:lnSpc>
-            </a:pPr>
-            <a:r>
-              <a:rPr lang="ru-RU" sz="900" b="1" spc="-1" dirty="0" smtClean="0">
-                <a:latin typeface="Calibri" panose="020F0502020204030204" pitchFamily="34" charset="0"/>
-                <a:cs typeface="Calibri" panose="020F0502020204030204" pitchFamily="34" charset="0"/>
-              </a:rPr>
-              <a:t>УСЛОВИЯ ВЕТВЛЕНИЯ.</a:t>
-            </a:r>
-          </a:p>
-          <a:p>
-            <a:pPr algn="r">
-              <a:lnSpc>
-                <a:spcPct val="100000"/>
-              </a:lnSpc>
-            </a:pPr>
-            <a:r>
-              <a:rPr lang="ru-RU" sz="900" b="1" spc="-1" dirty="0" smtClean="0">
-                <a:latin typeface="Calibri" panose="020F0502020204030204" pitchFamily="34" charset="0"/>
-                <a:cs typeface="Calibri" panose="020F0502020204030204" pitchFamily="34" charset="0"/>
-              </a:rPr>
-              <a:t>ЦИКЛ </a:t>
-            </a:r>
-            <a:r>
-              <a:rPr lang="en-US" sz="900" b="1" spc="-1" dirty="0" smtClean="0">
-                <a:latin typeface="Calibri" panose="020F0502020204030204" pitchFamily="34" charset="0"/>
-                <a:cs typeface="Calibri" panose="020F0502020204030204" pitchFamily="34" charset="0"/>
-              </a:rPr>
-              <a:t>WHILE.</a:t>
-            </a:r>
-            <a:r>
-              <a:rPr lang="ru-RU" sz="900" b="1" spc="-1" dirty="0" smtClean="0">
-                <a:latin typeface="Calibri" panose="020F0502020204030204" pitchFamily="34" charset="0"/>
-                <a:cs typeface="Calibri" panose="020F0502020204030204" pitchFamily="34" charset="0"/>
-              </a:rPr>
-              <a:t> </a:t>
-            </a:r>
-            <a:endParaRPr lang="ru-RU" sz="900" b="1" strike="noStrike" spc="-1" dirty="0">
-              <a:latin typeface="Calibri" panose="020F0502020204030204" pitchFamily="34" charset="0"/>
-              <a:cs typeface="Calibri" panose="020F0502020204030204" pitchFamily="34" charset="0"/>
-            </a:endParaRPr>
-          </a:p>
-        </p:txBody>
-      </p:sp>
-      <p:sp>
-        <p:nvSpPr>
-          <p:cNvPr id="20" name="CustomShape 2"/>
-          <p:cNvSpPr/>
-          <p:nvPr/>
-        </p:nvSpPr>
-        <p:spPr>
-          <a:xfrm>
-            <a:off x="690120" y="1153800"/>
-            <a:ext cx="7553160" cy="395640"/>
-          </a:xfrm>
-          <a:prstGeom prst="rect">
-            <a:avLst/>
-          </a:prstGeom>
-          <a:noFill/>
-          <a:ln>
-            <a:noFill/>
-          </a:ln>
-        </p:spPr>
-        <p:style>
-          <a:lnRef idx="0">
-            <a:scrgbClr r="0" g="0" b="0"/>
-          </a:lnRef>
-          <a:fillRef idx="0">
-            <a:scrgbClr r="0" g="0" b="0"/>
-          </a:fillRef>
-          <a:effectRef idx="0">
-            <a:scrgbClr r="0" g="0" b="0"/>
-          </a:effectRef>
-          <a:fontRef idx="minor"/>
-        </p:style>
-        <p:txBody>
-          <a:bodyPr lIns="90000" tIns="45000" rIns="90000" bIns="45000"/>
-          <a:lstStyle/>
-          <a:p>
-            <a:pPr>
-              <a:lnSpc>
-                <a:spcPct val="100000"/>
-              </a:lnSpc>
-            </a:pPr>
-            <a:r>
-              <a:rPr lang="ru-RU" sz="2000" b="1" spc="-1" dirty="0">
-                <a:solidFill>
-                  <a:srgbClr val="000000"/>
-                </a:solidFill>
-                <a:latin typeface="Calibri"/>
-                <a:ea typeface="Calibri"/>
-              </a:rPr>
-              <a:t>Тема: Условия ветвления. Цикл </a:t>
-            </a:r>
-            <a:r>
-              <a:rPr lang="en-US" sz="2000" b="1" spc="-1" dirty="0">
-                <a:solidFill>
-                  <a:srgbClr val="000000"/>
-                </a:solidFill>
-                <a:latin typeface="Calibri"/>
-                <a:ea typeface="Calibri"/>
-              </a:rPr>
-              <a:t>while.</a:t>
-            </a:r>
-            <a:endParaRPr lang="ru-RU" sz="2000" spc="-1" dirty="0"/>
           </a:p>
         </p:txBody>
       </p:sp>
@@ -14812,6 +16426,145 @@
           </a:prstGeom>
         </p:spPr>
       </p:pic>
+      <p:sp>
+        <p:nvSpPr>
+          <p:cNvPr id="14" name="CustomShape 3"/>
+          <p:cNvSpPr/>
+          <p:nvPr/>
+        </p:nvSpPr>
+        <p:spPr>
+          <a:xfrm>
+            <a:off x="4411800" y="379080"/>
+            <a:ext cx="3818160" cy="364320"/>
+          </a:xfrm>
+          <a:prstGeom prst="rect">
+            <a:avLst/>
+          </a:prstGeom>
+          <a:noFill/>
+          <a:ln>
+            <a:noFill/>
+          </a:ln>
+        </p:spPr>
+        <p:style>
+          <a:lnRef idx="0">
+            <a:scrgbClr r="0" g="0" b="0"/>
+          </a:lnRef>
+          <a:fillRef idx="0">
+            <a:scrgbClr r="0" g="0" b="0"/>
+          </a:fillRef>
+          <a:effectRef idx="0">
+            <a:scrgbClr r="0" g="0" b="0"/>
+          </a:effectRef>
+          <a:fontRef idx="minor"/>
+        </p:style>
+        <p:txBody>
+          <a:bodyPr lIns="90000" tIns="45000" rIns="90000" bIns="45000"/>
+          <a:lstStyle/>
+          <a:p>
+            <a:pPr algn="r">
+              <a:lnSpc>
+                <a:spcPct val="100000"/>
+              </a:lnSpc>
+            </a:pPr>
+            <a:r>
+              <a:rPr lang="ru-RU" sz="900" b="1" spc="-1" dirty="0" smtClean="0">
+                <a:latin typeface="Calibri" panose="020F0502020204030204" pitchFamily="34" charset="0"/>
+                <a:cs typeface="Calibri" panose="020F0502020204030204" pitchFamily="34" charset="0"/>
+              </a:rPr>
+              <a:t>ЛОГИЧЕСКИЕ ОПЕРАТОРЫ.</a:t>
+            </a:r>
+          </a:p>
+          <a:p>
+            <a:pPr algn="r">
+              <a:lnSpc>
+                <a:spcPct val="100000"/>
+              </a:lnSpc>
+            </a:pPr>
+            <a:r>
+              <a:rPr lang="ru-RU" sz="900" b="1" strike="noStrike" spc="-1" dirty="0" smtClean="0">
+                <a:latin typeface="Calibri" panose="020F0502020204030204" pitchFamily="34" charset="0"/>
+                <a:cs typeface="Calibri" panose="020F0502020204030204" pitchFamily="34" charset="0"/>
+              </a:rPr>
+              <a:t>ЦИКЛ </a:t>
+            </a:r>
+            <a:r>
+              <a:rPr lang="en-US" sz="900" b="1" strike="noStrike" spc="-1" dirty="0" smtClean="0">
+                <a:latin typeface="Calibri" panose="020F0502020204030204" pitchFamily="34" charset="0"/>
+                <a:cs typeface="Calibri" panose="020F0502020204030204" pitchFamily="34" charset="0"/>
+              </a:rPr>
+              <a:t>WHILE.</a:t>
+            </a:r>
+            <a:endParaRPr lang="ru-RU" sz="900" b="1" strike="noStrike" spc="-1" dirty="0">
+              <a:latin typeface="Calibri" panose="020F0502020204030204" pitchFamily="34" charset="0"/>
+              <a:cs typeface="Calibri" panose="020F0502020204030204" pitchFamily="34" charset="0"/>
+            </a:endParaRPr>
+          </a:p>
+        </p:txBody>
+      </p:sp>
+      <p:sp>
+        <p:nvSpPr>
+          <p:cNvPr id="15" name="CustomShape 2"/>
+          <p:cNvSpPr/>
+          <p:nvPr/>
+        </p:nvSpPr>
+        <p:spPr>
+          <a:xfrm>
+            <a:off x="690120" y="1153800"/>
+            <a:ext cx="7553160" cy="395640"/>
+          </a:xfrm>
+          <a:prstGeom prst="rect">
+            <a:avLst/>
+          </a:prstGeom>
+          <a:noFill/>
+          <a:ln>
+            <a:noFill/>
+          </a:ln>
+        </p:spPr>
+        <p:style>
+          <a:lnRef idx="0">
+            <a:scrgbClr r="0" g="0" b="0"/>
+          </a:lnRef>
+          <a:fillRef idx="0">
+            <a:scrgbClr r="0" g="0" b="0"/>
+          </a:fillRef>
+          <a:effectRef idx="0">
+            <a:scrgbClr r="0" g="0" b="0"/>
+          </a:effectRef>
+          <a:fontRef idx="minor"/>
+        </p:style>
+        <p:txBody>
+          <a:bodyPr lIns="90000" tIns="45000" rIns="90000" bIns="45000"/>
+          <a:lstStyle/>
+          <a:p>
+            <a:pPr>
+              <a:lnSpc>
+                <a:spcPct val="100000"/>
+              </a:lnSpc>
+            </a:pPr>
+            <a:r>
+              <a:rPr lang="ru-RU" sz="2000" b="1" spc="-1" dirty="0">
+                <a:solidFill>
+                  <a:srgbClr val="000000"/>
+                </a:solidFill>
+                <a:latin typeface="Calibri"/>
+                <a:ea typeface="Calibri"/>
+              </a:rPr>
+              <a:t>Тема: Логические операторы. Цикл </a:t>
+            </a:r>
+            <a:r>
+              <a:rPr lang="en-US" sz="2000" b="1" spc="-1" dirty="0">
+                <a:solidFill>
+                  <a:srgbClr val="000000"/>
+                </a:solidFill>
+                <a:latin typeface="Calibri"/>
+                <a:ea typeface="Calibri"/>
+              </a:rPr>
+              <a:t>while.</a:t>
+            </a:r>
+            <a:endParaRPr lang="ru-RU" sz="2000" spc="-1" dirty="0"/>
+          </a:p>
+        </p:txBody>
+      </p:sp>
     </p:spTree>
     <p:extLst>
       <p:ext uri="{BB962C8B-B14F-4D97-AF65-F5344CB8AC3E}">
@@ -15212,162 +16965,16 @@
               </a:lnSpc>
             </a:pPr>
             <a:r>
-              <a:rPr lang="ru-RU" sz="1200" b="0" strike="noStrike" spc="-1" dirty="0" smtClean="0">
-                <a:latin typeface="Calibri" panose="020F0502020204030204" pitchFamily="34" charset="0"/>
-                <a:cs typeface="Calibri" panose="020F0502020204030204" pitchFamily="34" charset="0"/>
-              </a:rPr>
-              <a:t>6</a:t>
+              <a:rPr lang="en-US" sz="1200" spc="-1" dirty="0">
+                <a:latin typeface="Calibri" panose="020F0502020204030204" pitchFamily="34" charset="0"/>
+                <a:cs typeface="Calibri" panose="020F0502020204030204" pitchFamily="34" charset="0"/>
+              </a:rPr>
+              <a:t>7</a:t>
             </a:r>
             <a:endParaRPr lang="ru-RU" sz="1200" b="0" strike="noStrike" spc="-1" dirty="0">
               <a:latin typeface="Calibri" panose="020F0502020204030204" pitchFamily="34" charset="0"/>
               <a:cs typeface="Calibri" panose="020F0502020204030204" pitchFamily="34" charset="0"/>
             </a:endParaRPr>
-          </a:p>
-        </p:txBody>
-      </p:sp>
-      <p:sp>
-        <p:nvSpPr>
-          <p:cNvPr id="19" name="CustomShape 3"/>
-          <p:cNvSpPr/>
-          <p:nvPr/>
-        </p:nvSpPr>
-        <p:spPr>
-          <a:xfrm>
-            <a:off x="4411800" y="379080"/>
-            <a:ext cx="3818160" cy="364320"/>
-          </a:xfrm>
-          <a:prstGeom prst="rect">
-            <a:avLst/>
-          </a:prstGeom>
-          <a:noFill/>
-          <a:ln>
-            <a:noFill/>
-          </a:ln>
-        </p:spPr>
-        <p:style>
-          <a:lnRef idx="0">
-            <a:scrgbClr r="0" g="0" b="0"/>
-          </a:lnRef>
-          <a:fillRef idx="0">
-            <a:scrgbClr r="0" g="0" b="0"/>
-          </a:fillRef>
-          <a:effectRef idx="0">
-            <a:scrgbClr r="0" g="0" b="0"/>
-          </a:effectRef>
-          <a:fontRef idx="minor"/>
-        </p:style>
-        <p:txBody>
-          <a:bodyPr lIns="90000" tIns="45000" rIns="90000" bIns="45000"/>
-          <a:lstStyle/>
-          <a:p>
-            <a:pPr algn="r">
-              <a:lnSpc>
-                <a:spcPct val="100000"/>
-              </a:lnSpc>
-            </a:pPr>
-            <a:r>
-              <a:rPr lang="ru-RU" sz="900" b="1" spc="-1" dirty="0" smtClean="0">
-                <a:latin typeface="Calibri" panose="020F0502020204030204" pitchFamily="34" charset="0"/>
-                <a:cs typeface="Calibri" panose="020F0502020204030204" pitchFamily="34" charset="0"/>
-              </a:rPr>
-              <a:t>УСЛОВИЯ ВЕТВЛЕНИЯ.</a:t>
-            </a:r>
-          </a:p>
-          <a:p>
-            <a:pPr algn="r">
-              <a:lnSpc>
-                <a:spcPct val="100000"/>
-              </a:lnSpc>
-            </a:pPr>
-            <a:r>
-              <a:rPr lang="ru-RU" sz="900" b="1" spc="-1" dirty="0" smtClean="0">
-                <a:latin typeface="Calibri" panose="020F0502020204030204" pitchFamily="34" charset="0"/>
-                <a:cs typeface="Calibri" panose="020F0502020204030204" pitchFamily="34" charset="0"/>
-              </a:rPr>
-              <a:t>ЦИКЛ </a:t>
-            </a:r>
-            <a:r>
-              <a:rPr lang="en-US" sz="900" b="1" spc="-1" dirty="0" smtClean="0">
-                <a:latin typeface="Calibri" panose="020F0502020204030204" pitchFamily="34" charset="0"/>
-                <a:cs typeface="Calibri" panose="020F0502020204030204" pitchFamily="34" charset="0"/>
-              </a:rPr>
-              <a:t>WHILE.</a:t>
-            </a:r>
-            <a:r>
-              <a:rPr lang="ru-RU" sz="900" b="1" spc="-1" dirty="0" smtClean="0">
-                <a:latin typeface="Calibri" panose="020F0502020204030204" pitchFamily="34" charset="0"/>
-                <a:cs typeface="Calibri" panose="020F0502020204030204" pitchFamily="34" charset="0"/>
-              </a:rPr>
-              <a:t> </a:t>
-            </a:r>
-            <a:endParaRPr lang="ru-RU" sz="900" b="1" strike="noStrike" spc="-1" dirty="0">
-              <a:latin typeface="Calibri" panose="020F0502020204030204" pitchFamily="34" charset="0"/>
-              <a:cs typeface="Calibri" panose="020F0502020204030204" pitchFamily="34" charset="0"/>
-            </a:endParaRPr>
-          </a:p>
-        </p:txBody>
-      </p:sp>
-      <p:sp>
-        <p:nvSpPr>
-          <p:cNvPr id="20" name="CustomShape 2"/>
-          <p:cNvSpPr/>
-          <p:nvPr/>
-        </p:nvSpPr>
-        <p:spPr>
-          <a:xfrm>
-            <a:off x="690120" y="1153800"/>
-            <a:ext cx="7553160" cy="395640"/>
-          </a:xfrm>
-          <a:prstGeom prst="rect">
-            <a:avLst/>
-          </a:prstGeom>
-          <a:noFill/>
-          <a:ln>
-            <a:noFill/>
-          </a:ln>
-        </p:spPr>
-        <p:style>
-          <a:lnRef idx="0">
-            <a:scrgbClr r="0" g="0" b="0"/>
-          </a:lnRef>
-          <a:fillRef idx="0">
-            <a:scrgbClr r="0" g="0" b="0"/>
-          </a:fillRef>
-          <a:effectRef idx="0">
-            <a:scrgbClr r="0" g="0" b="0"/>
-          </a:effectRef>
-          <a:fontRef idx="minor"/>
-        </p:style>
-        <p:txBody>
-          <a:bodyPr lIns="90000" tIns="45000" rIns="90000" bIns="45000"/>
-          <a:lstStyle/>
-          <a:p>
-            <a:pPr>
-              <a:lnSpc>
-                <a:spcPct val="100000"/>
-              </a:lnSpc>
-            </a:pPr>
-            <a:r>
-              <a:rPr lang="ru-RU" sz="2000" b="1" spc="-1" dirty="0">
-                <a:solidFill>
-                  <a:srgbClr val="000000"/>
-                </a:solidFill>
-                <a:latin typeface="Calibri"/>
-                <a:ea typeface="Calibri"/>
-              </a:rPr>
-              <a:t>Тема: Условия ветвления. Цикл </a:t>
-            </a:r>
-            <a:r>
-              <a:rPr lang="en-US" sz="2000" b="1" spc="-1" dirty="0">
-                <a:solidFill>
-                  <a:srgbClr val="000000"/>
-                </a:solidFill>
-                <a:latin typeface="Calibri"/>
-                <a:ea typeface="Calibri"/>
-              </a:rPr>
-              <a:t>while.</a:t>
-            </a:r>
-            <a:endParaRPr lang="ru-RU" sz="2000" spc="-1" dirty="0"/>
           </a:p>
         </p:txBody>
       </p:sp>
@@ -15393,7 +17000,7 @@
         </p:blipFill>
         <p:spPr>
           <a:xfrm>
-            <a:off x="487859" y="2967487"/>
+            <a:off x="905131" y="3268730"/>
             <a:ext cx="4307946" cy="1552755"/>
           </a:xfrm>
           <a:prstGeom prst="rect">
@@ -15409,7 +17016,7 @@
         </p:nvSpPr>
         <p:spPr>
           <a:xfrm>
-            <a:off x="1047724" y="5789601"/>
+            <a:off x="1171024" y="5393672"/>
             <a:ext cx="7182236" cy="719919"/>
           </a:xfrm>
           <a:prstGeom prst="rect">
@@ -15492,6 +17099,145 @@
           </a:prstGeom>
         </p:spPr>
       </p:pic>
+      <p:sp>
+        <p:nvSpPr>
+          <p:cNvPr id="16" name="CustomShape 3"/>
+          <p:cNvSpPr/>
+          <p:nvPr/>
+        </p:nvSpPr>
+        <p:spPr>
+          <a:xfrm>
+            <a:off x="4411800" y="379080"/>
+            <a:ext cx="3818160" cy="364320"/>
+          </a:xfrm>
+          <a:prstGeom prst="rect">
+            <a:avLst/>
+          </a:prstGeom>
+          <a:noFill/>
+          <a:ln>
+            <a:noFill/>
+          </a:ln>
+        </p:spPr>
+        <p:style>
+          <a:lnRef idx="0">
+            <a:scrgbClr r="0" g="0" b="0"/>
+          </a:lnRef>
+          <a:fillRef idx="0">
+            <a:scrgbClr r="0" g="0" b="0"/>
+          </a:fillRef>
+          <a:effectRef idx="0">
+            <a:scrgbClr r="0" g="0" b="0"/>
+          </a:effectRef>
+          <a:fontRef idx="minor"/>
+        </p:style>
+        <p:txBody>
+          <a:bodyPr lIns="90000" tIns="45000" rIns="90000" bIns="45000"/>
+          <a:lstStyle/>
+          <a:p>
+            <a:pPr algn="r">
+              <a:lnSpc>
+                <a:spcPct val="100000"/>
+              </a:lnSpc>
+            </a:pPr>
+            <a:r>
+              <a:rPr lang="ru-RU" sz="900" b="1" spc="-1" dirty="0" smtClean="0">
+                <a:latin typeface="Calibri" panose="020F0502020204030204" pitchFamily="34" charset="0"/>
+                <a:cs typeface="Calibri" panose="020F0502020204030204" pitchFamily="34" charset="0"/>
+              </a:rPr>
+              <a:t>ЛОГИЧЕСКИЕ ОПЕРАТОРЫ.</a:t>
+            </a:r>
+          </a:p>
+          <a:p>
+            <a:pPr algn="r">
+              <a:lnSpc>
+                <a:spcPct val="100000"/>
+              </a:lnSpc>
+            </a:pPr>
+            <a:r>
+              <a:rPr lang="ru-RU" sz="900" b="1" strike="noStrike" spc="-1" dirty="0" smtClean="0">
+                <a:latin typeface="Calibri" panose="020F0502020204030204" pitchFamily="34" charset="0"/>
+                <a:cs typeface="Calibri" panose="020F0502020204030204" pitchFamily="34" charset="0"/>
+              </a:rPr>
+              <a:t>ЦИКЛ </a:t>
+            </a:r>
+            <a:r>
+              <a:rPr lang="en-US" sz="900" b="1" strike="noStrike" spc="-1" dirty="0" smtClean="0">
+                <a:latin typeface="Calibri" panose="020F0502020204030204" pitchFamily="34" charset="0"/>
+                <a:cs typeface="Calibri" panose="020F0502020204030204" pitchFamily="34" charset="0"/>
+              </a:rPr>
+              <a:t>WHILE.</a:t>
+            </a:r>
+            <a:endParaRPr lang="ru-RU" sz="900" b="1" strike="noStrike" spc="-1" dirty="0">
+              <a:latin typeface="Calibri" panose="020F0502020204030204" pitchFamily="34" charset="0"/>
+              <a:cs typeface="Calibri" panose="020F0502020204030204" pitchFamily="34" charset="0"/>
+            </a:endParaRPr>
+          </a:p>
+        </p:txBody>
+      </p:sp>
+      <p:sp>
+        <p:nvSpPr>
+          <p:cNvPr id="19" name="CustomShape 2"/>
+          <p:cNvSpPr/>
+          <p:nvPr/>
+        </p:nvSpPr>
+        <p:spPr>
+          <a:xfrm>
+            <a:off x="690120" y="1153800"/>
+            <a:ext cx="7553160" cy="395640"/>
+          </a:xfrm>
+          <a:prstGeom prst="rect">
+            <a:avLst/>
+          </a:prstGeom>
+          <a:noFill/>
+          <a:ln>
+            <a:noFill/>
+          </a:ln>
+        </p:spPr>
+        <p:style>
+          <a:lnRef idx="0">
+            <a:scrgbClr r="0" g="0" b="0"/>
+          </a:lnRef>
+          <a:fillRef idx="0">
+            <a:scrgbClr r="0" g="0" b="0"/>
+          </a:fillRef>
+          <a:effectRef idx="0">
+            <a:scrgbClr r="0" g="0" b="0"/>
+          </a:effectRef>
+          <a:fontRef idx="minor"/>
+        </p:style>
+        <p:txBody>
+          <a:bodyPr lIns="90000" tIns="45000" rIns="90000" bIns="45000"/>
+          <a:lstStyle/>
+          <a:p>
+            <a:pPr>
+              <a:lnSpc>
+                <a:spcPct val="100000"/>
+              </a:lnSpc>
+            </a:pPr>
+            <a:r>
+              <a:rPr lang="ru-RU" sz="2000" b="1" spc="-1" dirty="0">
+                <a:solidFill>
+                  <a:srgbClr val="000000"/>
+                </a:solidFill>
+                <a:latin typeface="Calibri"/>
+                <a:ea typeface="Calibri"/>
+              </a:rPr>
+              <a:t>Тема: Логические операторы. Цикл </a:t>
+            </a:r>
+            <a:r>
+              <a:rPr lang="en-US" sz="2000" b="1" spc="-1" dirty="0">
+                <a:solidFill>
+                  <a:srgbClr val="000000"/>
+                </a:solidFill>
+                <a:latin typeface="Calibri"/>
+                <a:ea typeface="Calibri"/>
+              </a:rPr>
+              <a:t>while.</a:t>
+            </a:r>
+            <a:endParaRPr lang="ru-RU" sz="2000" spc="-1" dirty="0"/>
+          </a:p>
+        </p:txBody>
+      </p:sp>
     </p:spTree>
     <p:extLst>
       <p:ext uri="{BB962C8B-B14F-4D97-AF65-F5344CB8AC3E}">
@@ -15848,10 +17594,6 @@
               </a:rPr>
               <a:t>Все выражение будет считаться верным только если все условия верны.</a:t>
             </a:r>
-            <a:endParaRPr lang="ru-RU" spc="-1" dirty="0">
-              <a:latin typeface="Calibri" panose="020F0502020204030204" pitchFamily="34" charset="0"/>
-              <a:cs typeface="Calibri" panose="020F0502020204030204" pitchFamily="34" charset="0"/>
-            </a:endParaRPr>
           </a:p>
         </p:txBody>
       </p:sp>
@@ -15896,162 +17638,16 @@
               </a:lnSpc>
             </a:pPr>
             <a:r>
-              <a:rPr lang="ru-RU" sz="1200" b="0" strike="noStrike" spc="-1" dirty="0" smtClean="0">
-                <a:latin typeface="Calibri" panose="020F0502020204030204" pitchFamily="34" charset="0"/>
-                <a:cs typeface="Calibri" panose="020F0502020204030204" pitchFamily="34" charset="0"/>
-              </a:rPr>
-              <a:t>6</a:t>
+              <a:rPr lang="en-US" sz="1200" spc="-1" dirty="0">
+                <a:latin typeface="Calibri" panose="020F0502020204030204" pitchFamily="34" charset="0"/>
+                <a:cs typeface="Calibri" panose="020F0502020204030204" pitchFamily="34" charset="0"/>
+              </a:rPr>
+              <a:t>8</a:t>
             </a:r>
             <a:endParaRPr lang="ru-RU" sz="1200" b="0" strike="noStrike" spc="-1" dirty="0">
               <a:latin typeface="Calibri" panose="020F0502020204030204" pitchFamily="34" charset="0"/>
               <a:cs typeface="Calibri" panose="020F0502020204030204" pitchFamily="34" charset="0"/>
             </a:endParaRPr>
-          </a:p>
-        </p:txBody>
-      </p:sp>
-      <p:sp>
-        <p:nvSpPr>
-          <p:cNvPr id="19" name="CustomShape 3"/>
-          <p:cNvSpPr/>
-          <p:nvPr/>
-        </p:nvSpPr>
-        <p:spPr>
-          <a:xfrm>
-            <a:off x="4411800" y="379080"/>
-            <a:ext cx="3818160" cy="364320"/>
-          </a:xfrm>
-          <a:prstGeom prst="rect">
-            <a:avLst/>
-          </a:prstGeom>
-          <a:noFill/>
-          <a:ln>
-            <a:noFill/>
-          </a:ln>
-        </p:spPr>
-        <p:style>
-          <a:lnRef idx="0">
-            <a:scrgbClr r="0" g="0" b="0"/>
-          </a:lnRef>
-          <a:fillRef idx="0">
-            <a:scrgbClr r="0" g="0" b="0"/>
-          </a:fillRef>
-          <a:effectRef idx="0">
-            <a:scrgbClr r="0" g="0" b="0"/>
-          </a:effectRef>
-          <a:fontRef idx="minor"/>
-        </p:style>
-        <p:txBody>
-          <a:bodyPr lIns="90000" tIns="45000" rIns="90000" bIns="45000"/>
-          <a:lstStyle/>
-          <a:p>
-            <a:pPr algn="r">
-              <a:lnSpc>
-                <a:spcPct val="100000"/>
-              </a:lnSpc>
-            </a:pPr>
-            <a:r>
-              <a:rPr lang="ru-RU" sz="900" b="1" spc="-1" dirty="0" smtClean="0">
-                <a:latin typeface="Calibri" panose="020F0502020204030204" pitchFamily="34" charset="0"/>
-                <a:cs typeface="Calibri" panose="020F0502020204030204" pitchFamily="34" charset="0"/>
-              </a:rPr>
-              <a:t>УСЛОВИЯ ВЕТВЛЕНИЯ.</a:t>
-            </a:r>
-          </a:p>
-          <a:p>
-            <a:pPr algn="r">
-              <a:lnSpc>
-                <a:spcPct val="100000"/>
-              </a:lnSpc>
-            </a:pPr>
-            <a:r>
-              <a:rPr lang="ru-RU" sz="900" b="1" spc="-1" dirty="0" smtClean="0">
-                <a:latin typeface="Calibri" panose="020F0502020204030204" pitchFamily="34" charset="0"/>
-                <a:cs typeface="Calibri" panose="020F0502020204030204" pitchFamily="34" charset="0"/>
-              </a:rPr>
-              <a:t>ЦИКЛ </a:t>
-            </a:r>
-            <a:r>
-              <a:rPr lang="en-US" sz="900" b="1" spc="-1" dirty="0" smtClean="0">
-                <a:latin typeface="Calibri" panose="020F0502020204030204" pitchFamily="34" charset="0"/>
-                <a:cs typeface="Calibri" panose="020F0502020204030204" pitchFamily="34" charset="0"/>
-              </a:rPr>
-              <a:t>WHILE.</a:t>
-            </a:r>
-            <a:r>
-              <a:rPr lang="ru-RU" sz="900" b="1" spc="-1" dirty="0" smtClean="0">
-                <a:latin typeface="Calibri" panose="020F0502020204030204" pitchFamily="34" charset="0"/>
-                <a:cs typeface="Calibri" panose="020F0502020204030204" pitchFamily="34" charset="0"/>
-              </a:rPr>
-              <a:t> </a:t>
-            </a:r>
-            <a:endParaRPr lang="ru-RU" sz="900" b="1" strike="noStrike" spc="-1" dirty="0">
-              <a:latin typeface="Calibri" panose="020F0502020204030204" pitchFamily="34" charset="0"/>
-              <a:cs typeface="Calibri" panose="020F0502020204030204" pitchFamily="34" charset="0"/>
-            </a:endParaRPr>
-          </a:p>
-        </p:txBody>
-      </p:sp>
-      <p:sp>
-        <p:nvSpPr>
-          <p:cNvPr id="20" name="CustomShape 2"/>
-          <p:cNvSpPr/>
-          <p:nvPr/>
-        </p:nvSpPr>
-        <p:spPr>
-          <a:xfrm>
-            <a:off x="690120" y="1153800"/>
-            <a:ext cx="7553160" cy="395640"/>
-          </a:xfrm>
-          <a:prstGeom prst="rect">
-            <a:avLst/>
-          </a:prstGeom>
-          <a:noFill/>
-          <a:ln>
-            <a:noFill/>
-          </a:ln>
-        </p:spPr>
-        <p:style>
-          <a:lnRef idx="0">
-            <a:scrgbClr r="0" g="0" b="0"/>
-          </a:lnRef>
-          <a:fillRef idx="0">
-            <a:scrgbClr r="0" g="0" b="0"/>
-          </a:fillRef>
-          <a:effectRef idx="0">
-            <a:scrgbClr r="0" g="0" b="0"/>
-          </a:effectRef>
-          <a:fontRef idx="minor"/>
-        </p:style>
-        <p:txBody>
-          <a:bodyPr lIns="90000" tIns="45000" rIns="90000" bIns="45000"/>
-          <a:lstStyle/>
-          <a:p>
-            <a:pPr>
-              <a:lnSpc>
-                <a:spcPct val="100000"/>
-              </a:lnSpc>
-            </a:pPr>
-            <a:r>
-              <a:rPr lang="ru-RU" sz="2000" b="1" spc="-1" dirty="0">
-                <a:solidFill>
-                  <a:srgbClr val="000000"/>
-                </a:solidFill>
-                <a:latin typeface="Calibri"/>
-                <a:ea typeface="Calibri"/>
-              </a:rPr>
-              <a:t>Тема: Условия ветвления. Цикл </a:t>
-            </a:r>
-            <a:r>
-              <a:rPr lang="en-US" sz="2000" b="1" spc="-1" dirty="0">
-                <a:solidFill>
-                  <a:srgbClr val="000000"/>
-                </a:solidFill>
-                <a:latin typeface="Calibri"/>
-                <a:ea typeface="Calibri"/>
-              </a:rPr>
-              <a:t>while.</a:t>
-            </a:r>
-            <a:endParaRPr lang="ru-RU" sz="2000" spc="-1" dirty="0"/>
           </a:p>
         </p:txBody>
       </p:sp>
@@ -16178,10 +17774,145 @@
               </a:rPr>
               <a:t> будет верно, только если оба выражения верны.</a:t>
             </a:r>
-            <a:endParaRPr lang="ru-RU" spc="-1" dirty="0">
+          </a:p>
+        </p:txBody>
+      </p:sp>
+      <p:sp>
+        <p:nvSpPr>
+          <p:cNvPr id="15" name="CustomShape 3"/>
+          <p:cNvSpPr/>
+          <p:nvPr/>
+        </p:nvSpPr>
+        <p:spPr>
+          <a:xfrm>
+            <a:off x="4411800" y="379080"/>
+            <a:ext cx="3818160" cy="364320"/>
+          </a:xfrm>
+          <a:prstGeom prst="rect">
+            <a:avLst/>
+          </a:prstGeom>
+          <a:noFill/>
+          <a:ln>
+            <a:noFill/>
+          </a:ln>
+        </p:spPr>
+        <p:style>
+          <a:lnRef idx="0">
+            <a:scrgbClr r="0" g="0" b="0"/>
+          </a:lnRef>
+          <a:fillRef idx="0">
+            <a:scrgbClr r="0" g="0" b="0"/>
+          </a:fillRef>
+          <a:effectRef idx="0">
+            <a:scrgbClr r="0" g="0" b="0"/>
+          </a:effectRef>
+          <a:fontRef idx="minor"/>
+        </p:style>
+        <p:txBody>
+          <a:bodyPr lIns="90000" tIns="45000" rIns="90000" bIns="45000"/>
+          <a:lstStyle/>
+          <a:p>
+            <a:pPr algn="r">
+              <a:lnSpc>
+                <a:spcPct val="100000"/>
+              </a:lnSpc>
+            </a:pPr>
+            <a:r>
+              <a:rPr lang="ru-RU" sz="900" b="1" spc="-1" dirty="0" smtClean="0">
+                <a:latin typeface="Calibri" panose="020F0502020204030204" pitchFamily="34" charset="0"/>
+                <a:cs typeface="Calibri" panose="020F0502020204030204" pitchFamily="34" charset="0"/>
+              </a:rPr>
+              <a:t>ЛОГИЧЕСКИЕ ОПЕРАТОРЫ.</a:t>
+            </a:r>
+          </a:p>
+          <a:p>
+            <a:pPr algn="r">
+              <a:lnSpc>
+                <a:spcPct val="100000"/>
+              </a:lnSpc>
+            </a:pPr>
+            <a:r>
+              <a:rPr lang="ru-RU" sz="900" b="1" strike="noStrike" spc="-1" dirty="0" smtClean="0">
+                <a:latin typeface="Calibri" panose="020F0502020204030204" pitchFamily="34" charset="0"/>
+                <a:cs typeface="Calibri" panose="020F0502020204030204" pitchFamily="34" charset="0"/>
+              </a:rPr>
+              <a:t>ЦИКЛ </a:t>
+            </a:r>
+            <a:r>
+              <a:rPr lang="en-US" sz="900" b="1" strike="noStrike" spc="-1" dirty="0" smtClean="0">
+                <a:latin typeface="Calibri" panose="020F0502020204030204" pitchFamily="34" charset="0"/>
+                <a:cs typeface="Calibri" panose="020F0502020204030204" pitchFamily="34" charset="0"/>
+              </a:rPr>
+              <a:t>WHILE.</a:t>
+            </a:r>
+            <a:endParaRPr lang="ru-RU" sz="900" b="1" strike="noStrike" spc="-1" dirty="0">
               <a:latin typeface="Calibri" panose="020F0502020204030204" pitchFamily="34" charset="0"/>
               <a:cs typeface="Calibri" panose="020F0502020204030204" pitchFamily="34" charset="0"/>
             </a:endParaRPr>
+          </a:p>
+        </p:txBody>
+      </p:sp>
+      <p:sp>
+        <p:nvSpPr>
+          <p:cNvPr id="16" name="CustomShape 2"/>
+          <p:cNvSpPr/>
+          <p:nvPr/>
+        </p:nvSpPr>
+        <p:spPr>
+          <a:xfrm>
+            <a:off x="690120" y="1153800"/>
+            <a:ext cx="7553160" cy="395640"/>
+          </a:xfrm>
+          <a:prstGeom prst="rect">
+            <a:avLst/>
+          </a:prstGeom>
+          <a:noFill/>
+          <a:ln>
+            <a:noFill/>
+          </a:ln>
+        </p:spPr>
+        <p:style>
+          <a:lnRef idx="0">
+            <a:scrgbClr r="0" g="0" b="0"/>
+          </a:lnRef>
+          <a:fillRef idx="0">
+            <a:scrgbClr r="0" g="0" b="0"/>
+          </a:fillRef>
+          <a:effectRef idx="0">
+            <a:scrgbClr r="0" g="0" b="0"/>
+          </a:effectRef>
+          <a:fontRef idx="minor"/>
+        </p:style>
+        <p:txBody>
+          <a:bodyPr lIns="90000" tIns="45000" rIns="90000" bIns="45000"/>
+          <a:lstStyle/>
+          <a:p>
+            <a:pPr>
+              <a:lnSpc>
+                <a:spcPct val="100000"/>
+              </a:lnSpc>
+            </a:pPr>
+            <a:r>
+              <a:rPr lang="ru-RU" sz="2000" b="1" spc="-1" dirty="0">
+                <a:solidFill>
+                  <a:srgbClr val="000000"/>
+                </a:solidFill>
+                <a:latin typeface="Calibri"/>
+                <a:ea typeface="Calibri"/>
+              </a:rPr>
+              <a:t>Тема: Логические операторы. Цикл </a:t>
+            </a:r>
+            <a:r>
+              <a:rPr lang="en-US" sz="2000" b="1" spc="-1" dirty="0">
+                <a:solidFill>
+                  <a:srgbClr val="000000"/>
+                </a:solidFill>
+                <a:latin typeface="Calibri"/>
+                <a:ea typeface="Calibri"/>
+              </a:rPr>
+              <a:t>while.</a:t>
+            </a:r>
+            <a:endParaRPr lang="ru-RU" sz="2000" spc="-1" dirty="0"/>
           </a:p>
         </p:txBody>
       </p:sp>
@@ -16485,11 +18216,11 @@
               </a:lnSpc>
             </a:pPr>
             <a:r>
-              <a:rPr lang="ru-RU" sz="1200" b="0" strike="noStrike" spc="-1" dirty="0" smtClean="0">
-                <a:latin typeface="Calibri" panose="020F0502020204030204" pitchFamily="34" charset="0"/>
-                <a:cs typeface="Calibri" panose="020F0502020204030204" pitchFamily="34" charset="0"/>
-              </a:rPr>
-              <a:t>6</a:t>
+              <a:rPr lang="en-US" sz="1200" spc="-1" dirty="0">
+                <a:latin typeface="Calibri" panose="020F0502020204030204" pitchFamily="34" charset="0"/>
+                <a:cs typeface="Calibri" panose="020F0502020204030204" pitchFamily="34" charset="0"/>
+              </a:rPr>
+              <a:t>9</a:t>
             </a:r>
             <a:endParaRPr lang="ru-RU" sz="1200" b="0" strike="noStrike" spc="-1" dirty="0">
               <a:latin typeface="Calibri" panose="020F0502020204030204" pitchFamily="34" charset="0"/>
@@ -16500,96 +18231,14 @@
       </p:sp>
       <p:sp>
         <p:nvSpPr>
-          <p:cNvPr id="19" name="CustomShape 3"/>
+          <p:cNvPr id="21" name="CustomShape 3"/>
           <p:cNvSpPr/>
           <p:nvPr/>
         </p:nvSpPr>
         <p:spPr>
           <a:xfrm>
-            <a:off x="4411800" y="379080"/>
-            <a:ext cx="3818160" cy="364320"/>
-          </a:xfrm>
-          <a:prstGeom prst="rect">
-            <a:avLst/>
-          </a:prstGeom>
-          <a:noFill/>
-          <a:ln>
-            <a:noFill/>
-          </a:ln>
-        </p:spPr>
-        <p:style>
-          <a:lnRef idx="0">
-            <a:scrgbClr r="0" g="0" b="0"/>
-          </a:lnRef>
-          <a:fillRef idx="0">
-            <a:scrgbClr r="0" g="0" b="0"/>
-          </a:fillRef>
-          <a:effectRef idx="0">
-            <a:scrgbClr r="0" g="0" b="0"/>
-          </a:effectRef>
-          <a:fontRef idx="minor"/>
-        </p:style>
-        <p:txBody>
-          <a:bodyPr lIns="90000" tIns="45000" rIns="90000" bIns="45000"/>
-          <a:lstStyle/>
-          <a:p>
-            <a:pPr algn="r">
-              <a:lnSpc>
-                <a:spcPct val="100000"/>
-              </a:lnSpc>
-            </a:pPr>
-            <a:r>
-              <a:rPr lang="ru-RU" sz="900" b="1" spc="-1" dirty="0" smtClean="0">
-                <a:latin typeface="Calibri" panose="020F0502020204030204" pitchFamily="34" charset="0"/>
-                <a:cs typeface="Calibri" panose="020F0502020204030204" pitchFamily="34" charset="0"/>
-              </a:rPr>
-              <a:t>УСЛОВИЯ ВЕТВЛЕНИЯ.</a:t>
-            </a:r>
-          </a:p>
-          <a:p>
-            <a:pPr algn="r">
-              <a:lnSpc>
-                <a:spcPct val="100000"/>
-              </a:lnSpc>
-            </a:pPr>
-            <a:r>
-              <a:rPr lang="ru-RU" sz="900" b="1" spc="-1" dirty="0" smtClean="0">
-                <a:latin typeface="Calibri" panose="020F0502020204030204" pitchFamily="34" charset="0"/>
-                <a:cs typeface="Calibri" panose="020F0502020204030204" pitchFamily="34" charset="0"/>
-              </a:rPr>
-              <a:t>ЦИКЛ </a:t>
-            </a:r>
-            <a:r>
-              <a:rPr lang="en-US" sz="900" b="1" spc="-1" dirty="0" smtClean="0">
-                <a:latin typeface="Calibri" panose="020F0502020204030204" pitchFamily="34" charset="0"/>
-                <a:cs typeface="Calibri" panose="020F0502020204030204" pitchFamily="34" charset="0"/>
-              </a:rPr>
-              <a:t>WHILE.</a:t>
-            </a:r>
-            <a:r>
-              <a:rPr lang="ru-RU" sz="900" b="1" spc="-1" dirty="0" smtClean="0">
-                <a:latin typeface="Calibri" panose="020F0502020204030204" pitchFamily="34" charset="0"/>
-                <a:cs typeface="Calibri" panose="020F0502020204030204" pitchFamily="34" charset="0"/>
-              </a:rPr>
-              <a:t> </a:t>
-            </a:r>
-            <a:endParaRPr lang="ru-RU" sz="900" b="1" strike="noStrike" spc="-1" dirty="0">
-              <a:latin typeface="Calibri" panose="020F0502020204030204" pitchFamily="34" charset="0"/>
-              <a:cs typeface="Calibri" panose="020F0502020204030204" pitchFamily="34" charset="0"/>
-            </a:endParaRPr>
-          </a:p>
-        </p:txBody>
-      </p:sp>
-      <p:sp>
-        <p:nvSpPr>
-          <p:cNvPr id="20" name="CustomShape 2"/>
-          <p:cNvSpPr/>
-          <p:nvPr/>
-        </p:nvSpPr>
-        <p:spPr>
-          <a:xfrm>
-            <a:off x="690120" y="1153800"/>
-            <a:ext cx="7553160" cy="395640"/>
+            <a:off x="645184" y="1850160"/>
+            <a:ext cx="7750496" cy="1721176"/>
           </a:xfrm>
           <a:prstGeom prst="rect">
             <a:avLst/>
@@ -16621,107 +18270,25 @@
               </a:lnSpc>
             </a:pPr>
             <a:r>
-              <a:rPr lang="ru-RU" sz="2000" b="1" spc="-1" dirty="0">
-                <a:solidFill>
-                  <a:srgbClr val="000000"/>
-                </a:solidFill>
-                <a:latin typeface="Calibri"/>
-                <a:ea typeface="Calibri"/>
-              </a:rPr>
-              <a:t>Тема: Условия ветвления. Цикл </a:t>
-            </a:r>
-            <a:r>
-              <a:rPr lang="en-US" sz="2000" b="1" spc="-1" dirty="0">
-                <a:solidFill>
-                  <a:srgbClr val="000000"/>
-                </a:solidFill>
-                <a:latin typeface="Calibri"/>
-                <a:ea typeface="Calibri"/>
-              </a:rPr>
-              <a:t>while.</a:t>
-            </a:r>
-            <a:endParaRPr lang="ru-RU" sz="2000" spc="-1" dirty="0"/>
-          </a:p>
-        </p:txBody>
-      </p:sp>
-      <p:sp>
-        <p:nvSpPr>
-          <p:cNvPr id="21" name="CustomShape 3"/>
-          <p:cNvSpPr/>
-          <p:nvPr/>
-        </p:nvSpPr>
-        <p:spPr>
-          <a:xfrm>
-            <a:off x="645184" y="1850160"/>
-            <a:ext cx="7750496" cy="1721176"/>
-          </a:xfrm>
-          <a:prstGeom prst="rect">
-            <a:avLst/>
-          </a:prstGeom>
-          <a:noFill/>
-          <a:ln>
-            <a:noFill/>
-          </a:ln>
-        </p:spPr>
-        <p:style>
-          <a:lnRef idx="0">
-            <a:scrgbClr r="0" g="0" b="0"/>
-          </a:lnRef>
-          <a:fillRef idx="0">
-            <a:scrgbClr r="0" g="0" b="0"/>
-          </a:fillRef>
-          <a:effectRef idx="0">
-            <a:scrgbClr r="0" g="0" b="0"/>
-          </a:effectRef>
-          <a:fontRef idx="minor"/>
-        </p:style>
-        <p:txBody>
-          <a:bodyPr lIns="90000" tIns="45000" rIns="90000" bIns="45000"/>
-          <a:lstStyle/>
-          <a:p>
-            <a:pPr>
-              <a:lnSpc>
-                <a:spcPct val="100000"/>
-              </a:lnSpc>
-            </a:pPr>
-            <a:r>
               <a:rPr lang="ru-RU" b="1" spc="-1" dirty="0">
                 <a:latin typeface="Calibri" panose="020F0502020204030204" pitchFamily="34" charset="0"/>
                 <a:cs typeface="Calibri" panose="020F0502020204030204" pitchFamily="34" charset="0"/>
               </a:rPr>
-              <a:t>Логические операторы </a:t>
-            </a:r>
-          </a:p>
-          <a:p>
-            <a:pPr>
-              <a:lnSpc>
-                <a:spcPct val="100000"/>
-              </a:lnSpc>
-            </a:pPr>
+              <a:t>О</a:t>
+            </a:r>
+            <a:r>
+              <a:rPr lang="ru-RU" b="1" spc="-1" dirty="0" smtClean="0">
+                <a:latin typeface="Calibri" panose="020F0502020204030204" pitchFamily="34" charset="0"/>
+                <a:cs typeface="Calibri" panose="020F0502020204030204" pitchFamily="34" charset="0"/>
+              </a:rPr>
+              <a:t>ператор </a:t>
+            </a:r>
             <a:r>
               <a:rPr lang="ru-RU" b="1" spc="-1" dirty="0">
                 <a:latin typeface="Calibri" panose="020F0502020204030204" pitchFamily="34" charset="0"/>
                 <a:cs typeface="Calibri" panose="020F0502020204030204" pitchFamily="34" charset="0"/>
               </a:rPr>
-              <a:t> </a:t>
-            </a:r>
-            <a:endParaRPr lang="ru-RU" b="1" spc="-1" dirty="0" smtClean="0">
-              <a:latin typeface="Calibri" panose="020F0502020204030204" pitchFamily="34" charset="0"/>
-              <a:cs typeface="Calibri" panose="020F0502020204030204" pitchFamily="34" charset="0"/>
-            </a:endParaRPr>
-          </a:p>
-          <a:p>
-            <a:pPr>
-              <a:lnSpc>
-                <a:spcPct val="100000"/>
-              </a:lnSpc>
-            </a:pPr>
-            <a:r>
-              <a:rPr lang="ru-RU" b="1" spc="-1" dirty="0">
-                <a:latin typeface="Calibri" panose="020F0502020204030204" pitchFamily="34" charset="0"/>
-                <a:cs typeface="Calibri" panose="020F0502020204030204" pitchFamily="34" charset="0"/>
-              </a:rPr>
-              <a:t>Оператор ИЛИ </a:t>
+              <a:t>ИЛИ </a:t>
             </a:r>
           </a:p>
           <a:p>
@@ -16853,6 +18420,145 @@
           </a:prstGeom>
         </p:spPr>
       </p:pic>
+      <p:sp>
+        <p:nvSpPr>
+          <p:cNvPr id="15" name="CustomShape 3"/>
+          <p:cNvSpPr/>
+          <p:nvPr/>
+        </p:nvSpPr>
+        <p:spPr>
+          <a:xfrm>
+            <a:off x="4411800" y="379080"/>
+            <a:ext cx="3818160" cy="364320"/>
+          </a:xfrm>
+          <a:prstGeom prst="rect">
+            <a:avLst/>
+          </a:prstGeom>
+          <a:noFill/>
+          <a:ln>
+            <a:noFill/>
+          </a:ln>
+        </p:spPr>
+        <p:style>
+          <a:lnRef idx="0">
+            <a:scrgbClr r="0" g="0" b="0"/>
+          </a:lnRef>
+          <a:fillRef idx="0">
+            <a:scrgbClr r="0" g="0" b="0"/>
+          </a:fillRef>
+          <a:effectRef idx="0">
+            <a:scrgbClr r="0" g="0" b="0"/>
+          </a:effectRef>
+          <a:fontRef idx="minor"/>
+        </p:style>
+        <p:txBody>
+          <a:bodyPr lIns="90000" tIns="45000" rIns="90000" bIns="45000"/>
+          <a:lstStyle/>
+          <a:p>
+            <a:pPr algn="r">
+              <a:lnSpc>
+                <a:spcPct val="100000"/>
+              </a:lnSpc>
+            </a:pPr>
+            <a:r>
+              <a:rPr lang="ru-RU" sz="900" b="1" spc="-1" dirty="0" smtClean="0">
+                <a:latin typeface="Calibri" panose="020F0502020204030204" pitchFamily="34" charset="0"/>
+                <a:cs typeface="Calibri" panose="020F0502020204030204" pitchFamily="34" charset="0"/>
+              </a:rPr>
+              <a:t>ЛОГИЧЕСКИЕ ОПЕРАТОРЫ.</a:t>
+            </a:r>
+          </a:p>
+          <a:p>
+            <a:pPr algn="r">
+              <a:lnSpc>
+                <a:spcPct val="100000"/>
+              </a:lnSpc>
+            </a:pPr>
+            <a:r>
+              <a:rPr lang="ru-RU" sz="900" b="1" strike="noStrike" spc="-1" dirty="0" smtClean="0">
+                <a:latin typeface="Calibri" panose="020F0502020204030204" pitchFamily="34" charset="0"/>
+                <a:cs typeface="Calibri" panose="020F0502020204030204" pitchFamily="34" charset="0"/>
+              </a:rPr>
+              <a:t>ЦИКЛ </a:t>
+            </a:r>
+            <a:r>
+              <a:rPr lang="en-US" sz="900" b="1" strike="noStrike" spc="-1" dirty="0" smtClean="0">
+                <a:latin typeface="Calibri" panose="020F0502020204030204" pitchFamily="34" charset="0"/>
+                <a:cs typeface="Calibri" panose="020F0502020204030204" pitchFamily="34" charset="0"/>
+              </a:rPr>
+              <a:t>WHILE.</a:t>
+            </a:r>
+            <a:endParaRPr lang="ru-RU" sz="900" b="1" strike="noStrike" spc="-1" dirty="0">
+              <a:latin typeface="Calibri" panose="020F0502020204030204" pitchFamily="34" charset="0"/>
+              <a:cs typeface="Calibri" panose="020F0502020204030204" pitchFamily="34" charset="0"/>
+            </a:endParaRPr>
+          </a:p>
+        </p:txBody>
+      </p:sp>
+      <p:sp>
+        <p:nvSpPr>
+          <p:cNvPr id="16" name="CustomShape 2"/>
+          <p:cNvSpPr/>
+          <p:nvPr/>
+        </p:nvSpPr>
+        <p:spPr>
+          <a:xfrm>
+            <a:off x="690120" y="1153800"/>
+            <a:ext cx="7553160" cy="395640"/>
+          </a:xfrm>
+          <a:prstGeom prst="rect">
+            <a:avLst/>
+          </a:prstGeom>
+          <a:noFill/>
+          <a:ln>
+            <a:noFill/>
+          </a:ln>
+        </p:spPr>
+        <p:style>
+          <a:lnRef idx="0">
+            <a:scrgbClr r="0" g="0" b="0"/>
+          </a:lnRef>
+          <a:fillRef idx="0">
+            <a:scrgbClr r="0" g="0" b="0"/>
+          </a:fillRef>
+          <a:effectRef idx="0">
+            <a:scrgbClr r="0" g="0" b="0"/>
+          </a:effectRef>
+          <a:fontRef idx="minor"/>
+        </p:style>
+        <p:txBody>
+          <a:bodyPr lIns="90000" tIns="45000" rIns="90000" bIns="45000"/>
+          <a:lstStyle/>
+          <a:p>
+            <a:pPr>
+              <a:lnSpc>
+                <a:spcPct val="100000"/>
+              </a:lnSpc>
+            </a:pPr>
+            <a:r>
+              <a:rPr lang="ru-RU" sz="2000" b="1" spc="-1" dirty="0">
+                <a:solidFill>
+                  <a:srgbClr val="000000"/>
+                </a:solidFill>
+                <a:latin typeface="Calibri"/>
+                <a:ea typeface="Calibri"/>
+              </a:rPr>
+              <a:t>Тема: Логические операторы. Цикл </a:t>
+            </a:r>
+            <a:r>
+              <a:rPr lang="en-US" sz="2000" b="1" spc="-1" dirty="0">
+                <a:solidFill>
+                  <a:srgbClr val="000000"/>
+                </a:solidFill>
+                <a:latin typeface="Calibri"/>
+                <a:ea typeface="Calibri"/>
+              </a:rPr>
+              <a:t>while.</a:t>
+            </a:r>
+            <a:endParaRPr lang="ru-RU" sz="2000" spc="-1" dirty="0"/>
+          </a:p>
+        </p:txBody>
+      </p:sp>
     </p:spTree>
     <p:extLst>
       <p:ext uri="{BB962C8B-B14F-4D97-AF65-F5344CB8AC3E}">
